--- a/Cours terminés/Le vocabulaire de l'escalier.pptx
+++ b/Cours terminés/Le vocabulaire de l'escalier.pptx
@@ -2,14 +2,20 @@
 <file path=ppt/presentation.xml><?xml version="1.0" encoding="utf-8"?>
 <p:presentation xmlns:a="http://schemas.openxmlformats.org/drawingml/2006/main" xmlns:r="http://schemas.openxmlformats.org/officeDocument/2006/relationships" xmlns:p="http://schemas.openxmlformats.org/presentationml/2006/main" saveSubsetFonts="1">
   <p:sldMasterIdLst>
-    <p:sldMasterId id="2147483660" r:id="rId1"/>
+    <p:sldMasterId id="2147483672" r:id="rId1"/>
   </p:sldMasterIdLst>
+  <p:notesMasterIdLst>
+    <p:notesMasterId r:id="rId4"/>
+  </p:notesMasterIdLst>
+  <p:handoutMasterIdLst>
+    <p:handoutMasterId r:id="rId5"/>
+  </p:handoutMasterIdLst>
   <p:sldIdLst>
-    <p:sldId id="256" r:id="rId2"/>
-    <p:sldId id="257" r:id="rId3"/>
+    <p:sldId id="258" r:id="rId2"/>
+    <p:sldId id="259" r:id="rId3"/>
   </p:sldIdLst>
-  <p:sldSz cx="10691813" cy="7559675"/>
-  <p:notesSz cx="6858000" cy="9144000"/>
+  <p:sldSz cx="7199313" cy="10080625"/>
+  <p:notesSz cx="6797675" cy="9926638"/>
   <p:defaultTextStyle>
     <a:defPPr>
       <a:defRPr lang="en-US"/>
@@ -105,12 +111,33 @@
       </a:defRPr>
     </a:lvl9pPr>
   </p:defaultTextStyle>
+  <p:extLst>
+    <p:ext uri="{EFAFB233-063F-42B5-8137-9DF3F51BA10A}">
+      <p15:sldGuideLst xmlns:p15="http://schemas.microsoft.com/office/powerpoint/2012/main">
+        <p15:guide id="1" orient="horz" pos="3175" userDrawn="1">
+          <p15:clr>
+            <a:srgbClr val="A4A3A4"/>
+          </p15:clr>
+        </p15:guide>
+        <p15:guide id="2" pos="2267" userDrawn="1">
+          <p15:clr>
+            <a:srgbClr val="A4A3A4"/>
+          </p15:clr>
+        </p15:guide>
+      </p15:sldGuideLst>
+    </p:ext>
+  </p:extLst>
 </p:presentation>
 </file>
 
-<file path=ppt/slideLayouts/slideLayout1.xml><?xml version="1.0" encoding="utf-8"?>
-<p:sldLayout xmlns:a="http://schemas.openxmlformats.org/drawingml/2006/main" xmlns:r="http://schemas.openxmlformats.org/officeDocument/2006/relationships" xmlns:p="http://schemas.openxmlformats.org/presentationml/2006/main" type="title" preserve="1">
-  <p:cSld name="Diapositive de titre">
+<file path=ppt/handoutMasters/handoutMaster1.xml><?xml version="1.0" encoding="utf-8"?>
+<p:handoutMaster xmlns:a="http://schemas.openxmlformats.org/drawingml/2006/main" xmlns:r="http://schemas.openxmlformats.org/officeDocument/2006/relationships" xmlns:p="http://schemas.openxmlformats.org/presentationml/2006/main">
+  <p:cSld>
+    <p:bg>
+      <p:bgRef idx="1001">
+        <a:schemeClr val="bg1"/>
+      </p:bgRef>
+    </p:bg>
     <p:spTree>
       <p:nvGrpSpPr>
         <p:cNvPr id="1" name=""/>
@@ -127,117 +154,63 @@
       </p:grpSpPr>
       <p:sp>
         <p:nvSpPr>
-          <p:cNvPr id="2" name="Title 1"/>
-          <p:cNvSpPr>
-            <a:spLocks noGrp="1"/>
-          </p:cNvSpPr>
-          <p:nvPr>
-            <p:ph type="ctrTitle"/>
+          <p:cNvPr id="2" name="Header Placeholder 1"/>
+          <p:cNvSpPr>
+            <a:spLocks noGrp="1"/>
+          </p:cNvSpPr>
+          <p:nvPr>
+            <p:ph type="hdr" sz="quarter"/>
           </p:nvPr>
         </p:nvSpPr>
         <p:spPr>
           <a:xfrm>
-            <a:off x="801886" y="1237197"/>
-            <a:ext cx="9088041" cy="2631887"/>
+            <a:off x="0" y="0"/>
+            <a:ext cx="2945659" cy="498056"/>
           </a:xfrm>
+          <a:prstGeom prst="rect">
+            <a:avLst/>
+          </a:prstGeom>
         </p:spPr>
         <p:txBody>
-          <a:bodyPr anchor="b"/>
+          <a:bodyPr vert="horz" lIns="91440" tIns="45720" rIns="91440" bIns="45720" rtlCol="0"/>
           <a:lstStyle>
-            <a:lvl1pPr algn="ctr">
-              <a:defRPr sz="6614"/>
+            <a:lvl1pPr algn="l">
+              <a:defRPr sz="1200"/>
             </a:lvl1pPr>
           </a:lstStyle>
           <a:p>
-            <a:r>
-              <a:rPr lang="fr-FR"/>
-              <a:t>Modifiez le style du titre</a:t>
-            </a:r>
-            <a:endParaRPr lang="en-US" dirty="0"/>
-          </a:p>
-        </p:txBody>
-      </p:sp>
-      <p:sp>
-        <p:nvSpPr>
-          <p:cNvPr id="3" name="Subtitle 2"/>
-          <p:cNvSpPr>
-            <a:spLocks noGrp="1"/>
-          </p:cNvSpPr>
-          <p:nvPr>
-            <p:ph type="subTitle" idx="1"/>
+            <a:endParaRPr lang="fr-FR"/>
+          </a:p>
+        </p:txBody>
+      </p:sp>
+      <p:sp>
+        <p:nvSpPr>
+          <p:cNvPr id="3" name="Date Placeholder 2"/>
+          <p:cNvSpPr>
+            <a:spLocks noGrp="1"/>
+          </p:cNvSpPr>
+          <p:nvPr>
+            <p:ph type="dt" sz="quarter" idx="1"/>
           </p:nvPr>
         </p:nvSpPr>
         <p:spPr>
           <a:xfrm>
-            <a:off x="1336477" y="3970580"/>
-            <a:ext cx="8018860" cy="1825171"/>
+            <a:off x="3850443" y="0"/>
+            <a:ext cx="2945659" cy="498056"/>
           </a:xfrm>
+          <a:prstGeom prst="rect">
+            <a:avLst/>
+          </a:prstGeom>
         </p:spPr>
         <p:txBody>
-          <a:bodyPr/>
+          <a:bodyPr vert="horz" lIns="91440" tIns="45720" rIns="91440" bIns="45720" rtlCol="0"/>
           <a:lstStyle>
-            <a:lvl1pPr marL="0" indent="0" algn="ctr">
-              <a:buNone/>
-              <a:defRPr sz="2646"/>
+            <a:lvl1pPr algn="r">
+              <a:defRPr sz="1200"/>
             </a:lvl1pPr>
-            <a:lvl2pPr marL="503972" indent="0" algn="ctr">
-              <a:buNone/>
-              <a:defRPr sz="2205"/>
-            </a:lvl2pPr>
-            <a:lvl3pPr marL="1007943" indent="0" algn="ctr">
-              <a:buNone/>
-              <a:defRPr sz="1984"/>
-            </a:lvl3pPr>
-            <a:lvl4pPr marL="1511915" indent="0" algn="ctr">
-              <a:buNone/>
-              <a:defRPr sz="1764"/>
-            </a:lvl4pPr>
-            <a:lvl5pPr marL="2015886" indent="0" algn="ctr">
-              <a:buNone/>
-              <a:defRPr sz="1764"/>
-            </a:lvl5pPr>
-            <a:lvl6pPr marL="2519858" indent="0" algn="ctr">
-              <a:buNone/>
-              <a:defRPr sz="1764"/>
-            </a:lvl6pPr>
-            <a:lvl7pPr marL="3023829" indent="0" algn="ctr">
-              <a:buNone/>
-              <a:defRPr sz="1764"/>
-            </a:lvl7pPr>
-            <a:lvl8pPr marL="3527801" indent="0" algn="ctr">
-              <a:buNone/>
-              <a:defRPr sz="1764"/>
-            </a:lvl8pPr>
-            <a:lvl9pPr marL="4031772" indent="0" algn="ctr">
-              <a:buNone/>
-              <a:defRPr sz="1764"/>
-            </a:lvl9pPr>
           </a:lstStyle>
           <a:p>
-            <a:r>
-              <a:rPr lang="fr-FR"/>
-              <a:t>Modifiez le style des sous-titres du masque</a:t>
-            </a:r>
-            <a:endParaRPr lang="en-US" dirty="0"/>
-          </a:p>
-        </p:txBody>
-      </p:sp>
-      <p:sp>
-        <p:nvSpPr>
-          <p:cNvPr id="4" name="Date Placeholder 3"/>
-          <p:cNvSpPr>
-            <a:spLocks noGrp="1"/>
-          </p:cNvSpPr>
-          <p:nvPr>
-            <p:ph type="dt" sz="half" idx="10"/>
-          </p:nvPr>
-        </p:nvSpPr>
-        <p:spPr/>
-        <p:txBody>
-          <a:bodyPr/>
-          <a:lstStyle/>
-          <a:p>
-            <a:fld id="{9B13794B-29D9-4728-93A9-8CF8AE1AF679}" type="datetimeFigureOut">
+            <a:fld id="{1AE5F205-9F92-4364-BB27-9D702E108BBF}" type="datetimeFigureOut">
               <a:rPr lang="fr-FR" smtClean="0"/>
               <a:t>02/08/2024</a:t>
             </a:fld>
@@ -247,18 +220,30 @@
       </p:sp>
       <p:sp>
         <p:nvSpPr>
-          <p:cNvPr id="5" name="Footer Placeholder 4"/>
-          <p:cNvSpPr>
-            <a:spLocks noGrp="1"/>
-          </p:cNvSpPr>
-          <p:nvPr>
-            <p:ph type="ftr" sz="quarter" idx="11"/>
-          </p:nvPr>
-        </p:nvSpPr>
-        <p:spPr/>
-        <p:txBody>
-          <a:bodyPr/>
-          <a:lstStyle/>
+          <p:cNvPr id="4" name="Footer Placeholder 3"/>
+          <p:cNvSpPr>
+            <a:spLocks noGrp="1"/>
+          </p:cNvSpPr>
+          <p:nvPr>
+            <p:ph type="ftr" sz="quarter" idx="2"/>
+          </p:nvPr>
+        </p:nvSpPr>
+        <p:spPr>
+          <a:xfrm>
+            <a:off x="0" y="9428584"/>
+            <a:ext cx="2945659" cy="498055"/>
+          </a:xfrm>
+          <a:prstGeom prst="rect">
+            <a:avLst/>
+          </a:prstGeom>
+        </p:spPr>
+        <p:txBody>
+          <a:bodyPr vert="horz" lIns="91440" tIns="45720" rIns="91440" bIns="45720" rtlCol="0" anchor="b"/>
+          <a:lstStyle>
+            <a:lvl1pPr algn="l">
+              <a:defRPr sz="1200"/>
+            </a:lvl1pPr>
+          </a:lstStyle>
           <a:p>
             <a:endParaRPr lang="fr-FR"/>
           </a:p>
@@ -266,20 +251,32 @@
       </p:sp>
       <p:sp>
         <p:nvSpPr>
-          <p:cNvPr id="6" name="Slide Number Placeholder 5"/>
-          <p:cNvSpPr>
-            <a:spLocks noGrp="1"/>
-          </p:cNvSpPr>
-          <p:nvPr>
-            <p:ph type="sldNum" sz="quarter" idx="12"/>
-          </p:nvPr>
-        </p:nvSpPr>
-        <p:spPr/>
-        <p:txBody>
-          <a:bodyPr/>
-          <a:lstStyle/>
-          <a:p>
-            <a:fld id="{306DEBD1-8A0D-4727-8D4F-7BF72D42AD7C}" type="slidenum">
+          <p:cNvPr id="5" name="Slide Number Placeholder 4"/>
+          <p:cNvSpPr>
+            <a:spLocks noGrp="1"/>
+          </p:cNvSpPr>
+          <p:nvPr>
+            <p:ph type="sldNum" sz="quarter" idx="3"/>
+          </p:nvPr>
+        </p:nvSpPr>
+        <p:spPr>
+          <a:xfrm>
+            <a:off x="3850443" y="9428584"/>
+            <a:ext cx="2945659" cy="498055"/>
+          </a:xfrm>
+          <a:prstGeom prst="rect">
+            <a:avLst/>
+          </a:prstGeom>
+        </p:spPr>
+        <p:txBody>
+          <a:bodyPr vert="horz" lIns="91440" tIns="45720" rIns="91440" bIns="45720" rtlCol="0" anchor="b"/>
+          <a:lstStyle>
+            <a:lvl1pPr algn="r">
+              <a:defRPr sz="1200"/>
+            </a:lvl1pPr>
+          </a:lstStyle>
+          <a:p>
+            <a:fld id="{B87C20D0-FD4E-4B22-A7D5-9269F0E6D6B2}" type="slidenum">
               <a:rPr lang="fr-FR" smtClean="0"/>
               <a:t>‹N°›</a:t>
             </a:fld>
@@ -290,19 +287,23 @@
     </p:spTree>
     <p:extLst>
       <p:ext uri="{BB962C8B-B14F-4D97-AF65-F5344CB8AC3E}">
-        <p14:creationId xmlns:p14="http://schemas.microsoft.com/office/powerpoint/2010/main" val="4104450220"/>
+        <p14:creationId xmlns:p14="http://schemas.microsoft.com/office/powerpoint/2010/main" val="1064488758"/>
       </p:ext>
     </p:extLst>
   </p:cSld>
-  <p:clrMapOvr>
-    <a:masterClrMapping/>
-  </p:clrMapOvr>
-</p:sldLayout>
+  <p:clrMap bg1="lt1" tx1="dk1" bg2="lt2" tx2="dk2" accent1="accent1" accent2="accent2" accent3="accent3" accent4="accent4" accent5="accent5" accent6="accent6" hlink="hlink" folHlink="folHlink"/>
+  <p:hf sldNum="0" hdr="0" ftr="0" dt="0"/>
+</p:handoutMaster>
 </file>
 
-<file path=ppt/slideLayouts/slideLayout10.xml><?xml version="1.0" encoding="utf-8"?>
-<p:sldLayout xmlns:a="http://schemas.openxmlformats.org/drawingml/2006/main" xmlns:r="http://schemas.openxmlformats.org/officeDocument/2006/relationships" xmlns:p="http://schemas.openxmlformats.org/presentationml/2006/main" type="vertTx" preserve="1">
-  <p:cSld name="Titre et texte vertical">
+<file path=ppt/notesMasters/notesMaster1.xml><?xml version="1.0" encoding="utf-8"?>
+<p:notesMaster xmlns:a="http://schemas.openxmlformats.org/drawingml/2006/main" xmlns:r="http://schemas.openxmlformats.org/officeDocument/2006/relationships" xmlns:p="http://schemas.openxmlformats.org/presentationml/2006/main">
+  <p:cSld>
+    <p:bg>
+      <p:bgRef idx="1001">
+        <a:schemeClr val="bg1"/>
+      </p:bgRef>
+    </p:bg>
     <p:spTree>
       <p:nvGrpSpPr>
         <p:cNvPr id="1" name=""/>
@@ -319,95 +320,63 @@
       </p:grpSpPr>
       <p:sp>
         <p:nvSpPr>
-          <p:cNvPr id="2" name="Title 1"/>
-          <p:cNvSpPr>
-            <a:spLocks noGrp="1"/>
-          </p:cNvSpPr>
-          <p:nvPr>
-            <p:ph type="title"/>
-          </p:nvPr>
-        </p:nvSpPr>
-        <p:spPr/>
-        <p:txBody>
-          <a:bodyPr/>
-          <a:lstStyle/>
-          <a:p>
-            <a:r>
-              <a:rPr lang="fr-FR"/>
-              <a:t>Modifiez le style du titre</a:t>
-            </a:r>
-            <a:endParaRPr lang="en-US" dirty="0"/>
-          </a:p>
-        </p:txBody>
-      </p:sp>
-      <p:sp>
-        <p:nvSpPr>
-          <p:cNvPr id="3" name="Vertical Text Placeholder 2"/>
-          <p:cNvSpPr>
-            <a:spLocks noGrp="1"/>
-          </p:cNvSpPr>
-          <p:nvPr>
-            <p:ph type="body" orient="vert" idx="1"/>
-          </p:nvPr>
-        </p:nvSpPr>
-        <p:spPr/>
-        <p:txBody>
-          <a:bodyPr vert="eaVert"/>
-          <a:lstStyle/>
-          <a:p>
-            <a:pPr lvl="0"/>
-            <a:r>
-              <a:rPr lang="fr-FR"/>
-              <a:t>Modifier les styles du texte du masque</a:t>
-            </a:r>
-          </a:p>
-          <a:p>
-            <a:pPr lvl="1"/>
-            <a:r>
-              <a:rPr lang="fr-FR"/>
-              <a:t>Deuxième niveau</a:t>
-            </a:r>
-          </a:p>
-          <a:p>
-            <a:pPr lvl="2"/>
-            <a:r>
-              <a:rPr lang="fr-FR"/>
-              <a:t>Troisième niveau</a:t>
-            </a:r>
-          </a:p>
-          <a:p>
-            <a:pPr lvl="3"/>
-            <a:r>
-              <a:rPr lang="fr-FR"/>
-              <a:t>Quatrième niveau</a:t>
-            </a:r>
-          </a:p>
-          <a:p>
-            <a:pPr lvl="4"/>
-            <a:r>
-              <a:rPr lang="fr-FR"/>
-              <a:t>Cinquième niveau</a:t>
-            </a:r>
-            <a:endParaRPr lang="en-US" dirty="0"/>
-          </a:p>
-        </p:txBody>
-      </p:sp>
-      <p:sp>
-        <p:nvSpPr>
-          <p:cNvPr id="4" name="Date Placeholder 3"/>
-          <p:cNvSpPr>
-            <a:spLocks noGrp="1"/>
-          </p:cNvSpPr>
-          <p:nvPr>
-            <p:ph type="dt" sz="half" idx="10"/>
-          </p:nvPr>
-        </p:nvSpPr>
-        <p:spPr/>
-        <p:txBody>
-          <a:bodyPr/>
-          <a:lstStyle/>
-          <a:p>
-            <a:fld id="{9B13794B-29D9-4728-93A9-8CF8AE1AF679}" type="datetimeFigureOut">
+          <p:cNvPr id="2" name="Header Placeholder 1"/>
+          <p:cNvSpPr>
+            <a:spLocks noGrp="1"/>
+          </p:cNvSpPr>
+          <p:nvPr>
+            <p:ph type="hdr" sz="quarter"/>
+          </p:nvPr>
+        </p:nvSpPr>
+        <p:spPr>
+          <a:xfrm>
+            <a:off x="0" y="0"/>
+            <a:ext cx="2945659" cy="498056"/>
+          </a:xfrm>
+          <a:prstGeom prst="rect">
+            <a:avLst/>
+          </a:prstGeom>
+        </p:spPr>
+        <p:txBody>
+          <a:bodyPr vert="horz" lIns="91440" tIns="45720" rIns="91440" bIns="45720" rtlCol="0"/>
+          <a:lstStyle>
+            <a:lvl1pPr algn="l">
+              <a:defRPr sz="1200"/>
+            </a:lvl1pPr>
+          </a:lstStyle>
+          <a:p>
+            <a:endParaRPr lang="fr-FR"/>
+          </a:p>
+        </p:txBody>
+      </p:sp>
+      <p:sp>
+        <p:nvSpPr>
+          <p:cNvPr id="3" name="Date Placeholder 2"/>
+          <p:cNvSpPr>
+            <a:spLocks noGrp="1"/>
+          </p:cNvSpPr>
+          <p:nvPr>
+            <p:ph type="dt" idx="1"/>
+          </p:nvPr>
+        </p:nvSpPr>
+        <p:spPr>
+          <a:xfrm>
+            <a:off x="3850443" y="0"/>
+            <a:ext cx="2945659" cy="498056"/>
+          </a:xfrm>
+          <a:prstGeom prst="rect">
+            <a:avLst/>
+          </a:prstGeom>
+        </p:spPr>
+        <p:txBody>
+          <a:bodyPr vert="horz" lIns="91440" tIns="45720" rIns="91440" bIns="45720" rtlCol="0"/>
+          <a:lstStyle>
+            <a:lvl1pPr algn="r">
+              <a:defRPr sz="1200"/>
+            </a:lvl1pPr>
+          </a:lstStyle>
+          <a:p>
+            <a:fld id="{FC332A08-707A-473B-ADC8-5287791CAEB0}" type="datetimeFigureOut">
               <a:rPr lang="fr-FR" smtClean="0"/>
               <a:t>02/08/2024</a:t>
             </a:fld>
@@ -417,17 +386,31 @@
       </p:sp>
       <p:sp>
         <p:nvSpPr>
-          <p:cNvPr id="5" name="Footer Placeholder 4"/>
-          <p:cNvSpPr>
-            <a:spLocks noGrp="1"/>
-          </p:cNvSpPr>
-          <p:nvPr>
-            <p:ph type="ftr" sz="quarter" idx="11"/>
-          </p:nvPr>
-        </p:nvSpPr>
-        <p:spPr/>
-        <p:txBody>
-          <a:bodyPr/>
+          <p:cNvPr id="4" name="Slide Image Placeholder 3"/>
+          <p:cNvSpPr>
+            <a:spLocks noGrp="1" noRot="1" noChangeAspect="1"/>
+          </p:cNvSpPr>
+          <p:nvPr>
+            <p:ph type="sldImg" idx="2"/>
+          </p:nvPr>
+        </p:nvSpPr>
+        <p:spPr>
+          <a:xfrm>
+            <a:off x="2203450" y="1241425"/>
+            <a:ext cx="2390775" cy="3349625"/>
+          </a:xfrm>
+          <a:prstGeom prst="rect">
+            <a:avLst/>
+          </a:prstGeom>
+          <a:noFill/>
+          <a:ln w="12700">
+            <a:solidFill>
+              <a:prstClr val="black"/>
+            </a:solidFill>
+          </a:ln>
+        </p:spPr>
+        <p:txBody>
+          <a:bodyPr vert="horz" lIns="91440" tIns="45720" rIns="91440" bIns="45720" rtlCol="0" anchor="ctr"/>
           <a:lstStyle/>
           <a:p>
             <a:endParaRPr lang="fr-FR"/>
@@ -436,20 +419,123 @@
       </p:sp>
       <p:sp>
         <p:nvSpPr>
-          <p:cNvPr id="6" name="Slide Number Placeholder 5"/>
-          <p:cNvSpPr>
-            <a:spLocks noGrp="1"/>
-          </p:cNvSpPr>
-          <p:nvPr>
-            <p:ph type="sldNum" sz="quarter" idx="12"/>
-          </p:nvPr>
-        </p:nvSpPr>
-        <p:spPr/>
-        <p:txBody>
-          <a:bodyPr/>
-          <a:lstStyle/>
-          <a:p>
-            <a:fld id="{306DEBD1-8A0D-4727-8D4F-7BF72D42AD7C}" type="slidenum">
+          <p:cNvPr id="5" name="Notes Placeholder 4"/>
+          <p:cNvSpPr>
+            <a:spLocks noGrp="1"/>
+          </p:cNvSpPr>
+          <p:nvPr>
+            <p:ph type="body" sz="quarter" idx="3"/>
+          </p:nvPr>
+        </p:nvSpPr>
+        <p:spPr>
+          <a:xfrm>
+            <a:off x="679768" y="4777194"/>
+            <a:ext cx="5438140" cy="3908614"/>
+          </a:xfrm>
+          <a:prstGeom prst="rect">
+            <a:avLst/>
+          </a:prstGeom>
+        </p:spPr>
+        <p:txBody>
+          <a:bodyPr vert="horz" lIns="91440" tIns="45720" rIns="91440" bIns="45720" rtlCol="0"/>
+          <a:lstStyle/>
+          <a:p>
+            <a:pPr lvl="0"/>
+            <a:r>
+              <a:rPr lang="en-US"/>
+              <a:t>Edit Master text styles</a:t>
+            </a:r>
+          </a:p>
+          <a:p>
+            <a:pPr lvl="1"/>
+            <a:r>
+              <a:rPr lang="en-US"/>
+              <a:t>Second level</a:t>
+            </a:r>
+          </a:p>
+          <a:p>
+            <a:pPr lvl="2"/>
+            <a:r>
+              <a:rPr lang="en-US"/>
+              <a:t>Third level</a:t>
+            </a:r>
+          </a:p>
+          <a:p>
+            <a:pPr lvl="3"/>
+            <a:r>
+              <a:rPr lang="en-US"/>
+              <a:t>Fourth level</a:t>
+            </a:r>
+          </a:p>
+          <a:p>
+            <a:pPr lvl="4"/>
+            <a:r>
+              <a:rPr lang="en-US"/>
+              <a:t>Fifth level</a:t>
+            </a:r>
+            <a:endParaRPr lang="fr-FR"/>
+          </a:p>
+        </p:txBody>
+      </p:sp>
+      <p:sp>
+        <p:nvSpPr>
+          <p:cNvPr id="6" name="Footer Placeholder 5"/>
+          <p:cNvSpPr>
+            <a:spLocks noGrp="1"/>
+          </p:cNvSpPr>
+          <p:nvPr>
+            <p:ph type="ftr" sz="quarter" idx="4"/>
+          </p:nvPr>
+        </p:nvSpPr>
+        <p:spPr>
+          <a:xfrm>
+            <a:off x="0" y="9428584"/>
+            <a:ext cx="2945659" cy="498055"/>
+          </a:xfrm>
+          <a:prstGeom prst="rect">
+            <a:avLst/>
+          </a:prstGeom>
+        </p:spPr>
+        <p:txBody>
+          <a:bodyPr vert="horz" lIns="91440" tIns="45720" rIns="91440" bIns="45720" rtlCol="0" anchor="b"/>
+          <a:lstStyle>
+            <a:lvl1pPr algn="l">
+              <a:defRPr sz="1200"/>
+            </a:lvl1pPr>
+          </a:lstStyle>
+          <a:p>
+            <a:endParaRPr lang="fr-FR"/>
+          </a:p>
+        </p:txBody>
+      </p:sp>
+      <p:sp>
+        <p:nvSpPr>
+          <p:cNvPr id="7" name="Slide Number Placeholder 6"/>
+          <p:cNvSpPr>
+            <a:spLocks noGrp="1"/>
+          </p:cNvSpPr>
+          <p:nvPr>
+            <p:ph type="sldNum" sz="quarter" idx="5"/>
+          </p:nvPr>
+        </p:nvSpPr>
+        <p:spPr>
+          <a:xfrm>
+            <a:off x="3850443" y="9428584"/>
+            <a:ext cx="2945659" cy="498055"/>
+          </a:xfrm>
+          <a:prstGeom prst="rect">
+            <a:avLst/>
+          </a:prstGeom>
+        </p:spPr>
+        <p:txBody>
+          <a:bodyPr vert="horz" lIns="91440" tIns="45720" rIns="91440" bIns="45720" rtlCol="0" anchor="b"/>
+          <a:lstStyle>
+            <a:lvl1pPr algn="r">
+              <a:defRPr sz="1200"/>
+            </a:lvl1pPr>
+          </a:lstStyle>
+          <a:p>
+            <a:fld id="{7C245905-7532-46F0-9DC5-66613B72D477}" type="slidenum">
               <a:rPr lang="fr-FR" smtClean="0"/>
               <a:t>‹N°›</a:t>
             </a:fld>
@@ -460,19 +546,110 @@
     </p:spTree>
     <p:extLst>
       <p:ext uri="{BB962C8B-B14F-4D97-AF65-F5344CB8AC3E}">
-        <p14:creationId xmlns:p14="http://schemas.microsoft.com/office/powerpoint/2010/main" val="2865864976"/>
+        <p14:creationId xmlns:p14="http://schemas.microsoft.com/office/powerpoint/2010/main" val="3553081010"/>
       </p:ext>
     </p:extLst>
   </p:cSld>
-  <p:clrMapOvr>
-    <a:masterClrMapping/>
-  </p:clrMapOvr>
-</p:sldLayout>
+  <p:clrMap bg1="lt1" tx1="dk1" bg2="lt2" tx2="dk2" accent1="accent1" accent2="accent2" accent3="accent3" accent4="accent4" accent5="accent5" accent6="accent6" hlink="hlink" folHlink="folHlink"/>
+  <p:hf sldNum="0" hdr="0" ftr="0" dt="0"/>
+  <p:notesStyle>
+    <a:lvl1pPr marL="0" algn="l" defTabSz="877824" rtl="0" eaLnBrk="1" latinLnBrk="0" hangingPunct="1">
+      <a:defRPr sz="1152" kern="1200">
+        <a:solidFill>
+          <a:schemeClr val="tx1"/>
+        </a:solidFill>
+        <a:latin typeface="+mn-lt"/>
+        <a:ea typeface="+mn-ea"/>
+        <a:cs typeface="+mn-cs"/>
+      </a:defRPr>
+    </a:lvl1pPr>
+    <a:lvl2pPr marL="438912" algn="l" defTabSz="877824" rtl="0" eaLnBrk="1" latinLnBrk="0" hangingPunct="1">
+      <a:defRPr sz="1152" kern="1200">
+        <a:solidFill>
+          <a:schemeClr val="tx1"/>
+        </a:solidFill>
+        <a:latin typeface="+mn-lt"/>
+        <a:ea typeface="+mn-ea"/>
+        <a:cs typeface="+mn-cs"/>
+      </a:defRPr>
+    </a:lvl2pPr>
+    <a:lvl3pPr marL="877824" algn="l" defTabSz="877824" rtl="0" eaLnBrk="1" latinLnBrk="0" hangingPunct="1">
+      <a:defRPr sz="1152" kern="1200">
+        <a:solidFill>
+          <a:schemeClr val="tx1"/>
+        </a:solidFill>
+        <a:latin typeface="+mn-lt"/>
+        <a:ea typeface="+mn-ea"/>
+        <a:cs typeface="+mn-cs"/>
+      </a:defRPr>
+    </a:lvl3pPr>
+    <a:lvl4pPr marL="1316736" algn="l" defTabSz="877824" rtl="0" eaLnBrk="1" latinLnBrk="0" hangingPunct="1">
+      <a:defRPr sz="1152" kern="1200">
+        <a:solidFill>
+          <a:schemeClr val="tx1"/>
+        </a:solidFill>
+        <a:latin typeface="+mn-lt"/>
+        <a:ea typeface="+mn-ea"/>
+        <a:cs typeface="+mn-cs"/>
+      </a:defRPr>
+    </a:lvl4pPr>
+    <a:lvl5pPr marL="1755648" algn="l" defTabSz="877824" rtl="0" eaLnBrk="1" latinLnBrk="0" hangingPunct="1">
+      <a:defRPr sz="1152" kern="1200">
+        <a:solidFill>
+          <a:schemeClr val="tx1"/>
+        </a:solidFill>
+        <a:latin typeface="+mn-lt"/>
+        <a:ea typeface="+mn-ea"/>
+        <a:cs typeface="+mn-cs"/>
+      </a:defRPr>
+    </a:lvl5pPr>
+    <a:lvl6pPr marL="2194560" algn="l" defTabSz="877824" rtl="0" eaLnBrk="1" latinLnBrk="0" hangingPunct="1">
+      <a:defRPr sz="1152" kern="1200">
+        <a:solidFill>
+          <a:schemeClr val="tx1"/>
+        </a:solidFill>
+        <a:latin typeface="+mn-lt"/>
+        <a:ea typeface="+mn-ea"/>
+        <a:cs typeface="+mn-cs"/>
+      </a:defRPr>
+    </a:lvl6pPr>
+    <a:lvl7pPr marL="2633472" algn="l" defTabSz="877824" rtl="0" eaLnBrk="1" latinLnBrk="0" hangingPunct="1">
+      <a:defRPr sz="1152" kern="1200">
+        <a:solidFill>
+          <a:schemeClr val="tx1"/>
+        </a:solidFill>
+        <a:latin typeface="+mn-lt"/>
+        <a:ea typeface="+mn-ea"/>
+        <a:cs typeface="+mn-cs"/>
+      </a:defRPr>
+    </a:lvl7pPr>
+    <a:lvl8pPr marL="3072384" algn="l" defTabSz="877824" rtl="0" eaLnBrk="1" latinLnBrk="0" hangingPunct="1">
+      <a:defRPr sz="1152" kern="1200">
+        <a:solidFill>
+          <a:schemeClr val="tx1"/>
+        </a:solidFill>
+        <a:latin typeface="+mn-lt"/>
+        <a:ea typeface="+mn-ea"/>
+        <a:cs typeface="+mn-cs"/>
+      </a:defRPr>
+    </a:lvl8pPr>
+    <a:lvl9pPr marL="3511296" algn="l" defTabSz="877824" rtl="0" eaLnBrk="1" latinLnBrk="0" hangingPunct="1">
+      <a:defRPr sz="1152" kern="1200">
+        <a:solidFill>
+          <a:schemeClr val="tx1"/>
+        </a:solidFill>
+        <a:latin typeface="+mn-lt"/>
+        <a:ea typeface="+mn-ea"/>
+        <a:cs typeface="+mn-cs"/>
+      </a:defRPr>
+    </a:lvl9pPr>
+  </p:notesStyle>
+</p:notesMaster>
 </file>
 
-<file path=ppt/slideLayouts/slideLayout11.xml><?xml version="1.0" encoding="utf-8"?>
-<p:sldLayout xmlns:a="http://schemas.openxmlformats.org/drawingml/2006/main" xmlns:r="http://schemas.openxmlformats.org/officeDocument/2006/relationships" xmlns:p="http://schemas.openxmlformats.org/presentationml/2006/main" type="vertTitleAndTx" preserve="1">
-  <p:cSld name="Titre vertical et texte">
+<file path=ppt/slideLayouts/slideLayout1.xml><?xml version="1.0" encoding="utf-8"?>
+<p:sldLayout xmlns:a="http://schemas.openxmlformats.org/drawingml/2006/main" xmlns:r="http://schemas.openxmlformats.org/officeDocument/2006/relationships" xmlns:p="http://schemas.openxmlformats.org/presentationml/2006/main" type="title" preserve="1">
+  <p:cSld name="Title Slide">
     <p:spTree>
       <p:nvGrpSpPr>
         <p:cNvPr id="1" name=""/>
@@ -489,27 +666,31 @@
       </p:grpSpPr>
       <p:sp>
         <p:nvSpPr>
-          <p:cNvPr id="2" name="Vertical Title 1"/>
-          <p:cNvSpPr>
-            <a:spLocks noGrp="1"/>
-          </p:cNvSpPr>
-          <p:nvPr>
-            <p:ph type="title" orient="vert"/>
+          <p:cNvPr id="2" name="Title 1"/>
+          <p:cNvSpPr>
+            <a:spLocks noGrp="1"/>
+          </p:cNvSpPr>
+          <p:nvPr>
+            <p:ph type="ctrTitle"/>
           </p:nvPr>
         </p:nvSpPr>
         <p:spPr>
           <a:xfrm>
-            <a:off x="7651329" y="402483"/>
-            <a:ext cx="2305422" cy="6406475"/>
+            <a:off x="539949" y="1649770"/>
+            <a:ext cx="6119416" cy="3509551"/>
           </a:xfrm>
         </p:spPr>
         <p:txBody>
-          <a:bodyPr vert="eaVert"/>
-          <a:lstStyle/>
-          <a:p>
-            <a:r>
-              <a:rPr lang="fr-FR"/>
-              <a:t>Modifiez le style du titre</a:t>
+          <a:bodyPr anchor="b"/>
+          <a:lstStyle>
+            <a:lvl1pPr algn="ctr">
+              <a:defRPr sz="4724"/>
+            </a:lvl1pPr>
+          </a:lstStyle>
+          <a:p>
+            <a:r>
+              <a:rPr lang="en-US"/>
+              <a:t>Click to edit Master title style</a:t>
             </a:r>
             <a:endParaRPr lang="en-US" dirty="0"/>
           </a:p>
@@ -517,56 +698,64 @@
       </p:sp>
       <p:sp>
         <p:nvSpPr>
-          <p:cNvPr id="3" name="Vertical Text Placeholder 2"/>
-          <p:cNvSpPr>
-            <a:spLocks noGrp="1"/>
-          </p:cNvSpPr>
-          <p:nvPr>
-            <p:ph type="body" orient="vert" idx="1"/>
+          <p:cNvPr id="3" name="Subtitle 2"/>
+          <p:cNvSpPr>
+            <a:spLocks noGrp="1"/>
+          </p:cNvSpPr>
+          <p:nvPr>
+            <p:ph type="subTitle" idx="1"/>
           </p:nvPr>
         </p:nvSpPr>
         <p:spPr>
           <a:xfrm>
-            <a:off x="735063" y="402483"/>
-            <a:ext cx="6782619" cy="6406475"/>
+            <a:off x="899914" y="5294662"/>
+            <a:ext cx="5399485" cy="2433817"/>
           </a:xfrm>
         </p:spPr>
         <p:txBody>
-          <a:bodyPr vert="eaVert"/>
-          <a:lstStyle/>
-          <a:p>
-            <a:pPr lvl="0"/>
-            <a:r>
-              <a:rPr lang="fr-FR"/>
-              <a:t>Modifier les styles du texte du masque</a:t>
-            </a:r>
-          </a:p>
-          <a:p>
-            <a:pPr lvl="1"/>
-            <a:r>
-              <a:rPr lang="fr-FR"/>
-              <a:t>Deuxième niveau</a:t>
-            </a:r>
-          </a:p>
-          <a:p>
-            <a:pPr lvl="2"/>
-            <a:r>
-              <a:rPr lang="fr-FR"/>
-              <a:t>Troisième niveau</a:t>
-            </a:r>
-          </a:p>
-          <a:p>
-            <a:pPr lvl="3"/>
-            <a:r>
-              <a:rPr lang="fr-FR"/>
-              <a:t>Quatrième niveau</a:t>
-            </a:r>
-          </a:p>
-          <a:p>
-            <a:pPr lvl="4"/>
-            <a:r>
-              <a:rPr lang="fr-FR"/>
-              <a:t>Cinquième niveau</a:t>
+          <a:bodyPr/>
+          <a:lstStyle>
+            <a:lvl1pPr marL="0" indent="0" algn="ctr">
+              <a:buNone/>
+              <a:defRPr sz="1890"/>
+            </a:lvl1pPr>
+            <a:lvl2pPr marL="359954" indent="0" algn="ctr">
+              <a:buNone/>
+              <a:defRPr sz="1575"/>
+            </a:lvl2pPr>
+            <a:lvl3pPr marL="719907" indent="0" algn="ctr">
+              <a:buNone/>
+              <a:defRPr sz="1417"/>
+            </a:lvl3pPr>
+            <a:lvl4pPr marL="1079861" indent="0" algn="ctr">
+              <a:buNone/>
+              <a:defRPr sz="1260"/>
+            </a:lvl4pPr>
+            <a:lvl5pPr marL="1439814" indent="0" algn="ctr">
+              <a:buNone/>
+              <a:defRPr sz="1260"/>
+            </a:lvl5pPr>
+            <a:lvl6pPr marL="1799768" indent="0" algn="ctr">
+              <a:buNone/>
+              <a:defRPr sz="1260"/>
+            </a:lvl6pPr>
+            <a:lvl7pPr marL="2159721" indent="0" algn="ctr">
+              <a:buNone/>
+              <a:defRPr sz="1260"/>
+            </a:lvl7pPr>
+            <a:lvl8pPr marL="2519675" indent="0" algn="ctr">
+              <a:buNone/>
+              <a:defRPr sz="1260"/>
+            </a:lvl8pPr>
+            <a:lvl9pPr marL="2879628" indent="0" algn="ctr">
+              <a:buNone/>
+              <a:defRPr sz="1260"/>
+            </a:lvl9pPr>
+          </a:lstStyle>
+          <a:p>
+            <a:r>
+              <a:rPr lang="en-US"/>
+              <a:t>Click to edit Master subtitle style</a:t>
             </a:r>
             <a:endParaRPr lang="en-US" dirty="0"/>
           </a:p>
@@ -587,7 +776,7 @@
           <a:bodyPr/>
           <a:lstStyle/>
           <a:p>
-            <a:fld id="{9B13794B-29D9-4728-93A9-8CF8AE1AF679}" type="datetimeFigureOut">
+            <a:fld id="{D31E1380-0A9F-4603-AC58-48312EBC6535}" type="datetime1">
               <a:rPr lang="fr-FR" smtClean="0"/>
               <a:t>02/08/2024</a:t>
             </a:fld>
@@ -629,7 +818,7 @@
           <a:bodyPr/>
           <a:lstStyle/>
           <a:p>
-            <a:fld id="{306DEBD1-8A0D-4727-8D4F-7BF72D42AD7C}" type="slidenum">
+            <a:fld id="{7BD0401B-1ABD-4809-85CC-EE844AFDB754}" type="slidenum">
               <a:rPr lang="fr-FR" smtClean="0"/>
               <a:t>‹N°›</a:t>
             </a:fld>
@@ -640,7 +829,7 @@
     </p:spTree>
     <p:extLst>
       <p:ext uri="{BB962C8B-B14F-4D97-AF65-F5344CB8AC3E}">
-        <p14:creationId xmlns:p14="http://schemas.microsoft.com/office/powerpoint/2010/main" val="4202920909"/>
+        <p14:creationId xmlns:p14="http://schemas.microsoft.com/office/powerpoint/2010/main" val="3966075584"/>
       </p:ext>
     </p:extLst>
   </p:cSld>
@@ -650,9 +839,9 @@
 </p:sldLayout>
 </file>
 
-<file path=ppt/slideLayouts/slideLayout2.xml><?xml version="1.0" encoding="utf-8"?>
-<p:sldLayout xmlns:a="http://schemas.openxmlformats.org/drawingml/2006/main" xmlns:r="http://schemas.openxmlformats.org/officeDocument/2006/relationships" xmlns:p="http://schemas.openxmlformats.org/presentationml/2006/main" type="obj" preserve="1">
-  <p:cSld name="Titre et contenu">
+<file path=ppt/slideLayouts/slideLayout10.xml><?xml version="1.0" encoding="utf-8"?>
+<p:sldLayout xmlns:a="http://schemas.openxmlformats.org/drawingml/2006/main" xmlns:r="http://schemas.openxmlformats.org/officeDocument/2006/relationships" xmlns:p="http://schemas.openxmlformats.org/presentationml/2006/main" type="vertTx" preserve="1">
+  <p:cSld name="Title and Vertical Text">
     <p:spTree>
       <p:nvGrpSpPr>
         <p:cNvPr id="1" name=""/>
@@ -683,8 +872,8 @@
           <a:lstStyle/>
           <a:p>
             <a:r>
-              <a:rPr lang="fr-FR"/>
-              <a:t>Modifiez le style du titre</a:t>
+              <a:rPr lang="en-US"/>
+              <a:t>Click to edit Master title style</a:t>
             </a:r>
             <a:endParaRPr lang="en-US" dirty="0"/>
           </a:p>
@@ -692,72 +881,72 @@
       </p:sp>
       <p:sp>
         <p:nvSpPr>
-          <p:cNvPr id="3" name="Content Placeholder 2"/>
-          <p:cNvSpPr>
-            <a:spLocks noGrp="1"/>
-          </p:cNvSpPr>
-          <p:nvPr>
-            <p:ph idx="1"/>
+          <p:cNvPr id="3" name="Vertical Text Placeholder 2"/>
+          <p:cNvSpPr>
+            <a:spLocks noGrp="1"/>
+          </p:cNvSpPr>
+          <p:nvPr>
+            <p:ph type="body" orient="vert" idx="1"/>
           </p:nvPr>
         </p:nvSpPr>
         <p:spPr/>
         <p:txBody>
+          <a:bodyPr vert="eaVert"/>
+          <a:lstStyle/>
+          <a:p>
+            <a:pPr lvl="0"/>
+            <a:r>
+              <a:rPr lang="en-US"/>
+              <a:t>Edit Master text styles</a:t>
+            </a:r>
+          </a:p>
+          <a:p>
+            <a:pPr lvl="1"/>
+            <a:r>
+              <a:rPr lang="en-US"/>
+              <a:t>Second level</a:t>
+            </a:r>
+          </a:p>
+          <a:p>
+            <a:pPr lvl="2"/>
+            <a:r>
+              <a:rPr lang="en-US"/>
+              <a:t>Third level</a:t>
+            </a:r>
+          </a:p>
+          <a:p>
+            <a:pPr lvl="3"/>
+            <a:r>
+              <a:rPr lang="en-US"/>
+              <a:t>Fourth level</a:t>
+            </a:r>
+          </a:p>
+          <a:p>
+            <a:pPr lvl="4"/>
+            <a:r>
+              <a:rPr lang="en-US"/>
+              <a:t>Fifth level</a:t>
+            </a:r>
+            <a:endParaRPr lang="en-US" dirty="0"/>
+          </a:p>
+        </p:txBody>
+      </p:sp>
+      <p:sp>
+        <p:nvSpPr>
+          <p:cNvPr id="4" name="Date Placeholder 3"/>
+          <p:cNvSpPr>
+            <a:spLocks noGrp="1"/>
+          </p:cNvSpPr>
+          <p:nvPr>
+            <p:ph type="dt" sz="half" idx="10"/>
+          </p:nvPr>
+        </p:nvSpPr>
+        <p:spPr/>
+        <p:txBody>
           <a:bodyPr/>
           <a:lstStyle/>
           <a:p>
-            <a:pPr lvl="0"/>
-            <a:r>
-              <a:rPr lang="fr-FR"/>
-              <a:t>Modifier les styles du texte du masque</a:t>
-            </a:r>
-          </a:p>
-          <a:p>
-            <a:pPr lvl="1"/>
-            <a:r>
-              <a:rPr lang="fr-FR"/>
-              <a:t>Deuxième niveau</a:t>
-            </a:r>
-          </a:p>
-          <a:p>
-            <a:pPr lvl="2"/>
-            <a:r>
-              <a:rPr lang="fr-FR"/>
-              <a:t>Troisième niveau</a:t>
-            </a:r>
-          </a:p>
-          <a:p>
-            <a:pPr lvl="3"/>
-            <a:r>
-              <a:rPr lang="fr-FR"/>
-              <a:t>Quatrième niveau</a:t>
-            </a:r>
-          </a:p>
-          <a:p>
-            <a:pPr lvl="4"/>
-            <a:r>
-              <a:rPr lang="fr-FR"/>
-              <a:t>Cinquième niveau</a:t>
-            </a:r>
-            <a:endParaRPr lang="en-US" dirty="0"/>
-          </a:p>
-        </p:txBody>
-      </p:sp>
-      <p:sp>
-        <p:nvSpPr>
-          <p:cNvPr id="4" name="Date Placeholder 3"/>
-          <p:cNvSpPr>
-            <a:spLocks noGrp="1"/>
-          </p:cNvSpPr>
-          <p:nvPr>
-            <p:ph type="dt" sz="half" idx="10"/>
-          </p:nvPr>
-        </p:nvSpPr>
-        <p:spPr/>
-        <p:txBody>
-          <a:bodyPr/>
-          <a:lstStyle/>
-          <a:p>
-            <a:fld id="{9B13794B-29D9-4728-93A9-8CF8AE1AF679}" type="datetimeFigureOut">
+            <a:fld id="{3F4037CB-0E7F-469C-88B1-D123E8603939}" type="datetime1">
               <a:rPr lang="fr-FR" smtClean="0"/>
               <a:t>02/08/2024</a:t>
             </a:fld>
@@ -799,7 +988,7 @@
           <a:bodyPr/>
           <a:lstStyle/>
           <a:p>
-            <a:fld id="{306DEBD1-8A0D-4727-8D4F-7BF72D42AD7C}" type="slidenum">
+            <a:fld id="{7BD0401B-1ABD-4809-85CC-EE844AFDB754}" type="slidenum">
               <a:rPr lang="fr-FR" smtClean="0"/>
               <a:t>‹N°›</a:t>
             </a:fld>
@@ -810,7 +999,7 @@
     </p:spTree>
     <p:extLst>
       <p:ext uri="{BB962C8B-B14F-4D97-AF65-F5344CB8AC3E}">
-        <p14:creationId xmlns:p14="http://schemas.microsoft.com/office/powerpoint/2010/main" val="1218864838"/>
+        <p14:creationId xmlns:p14="http://schemas.microsoft.com/office/powerpoint/2010/main" val="1156647905"/>
       </p:ext>
     </p:extLst>
   </p:cSld>
@@ -820,9 +1009,9 @@
 </p:sldLayout>
 </file>
 
-<file path=ppt/slideLayouts/slideLayout3.xml><?xml version="1.0" encoding="utf-8"?>
-<p:sldLayout xmlns:a="http://schemas.openxmlformats.org/drawingml/2006/main" xmlns:r="http://schemas.openxmlformats.org/officeDocument/2006/relationships" xmlns:p="http://schemas.openxmlformats.org/presentationml/2006/main" type="secHead" preserve="1">
-  <p:cSld name="Titre de section">
+<file path=ppt/slideLayouts/slideLayout11.xml><?xml version="1.0" encoding="utf-8"?>
+<p:sldLayout xmlns:a="http://schemas.openxmlformats.org/drawingml/2006/main" xmlns:r="http://schemas.openxmlformats.org/officeDocument/2006/relationships" xmlns:p="http://schemas.openxmlformats.org/presentationml/2006/main" type="vertTitleAndTx" preserve="1">
+  <p:cSld name="Vertical Title and Text">
     <p:spTree>
       <p:nvGrpSpPr>
         <p:cNvPr id="1" name=""/>
@@ -839,31 +1028,27 @@
       </p:grpSpPr>
       <p:sp>
         <p:nvSpPr>
-          <p:cNvPr id="2" name="Title 1"/>
-          <p:cNvSpPr>
-            <a:spLocks noGrp="1"/>
-          </p:cNvSpPr>
-          <p:nvPr>
-            <p:ph type="title"/>
+          <p:cNvPr id="2" name="Vertical Title 1"/>
+          <p:cNvSpPr>
+            <a:spLocks noGrp="1"/>
+          </p:cNvSpPr>
+          <p:nvPr>
+            <p:ph type="title" orient="vert"/>
           </p:nvPr>
         </p:nvSpPr>
         <p:spPr>
           <a:xfrm>
-            <a:off x="729494" y="1884671"/>
-            <a:ext cx="9221689" cy="3144614"/>
+            <a:off x="5152009" y="536700"/>
+            <a:ext cx="1552352" cy="8542864"/>
           </a:xfrm>
         </p:spPr>
         <p:txBody>
-          <a:bodyPr anchor="b"/>
-          <a:lstStyle>
-            <a:lvl1pPr>
-              <a:defRPr sz="6614"/>
-            </a:lvl1pPr>
-          </a:lstStyle>
-          <a:p>
-            <a:r>
-              <a:rPr lang="fr-FR"/>
-              <a:t>Modifiez le style du titre</a:t>
+          <a:bodyPr vert="eaVert"/>
+          <a:lstStyle/>
+          <a:p>
+            <a:r>
+              <a:rPr lang="en-US"/>
+              <a:t>Click to edit Master title style</a:t>
             </a:r>
             <a:endParaRPr lang="en-US" dirty="0"/>
           </a:p>
@@ -871,137 +1056,77 @@
       </p:sp>
       <p:sp>
         <p:nvSpPr>
-          <p:cNvPr id="3" name="Text Placeholder 2"/>
-          <p:cNvSpPr>
-            <a:spLocks noGrp="1"/>
-          </p:cNvSpPr>
-          <p:nvPr>
-            <p:ph type="body" idx="1"/>
+          <p:cNvPr id="3" name="Vertical Text Placeholder 2"/>
+          <p:cNvSpPr>
+            <a:spLocks noGrp="1"/>
+          </p:cNvSpPr>
+          <p:nvPr>
+            <p:ph type="body" orient="vert" idx="1"/>
           </p:nvPr>
         </p:nvSpPr>
         <p:spPr>
           <a:xfrm>
-            <a:off x="729494" y="5059035"/>
-            <a:ext cx="9221689" cy="1653678"/>
+            <a:off x="494953" y="536700"/>
+            <a:ext cx="4567064" cy="8542864"/>
           </a:xfrm>
         </p:spPr>
         <p:txBody>
+          <a:bodyPr vert="eaVert"/>
+          <a:lstStyle/>
+          <a:p>
+            <a:pPr lvl="0"/>
+            <a:r>
+              <a:rPr lang="en-US"/>
+              <a:t>Edit Master text styles</a:t>
+            </a:r>
+          </a:p>
+          <a:p>
+            <a:pPr lvl="1"/>
+            <a:r>
+              <a:rPr lang="en-US"/>
+              <a:t>Second level</a:t>
+            </a:r>
+          </a:p>
+          <a:p>
+            <a:pPr lvl="2"/>
+            <a:r>
+              <a:rPr lang="en-US"/>
+              <a:t>Third level</a:t>
+            </a:r>
+          </a:p>
+          <a:p>
+            <a:pPr lvl="3"/>
+            <a:r>
+              <a:rPr lang="en-US"/>
+              <a:t>Fourth level</a:t>
+            </a:r>
+          </a:p>
+          <a:p>
+            <a:pPr lvl="4"/>
+            <a:r>
+              <a:rPr lang="en-US"/>
+              <a:t>Fifth level</a:t>
+            </a:r>
+            <a:endParaRPr lang="en-US" dirty="0"/>
+          </a:p>
+        </p:txBody>
+      </p:sp>
+      <p:sp>
+        <p:nvSpPr>
+          <p:cNvPr id="4" name="Date Placeholder 3"/>
+          <p:cNvSpPr>
+            <a:spLocks noGrp="1"/>
+          </p:cNvSpPr>
+          <p:nvPr>
+            <p:ph type="dt" sz="half" idx="10"/>
+          </p:nvPr>
+        </p:nvSpPr>
+        <p:spPr/>
+        <p:txBody>
           <a:bodyPr/>
-          <a:lstStyle>
-            <a:lvl1pPr marL="0" indent="0">
-              <a:buNone/>
-              <a:defRPr sz="2646">
-                <a:solidFill>
-                  <a:schemeClr val="tx1"/>
-                </a:solidFill>
-              </a:defRPr>
-            </a:lvl1pPr>
-            <a:lvl2pPr marL="503972" indent="0">
-              <a:buNone/>
-              <a:defRPr sz="2205">
-                <a:solidFill>
-                  <a:schemeClr val="tx1">
-                    <a:tint val="75000"/>
-                  </a:schemeClr>
-                </a:solidFill>
-              </a:defRPr>
-            </a:lvl2pPr>
-            <a:lvl3pPr marL="1007943" indent="0">
-              <a:buNone/>
-              <a:defRPr sz="1984">
-                <a:solidFill>
-                  <a:schemeClr val="tx1">
-                    <a:tint val="75000"/>
-                  </a:schemeClr>
-                </a:solidFill>
-              </a:defRPr>
-            </a:lvl3pPr>
-            <a:lvl4pPr marL="1511915" indent="0">
-              <a:buNone/>
-              <a:defRPr sz="1764">
-                <a:solidFill>
-                  <a:schemeClr val="tx1">
-                    <a:tint val="75000"/>
-                  </a:schemeClr>
-                </a:solidFill>
-              </a:defRPr>
-            </a:lvl4pPr>
-            <a:lvl5pPr marL="2015886" indent="0">
-              <a:buNone/>
-              <a:defRPr sz="1764">
-                <a:solidFill>
-                  <a:schemeClr val="tx1">
-                    <a:tint val="75000"/>
-                  </a:schemeClr>
-                </a:solidFill>
-              </a:defRPr>
-            </a:lvl5pPr>
-            <a:lvl6pPr marL="2519858" indent="0">
-              <a:buNone/>
-              <a:defRPr sz="1764">
-                <a:solidFill>
-                  <a:schemeClr val="tx1">
-                    <a:tint val="75000"/>
-                  </a:schemeClr>
-                </a:solidFill>
-              </a:defRPr>
-            </a:lvl6pPr>
-            <a:lvl7pPr marL="3023829" indent="0">
-              <a:buNone/>
-              <a:defRPr sz="1764">
-                <a:solidFill>
-                  <a:schemeClr val="tx1">
-                    <a:tint val="75000"/>
-                  </a:schemeClr>
-                </a:solidFill>
-              </a:defRPr>
-            </a:lvl7pPr>
-            <a:lvl8pPr marL="3527801" indent="0">
-              <a:buNone/>
-              <a:defRPr sz="1764">
-                <a:solidFill>
-                  <a:schemeClr val="tx1">
-                    <a:tint val="75000"/>
-                  </a:schemeClr>
-                </a:solidFill>
-              </a:defRPr>
-            </a:lvl8pPr>
-            <a:lvl9pPr marL="4031772" indent="0">
-              <a:buNone/>
-              <a:defRPr sz="1764">
-                <a:solidFill>
-                  <a:schemeClr val="tx1">
-                    <a:tint val="75000"/>
-                  </a:schemeClr>
-                </a:solidFill>
-              </a:defRPr>
-            </a:lvl9pPr>
-          </a:lstStyle>
-          <a:p>
-            <a:pPr lvl="0"/>
-            <a:r>
-              <a:rPr lang="fr-FR"/>
-              <a:t>Modifier les styles du texte du masque</a:t>
-            </a:r>
-          </a:p>
-        </p:txBody>
-      </p:sp>
-      <p:sp>
-        <p:nvSpPr>
-          <p:cNvPr id="4" name="Date Placeholder 3"/>
-          <p:cNvSpPr>
-            <a:spLocks noGrp="1"/>
-          </p:cNvSpPr>
-          <p:nvPr>
-            <p:ph type="dt" sz="half" idx="10"/>
-          </p:nvPr>
-        </p:nvSpPr>
-        <p:spPr/>
-        <p:txBody>
-          <a:bodyPr/>
-          <a:lstStyle/>
-          <a:p>
-            <a:fld id="{9B13794B-29D9-4728-93A9-8CF8AE1AF679}" type="datetimeFigureOut">
+          <a:lstStyle/>
+          <a:p>
+            <a:fld id="{F82A1EB2-D990-4833-B111-146775E1CC31}" type="datetime1">
               <a:rPr lang="fr-FR" smtClean="0"/>
               <a:t>02/08/2024</a:t>
             </a:fld>
@@ -1043,7 +1168,7 @@
           <a:bodyPr/>
           <a:lstStyle/>
           <a:p>
-            <a:fld id="{306DEBD1-8A0D-4727-8D4F-7BF72D42AD7C}" type="slidenum">
+            <a:fld id="{7BD0401B-1ABD-4809-85CC-EE844AFDB754}" type="slidenum">
               <a:rPr lang="fr-FR" smtClean="0"/>
               <a:t>‹N°›</a:t>
             </a:fld>
@@ -1054,7 +1179,7 @@
     </p:spTree>
     <p:extLst>
       <p:ext uri="{BB962C8B-B14F-4D97-AF65-F5344CB8AC3E}">
-        <p14:creationId xmlns:p14="http://schemas.microsoft.com/office/powerpoint/2010/main" val="3418736812"/>
+        <p14:creationId xmlns:p14="http://schemas.microsoft.com/office/powerpoint/2010/main" val="2529783709"/>
       </p:ext>
     </p:extLst>
   </p:cSld>
@@ -1064,9 +1189,9 @@
 </p:sldLayout>
 </file>
 
-<file path=ppt/slideLayouts/slideLayout4.xml><?xml version="1.0" encoding="utf-8"?>
-<p:sldLayout xmlns:a="http://schemas.openxmlformats.org/drawingml/2006/main" xmlns:r="http://schemas.openxmlformats.org/officeDocument/2006/relationships" xmlns:p="http://schemas.openxmlformats.org/presentationml/2006/main" type="twoObj" preserve="1">
-  <p:cSld name="Deux contenus">
+<file path=ppt/slideLayouts/slideLayout2.xml><?xml version="1.0" encoding="utf-8"?>
+<p:sldLayout xmlns:a="http://schemas.openxmlformats.org/drawingml/2006/main" xmlns:r="http://schemas.openxmlformats.org/officeDocument/2006/relationships" xmlns:p="http://schemas.openxmlformats.org/presentationml/2006/main" type="obj" preserve="1">
+  <p:cSld name="Title and Content">
     <p:spTree>
       <p:nvGrpSpPr>
         <p:cNvPr id="1" name=""/>
@@ -1097,8 +1222,8 @@
           <a:lstStyle/>
           <a:p>
             <a:r>
-              <a:rPr lang="fr-FR"/>
-              <a:t>Modifiez le style du titre</a:t>
+              <a:rPr lang="en-US"/>
+              <a:t>Click to edit Master title style</a:t>
             </a:r>
             <a:endParaRPr lang="en-US" dirty="0"/>
           </a:p>
@@ -1111,51 +1236,46 @@
             <a:spLocks noGrp="1"/>
           </p:cNvSpPr>
           <p:nvPr>
-            <p:ph sz="half" idx="1"/>
-          </p:nvPr>
-        </p:nvSpPr>
-        <p:spPr>
-          <a:xfrm>
-            <a:off x="735062" y="2012414"/>
-            <a:ext cx="4544021" cy="4796544"/>
-          </a:xfrm>
-        </p:spPr>
+            <p:ph idx="1"/>
+          </p:nvPr>
+        </p:nvSpPr>
+        <p:spPr/>
         <p:txBody>
           <a:bodyPr/>
           <a:lstStyle/>
           <a:p>
             <a:pPr lvl="0"/>
             <a:r>
-              <a:rPr lang="fr-FR"/>
-              <a:t>Modifier les styles du texte du masque</a:t>
+              <a:rPr lang="en-US"/>
+              <a:t>Edit Master text styles</a:t>
             </a:r>
           </a:p>
           <a:p>
             <a:pPr lvl="1"/>
             <a:r>
-              <a:rPr lang="fr-FR"/>
-              <a:t>Deuxième niveau</a:t>
+              <a:rPr lang="en-US"/>
+              <a:t>Second level</a:t>
             </a:r>
           </a:p>
           <a:p>
             <a:pPr lvl="2"/>
             <a:r>
-              <a:rPr lang="fr-FR"/>
-              <a:t>Troisième niveau</a:t>
+              <a:rPr lang="en-US"/>
+              <a:t>Third level</a:t>
             </a:r>
           </a:p>
           <a:p>
             <a:pPr lvl="3"/>
             <a:r>
-              <a:rPr lang="fr-FR"/>
-              <a:t>Quatrième niveau</a:t>
+              <a:rPr lang="en-US"/>
+              <a:t>Fourth level</a:t>
             </a:r>
           </a:p>
           <a:p>
             <a:pPr lvl="4"/>
             <a:r>
-              <a:rPr lang="fr-FR"/>
-              <a:t>Cinquième niveau</a:t>
+              <a:rPr lang="en-US"/>
+              <a:t>Fifth level</a:t>
             </a:r>
             <a:endParaRPr lang="en-US" dirty="0"/>
           </a:p>
@@ -1163,77 +1283,20 @@
       </p:sp>
       <p:sp>
         <p:nvSpPr>
-          <p:cNvPr id="4" name="Content Placeholder 3"/>
-          <p:cNvSpPr>
-            <a:spLocks noGrp="1"/>
-          </p:cNvSpPr>
-          <p:nvPr>
-            <p:ph sz="half" idx="2"/>
-          </p:nvPr>
-        </p:nvSpPr>
-        <p:spPr>
-          <a:xfrm>
-            <a:off x="5412730" y="2012414"/>
-            <a:ext cx="4544021" cy="4796544"/>
-          </a:xfrm>
-        </p:spPr>
+          <p:cNvPr id="4" name="Date Placeholder 3"/>
+          <p:cNvSpPr>
+            <a:spLocks noGrp="1"/>
+          </p:cNvSpPr>
+          <p:nvPr>
+            <p:ph type="dt" sz="half" idx="10"/>
+          </p:nvPr>
+        </p:nvSpPr>
+        <p:spPr/>
         <p:txBody>
           <a:bodyPr/>
           <a:lstStyle/>
           <a:p>
-            <a:pPr lvl="0"/>
-            <a:r>
-              <a:rPr lang="fr-FR"/>
-              <a:t>Modifier les styles du texte du masque</a:t>
-            </a:r>
-          </a:p>
-          <a:p>
-            <a:pPr lvl="1"/>
-            <a:r>
-              <a:rPr lang="fr-FR"/>
-              <a:t>Deuxième niveau</a:t>
-            </a:r>
-          </a:p>
-          <a:p>
-            <a:pPr lvl="2"/>
-            <a:r>
-              <a:rPr lang="fr-FR"/>
-              <a:t>Troisième niveau</a:t>
-            </a:r>
-          </a:p>
-          <a:p>
-            <a:pPr lvl="3"/>
-            <a:r>
-              <a:rPr lang="fr-FR"/>
-              <a:t>Quatrième niveau</a:t>
-            </a:r>
-          </a:p>
-          <a:p>
-            <a:pPr lvl="4"/>
-            <a:r>
-              <a:rPr lang="fr-FR"/>
-              <a:t>Cinquième niveau</a:t>
-            </a:r>
-            <a:endParaRPr lang="en-US" dirty="0"/>
-          </a:p>
-        </p:txBody>
-      </p:sp>
-      <p:sp>
-        <p:nvSpPr>
-          <p:cNvPr id="5" name="Date Placeholder 4"/>
-          <p:cNvSpPr>
-            <a:spLocks noGrp="1"/>
-          </p:cNvSpPr>
-          <p:nvPr>
-            <p:ph type="dt" sz="half" idx="10"/>
-          </p:nvPr>
-        </p:nvSpPr>
-        <p:spPr/>
-        <p:txBody>
-          <a:bodyPr/>
-          <a:lstStyle/>
-          <a:p>
-            <a:fld id="{9B13794B-29D9-4728-93A9-8CF8AE1AF679}" type="datetimeFigureOut">
+            <a:fld id="{85F10974-6D1C-45EF-8B7C-1146761C3113}" type="datetime1">
               <a:rPr lang="fr-FR" smtClean="0"/>
               <a:t>02/08/2024</a:t>
             </a:fld>
@@ -1243,7 +1306,7 @@
       </p:sp>
       <p:sp>
         <p:nvSpPr>
-          <p:cNvPr id="6" name="Footer Placeholder 5"/>
+          <p:cNvPr id="5" name="Footer Placeholder 4"/>
           <p:cNvSpPr>
             <a:spLocks noGrp="1"/>
           </p:cNvSpPr>
@@ -1262,7 +1325,7 @@
       </p:sp>
       <p:sp>
         <p:nvSpPr>
-          <p:cNvPr id="7" name="Slide Number Placeholder 6"/>
+          <p:cNvPr id="6" name="Slide Number Placeholder 5"/>
           <p:cNvSpPr>
             <a:spLocks noGrp="1"/>
           </p:cNvSpPr>
@@ -1275,7 +1338,7 @@
           <a:bodyPr/>
           <a:lstStyle/>
           <a:p>
-            <a:fld id="{306DEBD1-8A0D-4727-8D4F-7BF72D42AD7C}" type="slidenum">
+            <a:fld id="{7BD0401B-1ABD-4809-85CC-EE844AFDB754}" type="slidenum">
               <a:rPr lang="fr-FR" smtClean="0"/>
               <a:t>‹N°›</a:t>
             </a:fld>
@@ -1286,7 +1349,7 @@
     </p:spTree>
     <p:extLst>
       <p:ext uri="{BB962C8B-B14F-4D97-AF65-F5344CB8AC3E}">
-        <p14:creationId xmlns:p14="http://schemas.microsoft.com/office/powerpoint/2010/main" val="3533325354"/>
+        <p14:creationId xmlns:p14="http://schemas.microsoft.com/office/powerpoint/2010/main" val="2185700019"/>
       </p:ext>
     </p:extLst>
   </p:cSld>
@@ -1296,9 +1359,9 @@
 </p:sldLayout>
 </file>
 
-<file path=ppt/slideLayouts/slideLayout5.xml><?xml version="1.0" encoding="utf-8"?>
-<p:sldLayout xmlns:a="http://schemas.openxmlformats.org/drawingml/2006/main" xmlns:r="http://schemas.openxmlformats.org/officeDocument/2006/relationships" xmlns:p="http://schemas.openxmlformats.org/presentationml/2006/main" type="twoTxTwoObj" preserve="1">
-  <p:cSld name="Comparaison">
+<file path=ppt/slideLayouts/slideLayout3.xml><?xml version="1.0" encoding="utf-8"?>
+<p:sldLayout xmlns:a="http://schemas.openxmlformats.org/drawingml/2006/main" xmlns:r="http://schemas.openxmlformats.org/officeDocument/2006/relationships" xmlns:p="http://schemas.openxmlformats.org/presentationml/2006/main" type="secHead" preserve="1">
+  <p:cSld name="Section Header">
     <p:spTree>
       <p:nvGrpSpPr>
         <p:cNvPr id="1" name=""/>
@@ -1325,17 +1388,21 @@
         </p:nvSpPr>
         <p:spPr>
           <a:xfrm>
-            <a:off x="736455" y="402484"/>
-            <a:ext cx="9221689" cy="1461188"/>
+            <a:off x="491204" y="2513159"/>
+            <a:ext cx="6209407" cy="4193259"/>
           </a:xfrm>
         </p:spPr>
         <p:txBody>
-          <a:bodyPr/>
-          <a:lstStyle/>
-          <a:p>
-            <a:r>
-              <a:rPr lang="fr-FR"/>
-              <a:t>Modifiez le style du titre</a:t>
+          <a:bodyPr anchor="b"/>
+          <a:lstStyle>
+            <a:lvl1pPr>
+              <a:defRPr sz="4724"/>
+            </a:lvl1pPr>
+          </a:lstStyle>
+          <a:p>
+            <a:r>
+              <a:rPr lang="en-US"/>
+              <a:t>Click to edit Master title style</a:t>
             </a:r>
             <a:endParaRPr lang="en-US" dirty="0"/>
           </a:p>
@@ -1353,254 +1420,127 @@
         </p:nvSpPr>
         <p:spPr>
           <a:xfrm>
-            <a:off x="736456" y="1853171"/>
-            <a:ext cx="4523137" cy="908210"/>
+            <a:off x="491204" y="6746088"/>
+            <a:ext cx="6209407" cy="2205136"/>
           </a:xfrm>
         </p:spPr>
         <p:txBody>
-          <a:bodyPr anchor="b"/>
+          <a:bodyPr/>
           <a:lstStyle>
             <a:lvl1pPr marL="0" indent="0">
               <a:buNone/>
-              <a:defRPr sz="2646" b="1"/>
+              <a:defRPr sz="1890">
+                <a:solidFill>
+                  <a:schemeClr val="tx1"/>
+                </a:solidFill>
+              </a:defRPr>
             </a:lvl1pPr>
-            <a:lvl2pPr marL="503972" indent="0">
-              <a:buNone/>
-              <a:defRPr sz="2205" b="1"/>
+            <a:lvl2pPr marL="359954" indent="0">
+              <a:buNone/>
+              <a:defRPr sz="1575">
+                <a:solidFill>
+                  <a:schemeClr val="tx1">
+                    <a:tint val="75000"/>
+                  </a:schemeClr>
+                </a:solidFill>
+              </a:defRPr>
             </a:lvl2pPr>
-            <a:lvl3pPr marL="1007943" indent="0">
-              <a:buNone/>
-              <a:defRPr sz="1984" b="1"/>
+            <a:lvl3pPr marL="719907" indent="0">
+              <a:buNone/>
+              <a:defRPr sz="1417">
+                <a:solidFill>
+                  <a:schemeClr val="tx1">
+                    <a:tint val="75000"/>
+                  </a:schemeClr>
+                </a:solidFill>
+              </a:defRPr>
             </a:lvl3pPr>
-            <a:lvl4pPr marL="1511915" indent="0">
-              <a:buNone/>
-              <a:defRPr sz="1764" b="1"/>
+            <a:lvl4pPr marL="1079861" indent="0">
+              <a:buNone/>
+              <a:defRPr sz="1260">
+                <a:solidFill>
+                  <a:schemeClr val="tx1">
+                    <a:tint val="75000"/>
+                  </a:schemeClr>
+                </a:solidFill>
+              </a:defRPr>
             </a:lvl4pPr>
-            <a:lvl5pPr marL="2015886" indent="0">
-              <a:buNone/>
-              <a:defRPr sz="1764" b="1"/>
+            <a:lvl5pPr marL="1439814" indent="0">
+              <a:buNone/>
+              <a:defRPr sz="1260">
+                <a:solidFill>
+                  <a:schemeClr val="tx1">
+                    <a:tint val="75000"/>
+                  </a:schemeClr>
+                </a:solidFill>
+              </a:defRPr>
             </a:lvl5pPr>
-            <a:lvl6pPr marL="2519858" indent="0">
-              <a:buNone/>
-              <a:defRPr sz="1764" b="1"/>
+            <a:lvl6pPr marL="1799768" indent="0">
+              <a:buNone/>
+              <a:defRPr sz="1260">
+                <a:solidFill>
+                  <a:schemeClr val="tx1">
+                    <a:tint val="75000"/>
+                  </a:schemeClr>
+                </a:solidFill>
+              </a:defRPr>
             </a:lvl6pPr>
-            <a:lvl7pPr marL="3023829" indent="0">
-              <a:buNone/>
-              <a:defRPr sz="1764" b="1"/>
+            <a:lvl7pPr marL="2159721" indent="0">
+              <a:buNone/>
+              <a:defRPr sz="1260">
+                <a:solidFill>
+                  <a:schemeClr val="tx1">
+                    <a:tint val="75000"/>
+                  </a:schemeClr>
+                </a:solidFill>
+              </a:defRPr>
             </a:lvl7pPr>
-            <a:lvl8pPr marL="3527801" indent="0">
-              <a:buNone/>
-              <a:defRPr sz="1764" b="1"/>
+            <a:lvl8pPr marL="2519675" indent="0">
+              <a:buNone/>
+              <a:defRPr sz="1260">
+                <a:solidFill>
+                  <a:schemeClr val="tx1">
+                    <a:tint val="75000"/>
+                  </a:schemeClr>
+                </a:solidFill>
+              </a:defRPr>
             </a:lvl8pPr>
-            <a:lvl9pPr marL="4031772" indent="0">
-              <a:buNone/>
-              <a:defRPr sz="1764" b="1"/>
+            <a:lvl9pPr marL="2879628" indent="0">
+              <a:buNone/>
+              <a:defRPr sz="1260">
+                <a:solidFill>
+                  <a:schemeClr val="tx1">
+                    <a:tint val="75000"/>
+                  </a:schemeClr>
+                </a:solidFill>
+              </a:defRPr>
             </a:lvl9pPr>
           </a:lstStyle>
           <a:p>
             <a:pPr lvl="0"/>
             <a:r>
-              <a:rPr lang="fr-FR"/>
-              <a:t>Modifier les styles du texte du masque</a:t>
-            </a:r>
-          </a:p>
-        </p:txBody>
-      </p:sp>
-      <p:sp>
-        <p:nvSpPr>
-          <p:cNvPr id="4" name="Content Placeholder 3"/>
-          <p:cNvSpPr>
-            <a:spLocks noGrp="1"/>
-          </p:cNvSpPr>
-          <p:nvPr>
-            <p:ph sz="half" idx="2"/>
-          </p:nvPr>
-        </p:nvSpPr>
-        <p:spPr>
-          <a:xfrm>
-            <a:off x="736456" y="2761381"/>
-            <a:ext cx="4523137" cy="4061576"/>
-          </a:xfrm>
-        </p:spPr>
+              <a:rPr lang="en-US"/>
+              <a:t>Edit Master text styles</a:t>
+            </a:r>
+          </a:p>
+        </p:txBody>
+      </p:sp>
+      <p:sp>
+        <p:nvSpPr>
+          <p:cNvPr id="4" name="Date Placeholder 3"/>
+          <p:cNvSpPr>
+            <a:spLocks noGrp="1"/>
+          </p:cNvSpPr>
+          <p:nvPr>
+            <p:ph type="dt" sz="half" idx="10"/>
+          </p:nvPr>
+        </p:nvSpPr>
+        <p:spPr/>
         <p:txBody>
           <a:bodyPr/>
           <a:lstStyle/>
           <a:p>
-            <a:pPr lvl="0"/>
-            <a:r>
-              <a:rPr lang="fr-FR"/>
-              <a:t>Modifier les styles du texte du masque</a:t>
-            </a:r>
-          </a:p>
-          <a:p>
-            <a:pPr lvl="1"/>
-            <a:r>
-              <a:rPr lang="fr-FR"/>
-              <a:t>Deuxième niveau</a:t>
-            </a:r>
-          </a:p>
-          <a:p>
-            <a:pPr lvl="2"/>
-            <a:r>
-              <a:rPr lang="fr-FR"/>
-              <a:t>Troisième niveau</a:t>
-            </a:r>
-          </a:p>
-          <a:p>
-            <a:pPr lvl="3"/>
-            <a:r>
-              <a:rPr lang="fr-FR"/>
-              <a:t>Quatrième niveau</a:t>
-            </a:r>
-          </a:p>
-          <a:p>
-            <a:pPr lvl="4"/>
-            <a:r>
-              <a:rPr lang="fr-FR"/>
-              <a:t>Cinquième niveau</a:t>
-            </a:r>
-            <a:endParaRPr lang="en-US" dirty="0"/>
-          </a:p>
-        </p:txBody>
-      </p:sp>
-      <p:sp>
-        <p:nvSpPr>
-          <p:cNvPr id="5" name="Text Placeholder 4"/>
-          <p:cNvSpPr>
-            <a:spLocks noGrp="1"/>
-          </p:cNvSpPr>
-          <p:nvPr>
-            <p:ph type="body" sz="quarter" idx="3"/>
-          </p:nvPr>
-        </p:nvSpPr>
-        <p:spPr>
-          <a:xfrm>
-            <a:off x="5412731" y="1853171"/>
-            <a:ext cx="4545413" cy="908210"/>
-          </a:xfrm>
-        </p:spPr>
-        <p:txBody>
-          <a:bodyPr anchor="b"/>
-          <a:lstStyle>
-            <a:lvl1pPr marL="0" indent="0">
-              <a:buNone/>
-              <a:defRPr sz="2646" b="1"/>
-            </a:lvl1pPr>
-            <a:lvl2pPr marL="503972" indent="0">
-              <a:buNone/>
-              <a:defRPr sz="2205" b="1"/>
-            </a:lvl2pPr>
-            <a:lvl3pPr marL="1007943" indent="0">
-              <a:buNone/>
-              <a:defRPr sz="1984" b="1"/>
-            </a:lvl3pPr>
-            <a:lvl4pPr marL="1511915" indent="0">
-              <a:buNone/>
-              <a:defRPr sz="1764" b="1"/>
-            </a:lvl4pPr>
-            <a:lvl5pPr marL="2015886" indent="0">
-              <a:buNone/>
-              <a:defRPr sz="1764" b="1"/>
-            </a:lvl5pPr>
-            <a:lvl6pPr marL="2519858" indent="0">
-              <a:buNone/>
-              <a:defRPr sz="1764" b="1"/>
-            </a:lvl6pPr>
-            <a:lvl7pPr marL="3023829" indent="0">
-              <a:buNone/>
-              <a:defRPr sz="1764" b="1"/>
-            </a:lvl7pPr>
-            <a:lvl8pPr marL="3527801" indent="0">
-              <a:buNone/>
-              <a:defRPr sz="1764" b="1"/>
-            </a:lvl8pPr>
-            <a:lvl9pPr marL="4031772" indent="0">
-              <a:buNone/>
-              <a:defRPr sz="1764" b="1"/>
-            </a:lvl9pPr>
-          </a:lstStyle>
-          <a:p>
-            <a:pPr lvl="0"/>
-            <a:r>
-              <a:rPr lang="fr-FR"/>
-              <a:t>Modifier les styles du texte du masque</a:t>
-            </a:r>
-          </a:p>
-        </p:txBody>
-      </p:sp>
-      <p:sp>
-        <p:nvSpPr>
-          <p:cNvPr id="6" name="Content Placeholder 5"/>
-          <p:cNvSpPr>
-            <a:spLocks noGrp="1"/>
-          </p:cNvSpPr>
-          <p:nvPr>
-            <p:ph sz="quarter" idx="4"/>
-          </p:nvPr>
-        </p:nvSpPr>
-        <p:spPr>
-          <a:xfrm>
-            <a:off x="5412731" y="2761381"/>
-            <a:ext cx="4545413" cy="4061576"/>
-          </a:xfrm>
-        </p:spPr>
-        <p:txBody>
-          <a:bodyPr/>
-          <a:lstStyle/>
-          <a:p>
-            <a:pPr lvl="0"/>
-            <a:r>
-              <a:rPr lang="fr-FR"/>
-              <a:t>Modifier les styles du texte du masque</a:t>
-            </a:r>
-          </a:p>
-          <a:p>
-            <a:pPr lvl="1"/>
-            <a:r>
-              <a:rPr lang="fr-FR"/>
-              <a:t>Deuxième niveau</a:t>
-            </a:r>
-          </a:p>
-          <a:p>
-            <a:pPr lvl="2"/>
-            <a:r>
-              <a:rPr lang="fr-FR"/>
-              <a:t>Troisième niveau</a:t>
-            </a:r>
-          </a:p>
-          <a:p>
-            <a:pPr lvl="3"/>
-            <a:r>
-              <a:rPr lang="fr-FR"/>
-              <a:t>Quatrième niveau</a:t>
-            </a:r>
-          </a:p>
-          <a:p>
-            <a:pPr lvl="4"/>
-            <a:r>
-              <a:rPr lang="fr-FR"/>
-              <a:t>Cinquième niveau</a:t>
-            </a:r>
-            <a:endParaRPr lang="en-US" dirty="0"/>
-          </a:p>
-        </p:txBody>
-      </p:sp>
-      <p:sp>
-        <p:nvSpPr>
-          <p:cNvPr id="7" name="Date Placeholder 6"/>
-          <p:cNvSpPr>
-            <a:spLocks noGrp="1"/>
-          </p:cNvSpPr>
-          <p:nvPr>
-            <p:ph type="dt" sz="half" idx="10"/>
-          </p:nvPr>
-        </p:nvSpPr>
-        <p:spPr/>
-        <p:txBody>
-          <a:bodyPr/>
-          <a:lstStyle/>
-          <a:p>
-            <a:fld id="{9B13794B-29D9-4728-93A9-8CF8AE1AF679}" type="datetimeFigureOut">
+            <a:fld id="{DC34148C-78CE-4850-A998-F6971A92BEF4}" type="datetime1">
               <a:rPr lang="fr-FR" smtClean="0"/>
               <a:t>02/08/2024</a:t>
             </a:fld>
@@ -1610,7 +1550,7 @@
       </p:sp>
       <p:sp>
         <p:nvSpPr>
-          <p:cNvPr id="8" name="Footer Placeholder 7"/>
+          <p:cNvPr id="5" name="Footer Placeholder 4"/>
           <p:cNvSpPr>
             <a:spLocks noGrp="1"/>
           </p:cNvSpPr>
@@ -1629,7 +1569,7 @@
       </p:sp>
       <p:sp>
         <p:nvSpPr>
-          <p:cNvPr id="9" name="Slide Number Placeholder 8"/>
+          <p:cNvPr id="6" name="Slide Number Placeholder 5"/>
           <p:cNvSpPr>
             <a:spLocks noGrp="1"/>
           </p:cNvSpPr>
@@ -1642,7 +1582,7 @@
           <a:bodyPr/>
           <a:lstStyle/>
           <a:p>
-            <a:fld id="{306DEBD1-8A0D-4727-8D4F-7BF72D42AD7C}" type="slidenum">
+            <a:fld id="{7BD0401B-1ABD-4809-85CC-EE844AFDB754}" type="slidenum">
               <a:rPr lang="fr-FR" smtClean="0"/>
               <a:t>‹N°›</a:t>
             </a:fld>
@@ -1653,7 +1593,7 @@
     </p:spTree>
     <p:extLst>
       <p:ext uri="{BB962C8B-B14F-4D97-AF65-F5344CB8AC3E}">
-        <p14:creationId xmlns:p14="http://schemas.microsoft.com/office/powerpoint/2010/main" val="2296068173"/>
+        <p14:creationId xmlns:p14="http://schemas.microsoft.com/office/powerpoint/2010/main" val="3582498070"/>
       </p:ext>
     </p:extLst>
   </p:cSld>
@@ -1663,9 +1603,9 @@
 </p:sldLayout>
 </file>
 
-<file path=ppt/slideLayouts/slideLayout6.xml><?xml version="1.0" encoding="utf-8"?>
-<p:sldLayout xmlns:a="http://schemas.openxmlformats.org/drawingml/2006/main" xmlns:r="http://schemas.openxmlformats.org/officeDocument/2006/relationships" xmlns:p="http://schemas.openxmlformats.org/presentationml/2006/main" type="titleOnly" preserve="1">
-  <p:cSld name="Titre seul">
+<file path=ppt/slideLayouts/slideLayout4.xml><?xml version="1.0" encoding="utf-8"?>
+<p:sldLayout xmlns:a="http://schemas.openxmlformats.org/drawingml/2006/main" xmlns:r="http://schemas.openxmlformats.org/officeDocument/2006/relationships" xmlns:p="http://schemas.openxmlformats.org/presentationml/2006/main" type="twoObj" preserve="1">
+  <p:cSld name="Two Content">
     <p:spTree>
       <p:nvGrpSpPr>
         <p:cNvPr id="1" name=""/>
@@ -1696,8 +1636,8 @@
           <a:lstStyle/>
           <a:p>
             <a:r>
-              <a:rPr lang="fr-FR"/>
-              <a:t>Modifiez le style du titre</a:t>
+              <a:rPr lang="en-US"/>
+              <a:t>Click to edit Master title style</a:t>
             </a:r>
             <a:endParaRPr lang="en-US" dirty="0"/>
           </a:p>
@@ -1705,7 +1645,121 @@
       </p:sp>
       <p:sp>
         <p:nvSpPr>
-          <p:cNvPr id="3" name="Date Placeholder 2"/>
+          <p:cNvPr id="3" name="Content Placeholder 2"/>
+          <p:cNvSpPr>
+            <a:spLocks noGrp="1"/>
+          </p:cNvSpPr>
+          <p:nvPr>
+            <p:ph sz="half" idx="1"/>
+          </p:nvPr>
+        </p:nvSpPr>
+        <p:spPr>
+          <a:xfrm>
+            <a:off x="494953" y="2683500"/>
+            <a:ext cx="3059708" cy="6396064"/>
+          </a:xfrm>
+        </p:spPr>
+        <p:txBody>
+          <a:bodyPr/>
+          <a:lstStyle/>
+          <a:p>
+            <a:pPr lvl="0"/>
+            <a:r>
+              <a:rPr lang="en-US"/>
+              <a:t>Edit Master text styles</a:t>
+            </a:r>
+          </a:p>
+          <a:p>
+            <a:pPr lvl="1"/>
+            <a:r>
+              <a:rPr lang="en-US"/>
+              <a:t>Second level</a:t>
+            </a:r>
+          </a:p>
+          <a:p>
+            <a:pPr lvl="2"/>
+            <a:r>
+              <a:rPr lang="en-US"/>
+              <a:t>Third level</a:t>
+            </a:r>
+          </a:p>
+          <a:p>
+            <a:pPr lvl="3"/>
+            <a:r>
+              <a:rPr lang="en-US"/>
+              <a:t>Fourth level</a:t>
+            </a:r>
+          </a:p>
+          <a:p>
+            <a:pPr lvl="4"/>
+            <a:r>
+              <a:rPr lang="en-US"/>
+              <a:t>Fifth level</a:t>
+            </a:r>
+            <a:endParaRPr lang="en-US" dirty="0"/>
+          </a:p>
+        </p:txBody>
+      </p:sp>
+      <p:sp>
+        <p:nvSpPr>
+          <p:cNvPr id="4" name="Content Placeholder 3"/>
+          <p:cNvSpPr>
+            <a:spLocks noGrp="1"/>
+          </p:cNvSpPr>
+          <p:nvPr>
+            <p:ph sz="half" idx="2"/>
+          </p:nvPr>
+        </p:nvSpPr>
+        <p:spPr>
+          <a:xfrm>
+            <a:off x="3644652" y="2683500"/>
+            <a:ext cx="3059708" cy="6396064"/>
+          </a:xfrm>
+        </p:spPr>
+        <p:txBody>
+          <a:bodyPr/>
+          <a:lstStyle/>
+          <a:p>
+            <a:pPr lvl="0"/>
+            <a:r>
+              <a:rPr lang="en-US"/>
+              <a:t>Edit Master text styles</a:t>
+            </a:r>
+          </a:p>
+          <a:p>
+            <a:pPr lvl="1"/>
+            <a:r>
+              <a:rPr lang="en-US"/>
+              <a:t>Second level</a:t>
+            </a:r>
+          </a:p>
+          <a:p>
+            <a:pPr lvl="2"/>
+            <a:r>
+              <a:rPr lang="en-US"/>
+              <a:t>Third level</a:t>
+            </a:r>
+          </a:p>
+          <a:p>
+            <a:pPr lvl="3"/>
+            <a:r>
+              <a:rPr lang="en-US"/>
+              <a:t>Fourth level</a:t>
+            </a:r>
+          </a:p>
+          <a:p>
+            <a:pPr lvl="4"/>
+            <a:r>
+              <a:rPr lang="en-US"/>
+              <a:t>Fifth level</a:t>
+            </a:r>
+            <a:endParaRPr lang="en-US" dirty="0"/>
+          </a:p>
+        </p:txBody>
+      </p:sp>
+      <p:sp>
+        <p:nvSpPr>
+          <p:cNvPr id="5" name="Date Placeholder 4"/>
           <p:cNvSpPr>
             <a:spLocks noGrp="1"/>
           </p:cNvSpPr>
@@ -1718,7 +1772,7 @@
           <a:bodyPr/>
           <a:lstStyle/>
           <a:p>
-            <a:fld id="{9B13794B-29D9-4728-93A9-8CF8AE1AF679}" type="datetimeFigureOut">
+            <a:fld id="{98A58252-3290-48A4-A576-B3A8002083B4}" type="datetime1">
               <a:rPr lang="fr-FR" smtClean="0"/>
               <a:t>02/08/2024</a:t>
             </a:fld>
@@ -1728,7 +1782,7 @@
       </p:sp>
       <p:sp>
         <p:nvSpPr>
-          <p:cNvPr id="4" name="Footer Placeholder 3"/>
+          <p:cNvPr id="6" name="Footer Placeholder 5"/>
           <p:cNvSpPr>
             <a:spLocks noGrp="1"/>
           </p:cNvSpPr>
@@ -1747,7 +1801,7 @@
       </p:sp>
       <p:sp>
         <p:nvSpPr>
-          <p:cNvPr id="5" name="Slide Number Placeholder 4"/>
+          <p:cNvPr id="7" name="Slide Number Placeholder 6"/>
           <p:cNvSpPr>
             <a:spLocks noGrp="1"/>
           </p:cNvSpPr>
@@ -1760,7 +1814,7 @@
           <a:bodyPr/>
           <a:lstStyle/>
           <a:p>
-            <a:fld id="{306DEBD1-8A0D-4727-8D4F-7BF72D42AD7C}" type="slidenum">
+            <a:fld id="{7BD0401B-1ABD-4809-85CC-EE844AFDB754}" type="slidenum">
               <a:rPr lang="fr-FR" smtClean="0"/>
               <a:t>‹N°›</a:t>
             </a:fld>
@@ -1771,7 +1825,7 @@
     </p:spTree>
     <p:extLst>
       <p:ext uri="{BB962C8B-B14F-4D97-AF65-F5344CB8AC3E}">
-        <p14:creationId xmlns:p14="http://schemas.microsoft.com/office/powerpoint/2010/main" val="1783289055"/>
+        <p14:creationId xmlns:p14="http://schemas.microsoft.com/office/powerpoint/2010/main" val="2897170442"/>
       </p:ext>
     </p:extLst>
   </p:cSld>
@@ -1781,9 +1835,9 @@
 </p:sldLayout>
 </file>
 
-<file path=ppt/slideLayouts/slideLayout7.xml><?xml version="1.0" encoding="utf-8"?>
-<p:sldLayout xmlns:a="http://schemas.openxmlformats.org/drawingml/2006/main" xmlns:r="http://schemas.openxmlformats.org/officeDocument/2006/relationships" xmlns:p="http://schemas.openxmlformats.org/presentationml/2006/main" type="blank" preserve="1">
-  <p:cSld name="Vide">
+<file path=ppt/slideLayouts/slideLayout5.xml><?xml version="1.0" encoding="utf-8"?>
+<p:sldLayout xmlns:a="http://schemas.openxmlformats.org/drawingml/2006/main" xmlns:r="http://schemas.openxmlformats.org/officeDocument/2006/relationships" xmlns:p="http://schemas.openxmlformats.org/presentationml/2006/main" type="twoTxTwoObj" preserve="1">
+  <p:cSld name="Comparison">
     <p:spTree>
       <p:nvGrpSpPr>
         <p:cNvPr id="1" name=""/>
@@ -1800,7 +1854,279 @@
       </p:grpSpPr>
       <p:sp>
         <p:nvSpPr>
-          <p:cNvPr id="2" name="Date Placeholder 1"/>
+          <p:cNvPr id="2" name="Title 1"/>
+          <p:cNvSpPr>
+            <a:spLocks noGrp="1"/>
+          </p:cNvSpPr>
+          <p:nvPr>
+            <p:ph type="title"/>
+          </p:nvPr>
+        </p:nvSpPr>
+        <p:spPr>
+          <a:xfrm>
+            <a:off x="495891" y="536702"/>
+            <a:ext cx="6209407" cy="1948455"/>
+          </a:xfrm>
+        </p:spPr>
+        <p:txBody>
+          <a:bodyPr/>
+          <a:lstStyle/>
+          <a:p>
+            <a:r>
+              <a:rPr lang="en-US"/>
+              <a:t>Click to edit Master title style</a:t>
+            </a:r>
+            <a:endParaRPr lang="en-US" dirty="0"/>
+          </a:p>
+        </p:txBody>
+      </p:sp>
+      <p:sp>
+        <p:nvSpPr>
+          <p:cNvPr id="3" name="Text Placeholder 2"/>
+          <p:cNvSpPr>
+            <a:spLocks noGrp="1"/>
+          </p:cNvSpPr>
+          <p:nvPr>
+            <p:ph type="body" idx="1"/>
+          </p:nvPr>
+        </p:nvSpPr>
+        <p:spPr>
+          <a:xfrm>
+            <a:off x="495891" y="2471154"/>
+            <a:ext cx="3045646" cy="1211074"/>
+          </a:xfrm>
+        </p:spPr>
+        <p:txBody>
+          <a:bodyPr anchor="b"/>
+          <a:lstStyle>
+            <a:lvl1pPr marL="0" indent="0">
+              <a:buNone/>
+              <a:defRPr sz="1890" b="1"/>
+            </a:lvl1pPr>
+            <a:lvl2pPr marL="359954" indent="0">
+              <a:buNone/>
+              <a:defRPr sz="1575" b="1"/>
+            </a:lvl2pPr>
+            <a:lvl3pPr marL="719907" indent="0">
+              <a:buNone/>
+              <a:defRPr sz="1417" b="1"/>
+            </a:lvl3pPr>
+            <a:lvl4pPr marL="1079861" indent="0">
+              <a:buNone/>
+              <a:defRPr sz="1260" b="1"/>
+            </a:lvl4pPr>
+            <a:lvl5pPr marL="1439814" indent="0">
+              <a:buNone/>
+              <a:defRPr sz="1260" b="1"/>
+            </a:lvl5pPr>
+            <a:lvl6pPr marL="1799768" indent="0">
+              <a:buNone/>
+              <a:defRPr sz="1260" b="1"/>
+            </a:lvl6pPr>
+            <a:lvl7pPr marL="2159721" indent="0">
+              <a:buNone/>
+              <a:defRPr sz="1260" b="1"/>
+            </a:lvl7pPr>
+            <a:lvl8pPr marL="2519675" indent="0">
+              <a:buNone/>
+              <a:defRPr sz="1260" b="1"/>
+            </a:lvl8pPr>
+            <a:lvl9pPr marL="2879628" indent="0">
+              <a:buNone/>
+              <a:defRPr sz="1260" b="1"/>
+            </a:lvl9pPr>
+          </a:lstStyle>
+          <a:p>
+            <a:pPr lvl="0"/>
+            <a:r>
+              <a:rPr lang="en-US"/>
+              <a:t>Edit Master text styles</a:t>
+            </a:r>
+          </a:p>
+        </p:txBody>
+      </p:sp>
+      <p:sp>
+        <p:nvSpPr>
+          <p:cNvPr id="4" name="Content Placeholder 3"/>
+          <p:cNvSpPr>
+            <a:spLocks noGrp="1"/>
+          </p:cNvSpPr>
+          <p:nvPr>
+            <p:ph sz="half" idx="2"/>
+          </p:nvPr>
+        </p:nvSpPr>
+        <p:spPr>
+          <a:xfrm>
+            <a:off x="495891" y="3682228"/>
+            <a:ext cx="3045646" cy="5416003"/>
+          </a:xfrm>
+        </p:spPr>
+        <p:txBody>
+          <a:bodyPr/>
+          <a:lstStyle/>
+          <a:p>
+            <a:pPr lvl="0"/>
+            <a:r>
+              <a:rPr lang="en-US"/>
+              <a:t>Edit Master text styles</a:t>
+            </a:r>
+          </a:p>
+          <a:p>
+            <a:pPr lvl="1"/>
+            <a:r>
+              <a:rPr lang="en-US"/>
+              <a:t>Second level</a:t>
+            </a:r>
+          </a:p>
+          <a:p>
+            <a:pPr lvl="2"/>
+            <a:r>
+              <a:rPr lang="en-US"/>
+              <a:t>Third level</a:t>
+            </a:r>
+          </a:p>
+          <a:p>
+            <a:pPr lvl="3"/>
+            <a:r>
+              <a:rPr lang="en-US"/>
+              <a:t>Fourth level</a:t>
+            </a:r>
+          </a:p>
+          <a:p>
+            <a:pPr lvl="4"/>
+            <a:r>
+              <a:rPr lang="en-US"/>
+              <a:t>Fifth level</a:t>
+            </a:r>
+            <a:endParaRPr lang="en-US" dirty="0"/>
+          </a:p>
+        </p:txBody>
+      </p:sp>
+      <p:sp>
+        <p:nvSpPr>
+          <p:cNvPr id="5" name="Text Placeholder 4"/>
+          <p:cNvSpPr>
+            <a:spLocks noGrp="1"/>
+          </p:cNvSpPr>
+          <p:nvPr>
+            <p:ph type="body" sz="quarter" idx="3"/>
+          </p:nvPr>
+        </p:nvSpPr>
+        <p:spPr>
+          <a:xfrm>
+            <a:off x="3644652" y="2471154"/>
+            <a:ext cx="3060646" cy="1211074"/>
+          </a:xfrm>
+        </p:spPr>
+        <p:txBody>
+          <a:bodyPr anchor="b"/>
+          <a:lstStyle>
+            <a:lvl1pPr marL="0" indent="0">
+              <a:buNone/>
+              <a:defRPr sz="1890" b="1"/>
+            </a:lvl1pPr>
+            <a:lvl2pPr marL="359954" indent="0">
+              <a:buNone/>
+              <a:defRPr sz="1575" b="1"/>
+            </a:lvl2pPr>
+            <a:lvl3pPr marL="719907" indent="0">
+              <a:buNone/>
+              <a:defRPr sz="1417" b="1"/>
+            </a:lvl3pPr>
+            <a:lvl4pPr marL="1079861" indent="0">
+              <a:buNone/>
+              <a:defRPr sz="1260" b="1"/>
+            </a:lvl4pPr>
+            <a:lvl5pPr marL="1439814" indent="0">
+              <a:buNone/>
+              <a:defRPr sz="1260" b="1"/>
+            </a:lvl5pPr>
+            <a:lvl6pPr marL="1799768" indent="0">
+              <a:buNone/>
+              <a:defRPr sz="1260" b="1"/>
+            </a:lvl6pPr>
+            <a:lvl7pPr marL="2159721" indent="0">
+              <a:buNone/>
+              <a:defRPr sz="1260" b="1"/>
+            </a:lvl7pPr>
+            <a:lvl8pPr marL="2519675" indent="0">
+              <a:buNone/>
+              <a:defRPr sz="1260" b="1"/>
+            </a:lvl8pPr>
+            <a:lvl9pPr marL="2879628" indent="0">
+              <a:buNone/>
+              <a:defRPr sz="1260" b="1"/>
+            </a:lvl9pPr>
+          </a:lstStyle>
+          <a:p>
+            <a:pPr lvl="0"/>
+            <a:r>
+              <a:rPr lang="en-US"/>
+              <a:t>Edit Master text styles</a:t>
+            </a:r>
+          </a:p>
+        </p:txBody>
+      </p:sp>
+      <p:sp>
+        <p:nvSpPr>
+          <p:cNvPr id="6" name="Content Placeholder 5"/>
+          <p:cNvSpPr>
+            <a:spLocks noGrp="1"/>
+          </p:cNvSpPr>
+          <p:nvPr>
+            <p:ph sz="quarter" idx="4"/>
+          </p:nvPr>
+        </p:nvSpPr>
+        <p:spPr>
+          <a:xfrm>
+            <a:off x="3644652" y="3682228"/>
+            <a:ext cx="3060646" cy="5416003"/>
+          </a:xfrm>
+        </p:spPr>
+        <p:txBody>
+          <a:bodyPr/>
+          <a:lstStyle/>
+          <a:p>
+            <a:pPr lvl="0"/>
+            <a:r>
+              <a:rPr lang="en-US"/>
+              <a:t>Edit Master text styles</a:t>
+            </a:r>
+          </a:p>
+          <a:p>
+            <a:pPr lvl="1"/>
+            <a:r>
+              <a:rPr lang="en-US"/>
+              <a:t>Second level</a:t>
+            </a:r>
+          </a:p>
+          <a:p>
+            <a:pPr lvl="2"/>
+            <a:r>
+              <a:rPr lang="en-US"/>
+              <a:t>Third level</a:t>
+            </a:r>
+          </a:p>
+          <a:p>
+            <a:pPr lvl="3"/>
+            <a:r>
+              <a:rPr lang="en-US"/>
+              <a:t>Fourth level</a:t>
+            </a:r>
+          </a:p>
+          <a:p>
+            <a:pPr lvl="4"/>
+            <a:r>
+              <a:rPr lang="en-US"/>
+              <a:t>Fifth level</a:t>
+            </a:r>
+            <a:endParaRPr lang="en-US" dirty="0"/>
+          </a:p>
+        </p:txBody>
+      </p:sp>
+      <p:sp>
+        <p:nvSpPr>
+          <p:cNvPr id="7" name="Date Placeholder 6"/>
           <p:cNvSpPr>
             <a:spLocks noGrp="1"/>
           </p:cNvSpPr>
@@ -1813,7 +2139,7 @@
           <a:bodyPr/>
           <a:lstStyle/>
           <a:p>
-            <a:fld id="{9B13794B-29D9-4728-93A9-8CF8AE1AF679}" type="datetimeFigureOut">
+            <a:fld id="{3A63FD95-DAEC-49B9-9CCA-F99951CC24FD}" type="datetime1">
               <a:rPr lang="fr-FR" smtClean="0"/>
               <a:t>02/08/2024</a:t>
             </a:fld>
@@ -1823,7 +2149,7 @@
       </p:sp>
       <p:sp>
         <p:nvSpPr>
-          <p:cNvPr id="3" name="Footer Placeholder 2"/>
+          <p:cNvPr id="8" name="Footer Placeholder 7"/>
           <p:cNvSpPr>
             <a:spLocks noGrp="1"/>
           </p:cNvSpPr>
@@ -1842,7 +2168,7 @@
       </p:sp>
       <p:sp>
         <p:nvSpPr>
-          <p:cNvPr id="4" name="Slide Number Placeholder 3"/>
+          <p:cNvPr id="9" name="Slide Number Placeholder 8"/>
           <p:cNvSpPr>
             <a:spLocks noGrp="1"/>
           </p:cNvSpPr>
@@ -1855,7 +2181,7 @@
           <a:bodyPr/>
           <a:lstStyle/>
           <a:p>
-            <a:fld id="{306DEBD1-8A0D-4727-8D4F-7BF72D42AD7C}" type="slidenum">
+            <a:fld id="{7BD0401B-1ABD-4809-85CC-EE844AFDB754}" type="slidenum">
               <a:rPr lang="fr-FR" smtClean="0"/>
               <a:t>‹N°›</a:t>
             </a:fld>
@@ -1866,7 +2192,7 @@
     </p:spTree>
     <p:extLst>
       <p:ext uri="{BB962C8B-B14F-4D97-AF65-F5344CB8AC3E}">
-        <p14:creationId xmlns:p14="http://schemas.microsoft.com/office/powerpoint/2010/main" val="1166809013"/>
+        <p14:creationId xmlns:p14="http://schemas.microsoft.com/office/powerpoint/2010/main" val="991589687"/>
       </p:ext>
     </p:extLst>
   </p:cSld>
@@ -1876,9 +2202,9 @@
 </p:sldLayout>
 </file>
 
-<file path=ppt/slideLayouts/slideLayout8.xml><?xml version="1.0" encoding="utf-8"?>
-<p:sldLayout xmlns:a="http://schemas.openxmlformats.org/drawingml/2006/main" xmlns:r="http://schemas.openxmlformats.org/officeDocument/2006/relationships" xmlns:p="http://schemas.openxmlformats.org/presentationml/2006/main" type="objTx" preserve="1">
-  <p:cSld name="Contenu avec légende">
+<file path=ppt/slideLayouts/slideLayout6.xml><?xml version="1.0" encoding="utf-8"?>
+<p:sldLayout xmlns:a="http://schemas.openxmlformats.org/drawingml/2006/main" xmlns:r="http://schemas.openxmlformats.org/officeDocument/2006/relationships" xmlns:p="http://schemas.openxmlformats.org/presentationml/2006/main" type="titleOnly" preserve="1">
+  <p:cSld name="Title Only">
     <p:spTree>
       <p:nvGrpSpPr>
         <p:cNvPr id="1" name=""/>
@@ -1903,23 +2229,14 @@
             <p:ph type="title"/>
           </p:nvPr>
         </p:nvSpPr>
-        <p:spPr>
-          <a:xfrm>
-            <a:off x="736455" y="503978"/>
-            <a:ext cx="3448388" cy="1763924"/>
-          </a:xfrm>
-        </p:spPr>
-        <p:txBody>
-          <a:bodyPr anchor="b"/>
-          <a:lstStyle>
-            <a:lvl1pPr>
-              <a:defRPr sz="3527"/>
-            </a:lvl1pPr>
-          </a:lstStyle>
-          <a:p>
-            <a:r>
-              <a:rPr lang="fr-FR"/>
-              <a:t>Modifiez le style du titre</a:t>
+        <p:spPr/>
+        <p:txBody>
+          <a:bodyPr/>
+          <a:lstStyle/>
+          <a:p>
+            <a:r>
+              <a:rPr lang="en-US"/>
+              <a:t>Click to edit Master title style</a:t>
             </a:r>
             <a:endParaRPr lang="en-US" dirty="0"/>
           </a:p>
@@ -1927,170 +2244,20 @@
       </p:sp>
       <p:sp>
         <p:nvSpPr>
-          <p:cNvPr id="3" name="Content Placeholder 2"/>
-          <p:cNvSpPr>
-            <a:spLocks noGrp="1"/>
-          </p:cNvSpPr>
-          <p:nvPr>
-            <p:ph idx="1"/>
-          </p:nvPr>
-        </p:nvSpPr>
-        <p:spPr>
-          <a:xfrm>
-            <a:off x="4545413" y="1088455"/>
-            <a:ext cx="5412730" cy="5372269"/>
-          </a:xfrm>
-        </p:spPr>
+          <p:cNvPr id="3" name="Date Placeholder 2"/>
+          <p:cNvSpPr>
+            <a:spLocks noGrp="1"/>
+          </p:cNvSpPr>
+          <p:nvPr>
+            <p:ph type="dt" sz="half" idx="10"/>
+          </p:nvPr>
+        </p:nvSpPr>
+        <p:spPr/>
         <p:txBody>
           <a:bodyPr/>
-          <a:lstStyle>
-            <a:lvl1pPr>
-              <a:defRPr sz="3527"/>
-            </a:lvl1pPr>
-            <a:lvl2pPr>
-              <a:defRPr sz="3086"/>
-            </a:lvl2pPr>
-            <a:lvl3pPr>
-              <a:defRPr sz="2646"/>
-            </a:lvl3pPr>
-            <a:lvl4pPr>
-              <a:defRPr sz="2205"/>
-            </a:lvl4pPr>
-            <a:lvl5pPr>
-              <a:defRPr sz="2205"/>
-            </a:lvl5pPr>
-            <a:lvl6pPr>
-              <a:defRPr sz="2205"/>
-            </a:lvl6pPr>
-            <a:lvl7pPr>
-              <a:defRPr sz="2205"/>
-            </a:lvl7pPr>
-            <a:lvl8pPr>
-              <a:defRPr sz="2205"/>
-            </a:lvl8pPr>
-            <a:lvl9pPr>
-              <a:defRPr sz="2205"/>
-            </a:lvl9pPr>
-          </a:lstStyle>
-          <a:p>
-            <a:pPr lvl="0"/>
-            <a:r>
-              <a:rPr lang="fr-FR"/>
-              <a:t>Modifier les styles du texte du masque</a:t>
-            </a:r>
-          </a:p>
-          <a:p>
-            <a:pPr lvl="1"/>
-            <a:r>
-              <a:rPr lang="fr-FR"/>
-              <a:t>Deuxième niveau</a:t>
-            </a:r>
-          </a:p>
-          <a:p>
-            <a:pPr lvl="2"/>
-            <a:r>
-              <a:rPr lang="fr-FR"/>
-              <a:t>Troisième niveau</a:t>
-            </a:r>
-          </a:p>
-          <a:p>
-            <a:pPr lvl="3"/>
-            <a:r>
-              <a:rPr lang="fr-FR"/>
-              <a:t>Quatrième niveau</a:t>
-            </a:r>
-          </a:p>
-          <a:p>
-            <a:pPr lvl="4"/>
-            <a:r>
-              <a:rPr lang="fr-FR"/>
-              <a:t>Cinquième niveau</a:t>
-            </a:r>
-            <a:endParaRPr lang="en-US" dirty="0"/>
-          </a:p>
-        </p:txBody>
-      </p:sp>
-      <p:sp>
-        <p:nvSpPr>
-          <p:cNvPr id="4" name="Text Placeholder 3"/>
-          <p:cNvSpPr>
-            <a:spLocks noGrp="1"/>
-          </p:cNvSpPr>
-          <p:nvPr>
-            <p:ph type="body" sz="half" idx="2"/>
-          </p:nvPr>
-        </p:nvSpPr>
-        <p:spPr>
-          <a:xfrm>
-            <a:off x="736455" y="2267902"/>
-            <a:ext cx="3448388" cy="4201570"/>
-          </a:xfrm>
-        </p:spPr>
-        <p:txBody>
-          <a:bodyPr/>
-          <a:lstStyle>
-            <a:lvl1pPr marL="0" indent="0">
-              <a:buNone/>
-              <a:defRPr sz="1764"/>
-            </a:lvl1pPr>
-            <a:lvl2pPr marL="503972" indent="0">
-              <a:buNone/>
-              <a:defRPr sz="1543"/>
-            </a:lvl2pPr>
-            <a:lvl3pPr marL="1007943" indent="0">
-              <a:buNone/>
-              <a:defRPr sz="1323"/>
-            </a:lvl3pPr>
-            <a:lvl4pPr marL="1511915" indent="0">
-              <a:buNone/>
-              <a:defRPr sz="1102"/>
-            </a:lvl4pPr>
-            <a:lvl5pPr marL="2015886" indent="0">
-              <a:buNone/>
-              <a:defRPr sz="1102"/>
-            </a:lvl5pPr>
-            <a:lvl6pPr marL="2519858" indent="0">
-              <a:buNone/>
-              <a:defRPr sz="1102"/>
-            </a:lvl6pPr>
-            <a:lvl7pPr marL="3023829" indent="0">
-              <a:buNone/>
-              <a:defRPr sz="1102"/>
-            </a:lvl7pPr>
-            <a:lvl8pPr marL="3527801" indent="0">
-              <a:buNone/>
-              <a:defRPr sz="1102"/>
-            </a:lvl8pPr>
-            <a:lvl9pPr marL="4031772" indent="0">
-              <a:buNone/>
-              <a:defRPr sz="1102"/>
-            </a:lvl9pPr>
-          </a:lstStyle>
-          <a:p>
-            <a:pPr lvl="0"/>
-            <a:r>
-              <a:rPr lang="fr-FR"/>
-              <a:t>Modifier les styles du texte du masque</a:t>
-            </a:r>
-          </a:p>
-        </p:txBody>
-      </p:sp>
-      <p:sp>
-        <p:nvSpPr>
-          <p:cNvPr id="5" name="Date Placeholder 4"/>
-          <p:cNvSpPr>
-            <a:spLocks noGrp="1"/>
-          </p:cNvSpPr>
-          <p:nvPr>
-            <p:ph type="dt" sz="half" idx="10"/>
-          </p:nvPr>
-        </p:nvSpPr>
-        <p:spPr/>
-        <p:txBody>
-          <a:bodyPr/>
-          <a:lstStyle/>
-          <a:p>
-            <a:fld id="{9B13794B-29D9-4728-93A9-8CF8AE1AF679}" type="datetimeFigureOut">
+          <a:lstStyle/>
+          <a:p>
+            <a:fld id="{8A30231E-2C9B-4553-AE68-92D0775C6EAD}" type="datetime1">
               <a:rPr lang="fr-FR" smtClean="0"/>
               <a:t>02/08/2024</a:t>
             </a:fld>
@@ -2100,7 +2267,7 @@
       </p:sp>
       <p:sp>
         <p:nvSpPr>
-          <p:cNvPr id="6" name="Footer Placeholder 5"/>
+          <p:cNvPr id="4" name="Footer Placeholder 3"/>
           <p:cNvSpPr>
             <a:spLocks noGrp="1"/>
           </p:cNvSpPr>
@@ -2119,7 +2286,7 @@
       </p:sp>
       <p:sp>
         <p:nvSpPr>
-          <p:cNvPr id="7" name="Slide Number Placeholder 6"/>
+          <p:cNvPr id="5" name="Slide Number Placeholder 4"/>
           <p:cNvSpPr>
             <a:spLocks noGrp="1"/>
           </p:cNvSpPr>
@@ -2132,7 +2299,7 @@
           <a:bodyPr/>
           <a:lstStyle/>
           <a:p>
-            <a:fld id="{306DEBD1-8A0D-4727-8D4F-7BF72D42AD7C}" type="slidenum">
+            <a:fld id="{7BD0401B-1ABD-4809-85CC-EE844AFDB754}" type="slidenum">
               <a:rPr lang="fr-FR" smtClean="0"/>
               <a:t>‹N°›</a:t>
             </a:fld>
@@ -2143,7 +2310,7 @@
     </p:spTree>
     <p:extLst>
       <p:ext uri="{BB962C8B-B14F-4D97-AF65-F5344CB8AC3E}">
-        <p14:creationId xmlns:p14="http://schemas.microsoft.com/office/powerpoint/2010/main" val="4174650921"/>
+        <p14:creationId xmlns:p14="http://schemas.microsoft.com/office/powerpoint/2010/main" val="2820157111"/>
       </p:ext>
     </p:extLst>
   </p:cSld>
@@ -2153,9 +2320,9 @@
 </p:sldLayout>
 </file>
 
-<file path=ppt/slideLayouts/slideLayout9.xml><?xml version="1.0" encoding="utf-8"?>
-<p:sldLayout xmlns:a="http://schemas.openxmlformats.org/drawingml/2006/main" xmlns:r="http://schemas.openxmlformats.org/officeDocument/2006/relationships" xmlns:p="http://schemas.openxmlformats.org/presentationml/2006/main" type="picTx" preserve="1">
-  <p:cSld name="Image avec légende">
+<file path=ppt/slideLayouts/slideLayout7.xml><?xml version="1.0" encoding="utf-8"?>
+<p:sldLayout xmlns:a="http://schemas.openxmlformats.org/drawingml/2006/main" xmlns:r="http://schemas.openxmlformats.org/officeDocument/2006/relationships" xmlns:p="http://schemas.openxmlformats.org/presentationml/2006/main" type="blank" preserve="1">
+  <p:cSld name="Blank">
     <p:spTree>
       <p:nvGrpSpPr>
         <p:cNvPr id="1" name=""/>
@@ -2172,182 +2339,20 @@
       </p:grpSpPr>
       <p:sp>
         <p:nvSpPr>
-          <p:cNvPr id="2" name="Title 1"/>
-          <p:cNvSpPr>
-            <a:spLocks noGrp="1"/>
-          </p:cNvSpPr>
-          <p:nvPr>
-            <p:ph type="title"/>
-          </p:nvPr>
-        </p:nvSpPr>
-        <p:spPr>
-          <a:xfrm>
-            <a:off x="736455" y="503978"/>
-            <a:ext cx="3448388" cy="1763924"/>
-          </a:xfrm>
-        </p:spPr>
-        <p:txBody>
-          <a:bodyPr anchor="b"/>
-          <a:lstStyle>
-            <a:lvl1pPr>
-              <a:defRPr sz="3527"/>
-            </a:lvl1pPr>
-          </a:lstStyle>
-          <a:p>
-            <a:r>
-              <a:rPr lang="fr-FR"/>
-              <a:t>Modifiez le style du titre</a:t>
-            </a:r>
-            <a:endParaRPr lang="en-US" dirty="0"/>
-          </a:p>
-        </p:txBody>
-      </p:sp>
-      <p:sp>
-        <p:nvSpPr>
-          <p:cNvPr id="3" name="Picture Placeholder 2"/>
-          <p:cNvSpPr>
-            <a:spLocks noGrp="1" noChangeAspect="1"/>
-          </p:cNvSpPr>
-          <p:nvPr>
-            <p:ph type="pic" idx="1"/>
-          </p:nvPr>
-        </p:nvSpPr>
-        <p:spPr>
-          <a:xfrm>
-            <a:off x="4545413" y="1088455"/>
-            <a:ext cx="5412730" cy="5372269"/>
-          </a:xfrm>
-        </p:spPr>
-        <p:txBody>
-          <a:bodyPr anchor="t"/>
-          <a:lstStyle>
-            <a:lvl1pPr marL="0" indent="0">
-              <a:buNone/>
-              <a:defRPr sz="3527"/>
-            </a:lvl1pPr>
-            <a:lvl2pPr marL="503972" indent="0">
-              <a:buNone/>
-              <a:defRPr sz="3086"/>
-            </a:lvl2pPr>
-            <a:lvl3pPr marL="1007943" indent="0">
-              <a:buNone/>
-              <a:defRPr sz="2646"/>
-            </a:lvl3pPr>
-            <a:lvl4pPr marL="1511915" indent="0">
-              <a:buNone/>
-              <a:defRPr sz="2205"/>
-            </a:lvl4pPr>
-            <a:lvl5pPr marL="2015886" indent="0">
-              <a:buNone/>
-              <a:defRPr sz="2205"/>
-            </a:lvl5pPr>
-            <a:lvl6pPr marL="2519858" indent="0">
-              <a:buNone/>
-              <a:defRPr sz="2205"/>
-            </a:lvl6pPr>
-            <a:lvl7pPr marL="3023829" indent="0">
-              <a:buNone/>
-              <a:defRPr sz="2205"/>
-            </a:lvl7pPr>
-            <a:lvl8pPr marL="3527801" indent="0">
-              <a:buNone/>
-              <a:defRPr sz="2205"/>
-            </a:lvl8pPr>
-            <a:lvl9pPr marL="4031772" indent="0">
-              <a:buNone/>
-              <a:defRPr sz="2205"/>
-            </a:lvl9pPr>
-          </a:lstStyle>
-          <a:p>
-            <a:r>
-              <a:rPr lang="fr-FR"/>
-              <a:t>Cliquez sur l'icône pour ajouter une image</a:t>
-            </a:r>
-            <a:endParaRPr lang="en-US" dirty="0"/>
-          </a:p>
-        </p:txBody>
-      </p:sp>
-      <p:sp>
-        <p:nvSpPr>
-          <p:cNvPr id="4" name="Text Placeholder 3"/>
-          <p:cNvSpPr>
-            <a:spLocks noGrp="1"/>
-          </p:cNvSpPr>
-          <p:nvPr>
-            <p:ph type="body" sz="half" idx="2"/>
-          </p:nvPr>
-        </p:nvSpPr>
-        <p:spPr>
-          <a:xfrm>
-            <a:off x="736455" y="2267902"/>
-            <a:ext cx="3448388" cy="4201570"/>
-          </a:xfrm>
-        </p:spPr>
+          <p:cNvPr id="2" name="Date Placeholder 1"/>
+          <p:cNvSpPr>
+            <a:spLocks noGrp="1"/>
+          </p:cNvSpPr>
+          <p:nvPr>
+            <p:ph type="dt" sz="half" idx="10"/>
+          </p:nvPr>
+        </p:nvSpPr>
+        <p:spPr/>
         <p:txBody>
           <a:bodyPr/>
-          <a:lstStyle>
-            <a:lvl1pPr marL="0" indent="0">
-              <a:buNone/>
-              <a:defRPr sz="1764"/>
-            </a:lvl1pPr>
-            <a:lvl2pPr marL="503972" indent="0">
-              <a:buNone/>
-              <a:defRPr sz="1543"/>
-            </a:lvl2pPr>
-            <a:lvl3pPr marL="1007943" indent="0">
-              <a:buNone/>
-              <a:defRPr sz="1323"/>
-            </a:lvl3pPr>
-            <a:lvl4pPr marL="1511915" indent="0">
-              <a:buNone/>
-              <a:defRPr sz="1102"/>
-            </a:lvl4pPr>
-            <a:lvl5pPr marL="2015886" indent="0">
-              <a:buNone/>
-              <a:defRPr sz="1102"/>
-            </a:lvl5pPr>
-            <a:lvl6pPr marL="2519858" indent="0">
-              <a:buNone/>
-              <a:defRPr sz="1102"/>
-            </a:lvl6pPr>
-            <a:lvl7pPr marL="3023829" indent="0">
-              <a:buNone/>
-              <a:defRPr sz="1102"/>
-            </a:lvl7pPr>
-            <a:lvl8pPr marL="3527801" indent="0">
-              <a:buNone/>
-              <a:defRPr sz="1102"/>
-            </a:lvl8pPr>
-            <a:lvl9pPr marL="4031772" indent="0">
-              <a:buNone/>
-              <a:defRPr sz="1102"/>
-            </a:lvl9pPr>
-          </a:lstStyle>
-          <a:p>
-            <a:pPr lvl="0"/>
-            <a:r>
-              <a:rPr lang="fr-FR"/>
-              <a:t>Modifier les styles du texte du masque</a:t>
-            </a:r>
-          </a:p>
-        </p:txBody>
-      </p:sp>
-      <p:sp>
-        <p:nvSpPr>
-          <p:cNvPr id="5" name="Date Placeholder 4"/>
-          <p:cNvSpPr>
-            <a:spLocks noGrp="1"/>
-          </p:cNvSpPr>
-          <p:nvPr>
-            <p:ph type="dt" sz="half" idx="10"/>
-          </p:nvPr>
-        </p:nvSpPr>
-        <p:spPr/>
-        <p:txBody>
-          <a:bodyPr/>
-          <a:lstStyle/>
-          <a:p>
-            <a:fld id="{9B13794B-29D9-4728-93A9-8CF8AE1AF679}" type="datetimeFigureOut">
+          <a:lstStyle/>
+          <a:p>
+            <a:fld id="{A6DEB4C5-B870-4D86-A828-1FA41441279D}" type="datetime1">
               <a:rPr lang="fr-FR" smtClean="0"/>
               <a:t>02/08/2024</a:t>
             </a:fld>
@@ -2357,7 +2362,7 @@
       </p:sp>
       <p:sp>
         <p:nvSpPr>
-          <p:cNvPr id="6" name="Footer Placeholder 5"/>
+          <p:cNvPr id="3" name="Footer Placeholder 2"/>
           <p:cNvSpPr>
             <a:spLocks noGrp="1"/>
           </p:cNvSpPr>
@@ -2376,7 +2381,7 @@
       </p:sp>
       <p:sp>
         <p:nvSpPr>
-          <p:cNvPr id="7" name="Slide Number Placeholder 6"/>
+          <p:cNvPr id="4" name="Slide Number Placeholder 3"/>
           <p:cNvSpPr>
             <a:spLocks noGrp="1"/>
           </p:cNvSpPr>
@@ -2389,7 +2394,7 @@
           <a:bodyPr/>
           <a:lstStyle/>
           <a:p>
-            <a:fld id="{306DEBD1-8A0D-4727-8D4F-7BF72D42AD7C}" type="slidenum">
+            <a:fld id="{7BD0401B-1ABD-4809-85CC-EE844AFDB754}" type="slidenum">
               <a:rPr lang="fr-FR" smtClean="0"/>
               <a:t>‹N°›</a:t>
             </a:fld>
@@ -2400,7 +2405,541 @@
     </p:spTree>
     <p:extLst>
       <p:ext uri="{BB962C8B-B14F-4D97-AF65-F5344CB8AC3E}">
-        <p14:creationId xmlns:p14="http://schemas.microsoft.com/office/powerpoint/2010/main" val="1795634716"/>
+        <p14:creationId xmlns:p14="http://schemas.microsoft.com/office/powerpoint/2010/main" val="1622638786"/>
+      </p:ext>
+    </p:extLst>
+  </p:cSld>
+  <p:clrMapOvr>
+    <a:masterClrMapping/>
+  </p:clrMapOvr>
+</p:sldLayout>
+</file>
+
+<file path=ppt/slideLayouts/slideLayout8.xml><?xml version="1.0" encoding="utf-8"?>
+<p:sldLayout xmlns:a="http://schemas.openxmlformats.org/drawingml/2006/main" xmlns:r="http://schemas.openxmlformats.org/officeDocument/2006/relationships" xmlns:p="http://schemas.openxmlformats.org/presentationml/2006/main" type="objTx" preserve="1">
+  <p:cSld name="Content with Caption">
+    <p:spTree>
+      <p:nvGrpSpPr>
+        <p:cNvPr id="1" name=""/>
+        <p:cNvGrpSpPr/>
+        <p:nvPr/>
+      </p:nvGrpSpPr>
+      <p:grpSpPr>
+        <a:xfrm>
+          <a:off x="0" y="0"/>
+          <a:ext cx="0" cy="0"/>
+          <a:chOff x="0" y="0"/>
+          <a:chExt cx="0" cy="0"/>
+        </a:xfrm>
+      </p:grpSpPr>
+      <p:sp>
+        <p:nvSpPr>
+          <p:cNvPr id="2" name="Title 1"/>
+          <p:cNvSpPr>
+            <a:spLocks noGrp="1"/>
+          </p:cNvSpPr>
+          <p:nvPr>
+            <p:ph type="title"/>
+          </p:nvPr>
+        </p:nvSpPr>
+        <p:spPr>
+          <a:xfrm>
+            <a:off x="495890" y="672042"/>
+            <a:ext cx="2321966" cy="2352146"/>
+          </a:xfrm>
+        </p:spPr>
+        <p:txBody>
+          <a:bodyPr anchor="b"/>
+          <a:lstStyle>
+            <a:lvl1pPr>
+              <a:defRPr sz="2519"/>
+            </a:lvl1pPr>
+          </a:lstStyle>
+          <a:p>
+            <a:r>
+              <a:rPr lang="en-US"/>
+              <a:t>Click to edit Master title style</a:t>
+            </a:r>
+            <a:endParaRPr lang="en-US" dirty="0"/>
+          </a:p>
+        </p:txBody>
+      </p:sp>
+      <p:sp>
+        <p:nvSpPr>
+          <p:cNvPr id="3" name="Content Placeholder 2"/>
+          <p:cNvSpPr>
+            <a:spLocks noGrp="1"/>
+          </p:cNvSpPr>
+          <p:nvPr>
+            <p:ph idx="1"/>
+          </p:nvPr>
+        </p:nvSpPr>
+        <p:spPr>
+          <a:xfrm>
+            <a:off x="3060646" y="1451426"/>
+            <a:ext cx="3644652" cy="7163777"/>
+          </a:xfrm>
+        </p:spPr>
+        <p:txBody>
+          <a:bodyPr/>
+          <a:lstStyle>
+            <a:lvl1pPr>
+              <a:defRPr sz="2519"/>
+            </a:lvl1pPr>
+            <a:lvl2pPr>
+              <a:defRPr sz="2204"/>
+            </a:lvl2pPr>
+            <a:lvl3pPr>
+              <a:defRPr sz="1890"/>
+            </a:lvl3pPr>
+            <a:lvl4pPr>
+              <a:defRPr sz="1575"/>
+            </a:lvl4pPr>
+            <a:lvl5pPr>
+              <a:defRPr sz="1575"/>
+            </a:lvl5pPr>
+            <a:lvl6pPr>
+              <a:defRPr sz="1575"/>
+            </a:lvl6pPr>
+            <a:lvl7pPr>
+              <a:defRPr sz="1575"/>
+            </a:lvl7pPr>
+            <a:lvl8pPr>
+              <a:defRPr sz="1575"/>
+            </a:lvl8pPr>
+            <a:lvl9pPr>
+              <a:defRPr sz="1575"/>
+            </a:lvl9pPr>
+          </a:lstStyle>
+          <a:p>
+            <a:pPr lvl="0"/>
+            <a:r>
+              <a:rPr lang="en-US"/>
+              <a:t>Edit Master text styles</a:t>
+            </a:r>
+          </a:p>
+          <a:p>
+            <a:pPr lvl="1"/>
+            <a:r>
+              <a:rPr lang="en-US"/>
+              <a:t>Second level</a:t>
+            </a:r>
+          </a:p>
+          <a:p>
+            <a:pPr lvl="2"/>
+            <a:r>
+              <a:rPr lang="en-US"/>
+              <a:t>Third level</a:t>
+            </a:r>
+          </a:p>
+          <a:p>
+            <a:pPr lvl="3"/>
+            <a:r>
+              <a:rPr lang="en-US"/>
+              <a:t>Fourth level</a:t>
+            </a:r>
+          </a:p>
+          <a:p>
+            <a:pPr lvl="4"/>
+            <a:r>
+              <a:rPr lang="en-US"/>
+              <a:t>Fifth level</a:t>
+            </a:r>
+            <a:endParaRPr lang="en-US" dirty="0"/>
+          </a:p>
+        </p:txBody>
+      </p:sp>
+      <p:sp>
+        <p:nvSpPr>
+          <p:cNvPr id="4" name="Text Placeholder 3"/>
+          <p:cNvSpPr>
+            <a:spLocks noGrp="1"/>
+          </p:cNvSpPr>
+          <p:nvPr>
+            <p:ph type="body" sz="half" idx="2"/>
+          </p:nvPr>
+        </p:nvSpPr>
+        <p:spPr>
+          <a:xfrm>
+            <a:off x="495890" y="3024188"/>
+            <a:ext cx="2321966" cy="5602681"/>
+          </a:xfrm>
+        </p:spPr>
+        <p:txBody>
+          <a:bodyPr/>
+          <a:lstStyle>
+            <a:lvl1pPr marL="0" indent="0">
+              <a:buNone/>
+              <a:defRPr sz="1260"/>
+            </a:lvl1pPr>
+            <a:lvl2pPr marL="359954" indent="0">
+              <a:buNone/>
+              <a:defRPr sz="1102"/>
+            </a:lvl2pPr>
+            <a:lvl3pPr marL="719907" indent="0">
+              <a:buNone/>
+              <a:defRPr sz="945"/>
+            </a:lvl3pPr>
+            <a:lvl4pPr marL="1079861" indent="0">
+              <a:buNone/>
+              <a:defRPr sz="787"/>
+            </a:lvl4pPr>
+            <a:lvl5pPr marL="1439814" indent="0">
+              <a:buNone/>
+              <a:defRPr sz="787"/>
+            </a:lvl5pPr>
+            <a:lvl6pPr marL="1799768" indent="0">
+              <a:buNone/>
+              <a:defRPr sz="787"/>
+            </a:lvl6pPr>
+            <a:lvl7pPr marL="2159721" indent="0">
+              <a:buNone/>
+              <a:defRPr sz="787"/>
+            </a:lvl7pPr>
+            <a:lvl8pPr marL="2519675" indent="0">
+              <a:buNone/>
+              <a:defRPr sz="787"/>
+            </a:lvl8pPr>
+            <a:lvl9pPr marL="2879628" indent="0">
+              <a:buNone/>
+              <a:defRPr sz="787"/>
+            </a:lvl9pPr>
+          </a:lstStyle>
+          <a:p>
+            <a:pPr lvl="0"/>
+            <a:r>
+              <a:rPr lang="en-US"/>
+              <a:t>Edit Master text styles</a:t>
+            </a:r>
+          </a:p>
+        </p:txBody>
+      </p:sp>
+      <p:sp>
+        <p:nvSpPr>
+          <p:cNvPr id="5" name="Date Placeholder 4"/>
+          <p:cNvSpPr>
+            <a:spLocks noGrp="1"/>
+          </p:cNvSpPr>
+          <p:nvPr>
+            <p:ph type="dt" sz="half" idx="10"/>
+          </p:nvPr>
+        </p:nvSpPr>
+        <p:spPr/>
+        <p:txBody>
+          <a:bodyPr/>
+          <a:lstStyle/>
+          <a:p>
+            <a:fld id="{63297613-6D7C-4E8C-9830-EE061053635D}" type="datetime1">
+              <a:rPr lang="fr-FR" smtClean="0"/>
+              <a:t>02/08/2024</a:t>
+            </a:fld>
+            <a:endParaRPr lang="fr-FR"/>
+          </a:p>
+        </p:txBody>
+      </p:sp>
+      <p:sp>
+        <p:nvSpPr>
+          <p:cNvPr id="6" name="Footer Placeholder 5"/>
+          <p:cNvSpPr>
+            <a:spLocks noGrp="1"/>
+          </p:cNvSpPr>
+          <p:nvPr>
+            <p:ph type="ftr" sz="quarter" idx="11"/>
+          </p:nvPr>
+        </p:nvSpPr>
+        <p:spPr/>
+        <p:txBody>
+          <a:bodyPr/>
+          <a:lstStyle/>
+          <a:p>
+            <a:endParaRPr lang="fr-FR"/>
+          </a:p>
+        </p:txBody>
+      </p:sp>
+      <p:sp>
+        <p:nvSpPr>
+          <p:cNvPr id="7" name="Slide Number Placeholder 6"/>
+          <p:cNvSpPr>
+            <a:spLocks noGrp="1"/>
+          </p:cNvSpPr>
+          <p:nvPr>
+            <p:ph type="sldNum" sz="quarter" idx="12"/>
+          </p:nvPr>
+        </p:nvSpPr>
+        <p:spPr/>
+        <p:txBody>
+          <a:bodyPr/>
+          <a:lstStyle/>
+          <a:p>
+            <a:fld id="{7BD0401B-1ABD-4809-85CC-EE844AFDB754}" type="slidenum">
+              <a:rPr lang="fr-FR" smtClean="0"/>
+              <a:t>‹N°›</a:t>
+            </a:fld>
+            <a:endParaRPr lang="fr-FR"/>
+          </a:p>
+        </p:txBody>
+      </p:sp>
+    </p:spTree>
+    <p:extLst>
+      <p:ext uri="{BB962C8B-B14F-4D97-AF65-F5344CB8AC3E}">
+        <p14:creationId xmlns:p14="http://schemas.microsoft.com/office/powerpoint/2010/main" val="24610940"/>
+      </p:ext>
+    </p:extLst>
+  </p:cSld>
+  <p:clrMapOvr>
+    <a:masterClrMapping/>
+  </p:clrMapOvr>
+</p:sldLayout>
+</file>
+
+<file path=ppt/slideLayouts/slideLayout9.xml><?xml version="1.0" encoding="utf-8"?>
+<p:sldLayout xmlns:a="http://schemas.openxmlformats.org/drawingml/2006/main" xmlns:r="http://schemas.openxmlformats.org/officeDocument/2006/relationships" xmlns:p="http://schemas.openxmlformats.org/presentationml/2006/main" type="picTx" preserve="1">
+  <p:cSld name="Picture with Caption">
+    <p:spTree>
+      <p:nvGrpSpPr>
+        <p:cNvPr id="1" name=""/>
+        <p:cNvGrpSpPr/>
+        <p:nvPr/>
+      </p:nvGrpSpPr>
+      <p:grpSpPr>
+        <a:xfrm>
+          <a:off x="0" y="0"/>
+          <a:ext cx="0" cy="0"/>
+          <a:chOff x="0" y="0"/>
+          <a:chExt cx="0" cy="0"/>
+        </a:xfrm>
+      </p:grpSpPr>
+      <p:sp>
+        <p:nvSpPr>
+          <p:cNvPr id="2" name="Title 1"/>
+          <p:cNvSpPr>
+            <a:spLocks noGrp="1"/>
+          </p:cNvSpPr>
+          <p:nvPr>
+            <p:ph type="title"/>
+          </p:nvPr>
+        </p:nvSpPr>
+        <p:spPr>
+          <a:xfrm>
+            <a:off x="495890" y="672042"/>
+            <a:ext cx="2321966" cy="2352146"/>
+          </a:xfrm>
+        </p:spPr>
+        <p:txBody>
+          <a:bodyPr anchor="b"/>
+          <a:lstStyle>
+            <a:lvl1pPr>
+              <a:defRPr sz="2519"/>
+            </a:lvl1pPr>
+          </a:lstStyle>
+          <a:p>
+            <a:r>
+              <a:rPr lang="en-US"/>
+              <a:t>Click to edit Master title style</a:t>
+            </a:r>
+            <a:endParaRPr lang="en-US" dirty="0"/>
+          </a:p>
+        </p:txBody>
+      </p:sp>
+      <p:sp>
+        <p:nvSpPr>
+          <p:cNvPr id="3" name="Picture Placeholder 2"/>
+          <p:cNvSpPr>
+            <a:spLocks noGrp="1" noChangeAspect="1"/>
+          </p:cNvSpPr>
+          <p:nvPr>
+            <p:ph type="pic" idx="1"/>
+          </p:nvPr>
+        </p:nvSpPr>
+        <p:spPr>
+          <a:xfrm>
+            <a:off x="3060646" y="1451426"/>
+            <a:ext cx="3644652" cy="7163777"/>
+          </a:xfrm>
+        </p:spPr>
+        <p:txBody>
+          <a:bodyPr anchor="t"/>
+          <a:lstStyle>
+            <a:lvl1pPr marL="0" indent="0">
+              <a:buNone/>
+              <a:defRPr sz="2519"/>
+            </a:lvl1pPr>
+            <a:lvl2pPr marL="359954" indent="0">
+              <a:buNone/>
+              <a:defRPr sz="2204"/>
+            </a:lvl2pPr>
+            <a:lvl3pPr marL="719907" indent="0">
+              <a:buNone/>
+              <a:defRPr sz="1890"/>
+            </a:lvl3pPr>
+            <a:lvl4pPr marL="1079861" indent="0">
+              <a:buNone/>
+              <a:defRPr sz="1575"/>
+            </a:lvl4pPr>
+            <a:lvl5pPr marL="1439814" indent="0">
+              <a:buNone/>
+              <a:defRPr sz="1575"/>
+            </a:lvl5pPr>
+            <a:lvl6pPr marL="1799768" indent="0">
+              <a:buNone/>
+              <a:defRPr sz="1575"/>
+            </a:lvl6pPr>
+            <a:lvl7pPr marL="2159721" indent="0">
+              <a:buNone/>
+              <a:defRPr sz="1575"/>
+            </a:lvl7pPr>
+            <a:lvl8pPr marL="2519675" indent="0">
+              <a:buNone/>
+              <a:defRPr sz="1575"/>
+            </a:lvl8pPr>
+            <a:lvl9pPr marL="2879628" indent="0">
+              <a:buNone/>
+              <a:defRPr sz="1575"/>
+            </a:lvl9pPr>
+          </a:lstStyle>
+          <a:p>
+            <a:r>
+              <a:rPr lang="en-US"/>
+              <a:t>Click icon to add picture</a:t>
+            </a:r>
+            <a:endParaRPr lang="en-US" dirty="0"/>
+          </a:p>
+        </p:txBody>
+      </p:sp>
+      <p:sp>
+        <p:nvSpPr>
+          <p:cNvPr id="4" name="Text Placeholder 3"/>
+          <p:cNvSpPr>
+            <a:spLocks noGrp="1"/>
+          </p:cNvSpPr>
+          <p:nvPr>
+            <p:ph type="body" sz="half" idx="2"/>
+          </p:nvPr>
+        </p:nvSpPr>
+        <p:spPr>
+          <a:xfrm>
+            <a:off x="495890" y="3024188"/>
+            <a:ext cx="2321966" cy="5602681"/>
+          </a:xfrm>
+        </p:spPr>
+        <p:txBody>
+          <a:bodyPr/>
+          <a:lstStyle>
+            <a:lvl1pPr marL="0" indent="0">
+              <a:buNone/>
+              <a:defRPr sz="1260"/>
+            </a:lvl1pPr>
+            <a:lvl2pPr marL="359954" indent="0">
+              <a:buNone/>
+              <a:defRPr sz="1102"/>
+            </a:lvl2pPr>
+            <a:lvl3pPr marL="719907" indent="0">
+              <a:buNone/>
+              <a:defRPr sz="945"/>
+            </a:lvl3pPr>
+            <a:lvl4pPr marL="1079861" indent="0">
+              <a:buNone/>
+              <a:defRPr sz="787"/>
+            </a:lvl4pPr>
+            <a:lvl5pPr marL="1439814" indent="0">
+              <a:buNone/>
+              <a:defRPr sz="787"/>
+            </a:lvl5pPr>
+            <a:lvl6pPr marL="1799768" indent="0">
+              <a:buNone/>
+              <a:defRPr sz="787"/>
+            </a:lvl6pPr>
+            <a:lvl7pPr marL="2159721" indent="0">
+              <a:buNone/>
+              <a:defRPr sz="787"/>
+            </a:lvl7pPr>
+            <a:lvl8pPr marL="2519675" indent="0">
+              <a:buNone/>
+              <a:defRPr sz="787"/>
+            </a:lvl8pPr>
+            <a:lvl9pPr marL="2879628" indent="0">
+              <a:buNone/>
+              <a:defRPr sz="787"/>
+            </a:lvl9pPr>
+          </a:lstStyle>
+          <a:p>
+            <a:pPr lvl="0"/>
+            <a:r>
+              <a:rPr lang="en-US"/>
+              <a:t>Edit Master text styles</a:t>
+            </a:r>
+          </a:p>
+        </p:txBody>
+      </p:sp>
+      <p:sp>
+        <p:nvSpPr>
+          <p:cNvPr id="5" name="Date Placeholder 4"/>
+          <p:cNvSpPr>
+            <a:spLocks noGrp="1"/>
+          </p:cNvSpPr>
+          <p:nvPr>
+            <p:ph type="dt" sz="half" idx="10"/>
+          </p:nvPr>
+        </p:nvSpPr>
+        <p:spPr/>
+        <p:txBody>
+          <a:bodyPr/>
+          <a:lstStyle/>
+          <a:p>
+            <a:fld id="{F30F028D-09CB-4438-BB93-EB757F0DDC34}" type="datetime1">
+              <a:rPr lang="fr-FR" smtClean="0"/>
+              <a:t>02/08/2024</a:t>
+            </a:fld>
+            <a:endParaRPr lang="fr-FR"/>
+          </a:p>
+        </p:txBody>
+      </p:sp>
+      <p:sp>
+        <p:nvSpPr>
+          <p:cNvPr id="6" name="Footer Placeholder 5"/>
+          <p:cNvSpPr>
+            <a:spLocks noGrp="1"/>
+          </p:cNvSpPr>
+          <p:nvPr>
+            <p:ph type="ftr" sz="quarter" idx="11"/>
+          </p:nvPr>
+        </p:nvSpPr>
+        <p:spPr/>
+        <p:txBody>
+          <a:bodyPr/>
+          <a:lstStyle/>
+          <a:p>
+            <a:endParaRPr lang="fr-FR"/>
+          </a:p>
+        </p:txBody>
+      </p:sp>
+      <p:sp>
+        <p:nvSpPr>
+          <p:cNvPr id="7" name="Slide Number Placeholder 6"/>
+          <p:cNvSpPr>
+            <a:spLocks noGrp="1"/>
+          </p:cNvSpPr>
+          <p:nvPr>
+            <p:ph type="sldNum" sz="quarter" idx="12"/>
+          </p:nvPr>
+        </p:nvSpPr>
+        <p:spPr/>
+        <p:txBody>
+          <a:bodyPr/>
+          <a:lstStyle/>
+          <a:p>
+            <a:fld id="{7BD0401B-1ABD-4809-85CC-EE844AFDB754}" type="slidenum">
+              <a:rPr lang="fr-FR" smtClean="0"/>
+              <a:t>‹N°›</a:t>
+            </a:fld>
+            <a:endParaRPr lang="fr-FR"/>
+          </a:p>
+        </p:txBody>
+      </p:sp>
+    </p:spTree>
+    <p:extLst>
+      <p:ext uri="{BB962C8B-B14F-4D97-AF65-F5344CB8AC3E}">
+        <p14:creationId xmlns:p14="http://schemas.microsoft.com/office/powerpoint/2010/main" val="4042137933"/>
       </p:ext>
     </p:extLst>
   </p:cSld>
@@ -2444,8 +2983,8 @@
         </p:nvSpPr>
         <p:spPr>
           <a:xfrm>
-            <a:off x="735062" y="402484"/>
-            <a:ext cx="9221689" cy="1461188"/>
+            <a:off x="494953" y="536702"/>
+            <a:ext cx="6209407" cy="1948455"/>
           </a:xfrm>
           <a:prstGeom prst="rect">
             <a:avLst/>
@@ -2458,8 +2997,8 @@
           <a:lstStyle/>
           <a:p>
             <a:r>
-              <a:rPr lang="fr-FR"/>
-              <a:t>Modifiez le style du titre</a:t>
+              <a:rPr lang="en-US"/>
+              <a:t>Click to edit Master title style</a:t>
             </a:r>
             <a:endParaRPr lang="en-US" dirty="0"/>
           </a:p>
@@ -2477,8 +3016,8 @@
         </p:nvSpPr>
         <p:spPr>
           <a:xfrm>
-            <a:off x="735062" y="2012414"/>
-            <a:ext cx="9221689" cy="4796544"/>
+            <a:off x="494953" y="2683500"/>
+            <a:ext cx="6209407" cy="6396064"/>
           </a:xfrm>
           <a:prstGeom prst="rect">
             <a:avLst/>
@@ -2492,36 +3031,36 @@
           <a:p>
             <a:pPr lvl="0"/>
             <a:r>
-              <a:rPr lang="fr-FR"/>
-              <a:t>Modifier les styles du texte du masque</a:t>
+              <a:rPr lang="en-US"/>
+              <a:t>Edit Master text styles</a:t>
             </a:r>
           </a:p>
           <a:p>
             <a:pPr lvl="1"/>
             <a:r>
-              <a:rPr lang="fr-FR"/>
-              <a:t>Deuxième niveau</a:t>
+              <a:rPr lang="en-US"/>
+              <a:t>Second level</a:t>
             </a:r>
           </a:p>
           <a:p>
             <a:pPr lvl="2"/>
             <a:r>
-              <a:rPr lang="fr-FR"/>
-              <a:t>Troisième niveau</a:t>
+              <a:rPr lang="en-US"/>
+              <a:t>Third level</a:t>
             </a:r>
           </a:p>
           <a:p>
             <a:pPr lvl="3"/>
             <a:r>
-              <a:rPr lang="fr-FR"/>
-              <a:t>Quatrième niveau</a:t>
+              <a:rPr lang="en-US"/>
+              <a:t>Fourth level</a:t>
             </a:r>
           </a:p>
           <a:p>
             <a:pPr lvl="4"/>
             <a:r>
-              <a:rPr lang="fr-FR"/>
-              <a:t>Cinquième niveau</a:t>
+              <a:rPr lang="en-US"/>
+              <a:t>Fifth level</a:t>
             </a:r>
             <a:endParaRPr lang="en-US" dirty="0"/>
           </a:p>
@@ -2539,8 +3078,8 @@
         </p:nvSpPr>
         <p:spPr>
           <a:xfrm>
-            <a:off x="735062" y="7006700"/>
-            <a:ext cx="2405658" cy="402483"/>
+            <a:off x="494953" y="9343248"/>
+            <a:ext cx="1619845" cy="536700"/>
           </a:xfrm>
           <a:prstGeom prst="rect">
             <a:avLst/>
@@ -2550,7 +3089,7 @@
           <a:bodyPr vert="horz" lIns="91440" tIns="45720" rIns="91440" bIns="45720" rtlCol="0" anchor="ctr"/>
           <a:lstStyle>
             <a:lvl1pPr algn="l">
-              <a:defRPr sz="1323">
+              <a:defRPr sz="945">
                 <a:solidFill>
                   <a:schemeClr val="tx1">
                     <a:tint val="75000"/>
@@ -2560,7 +3099,7 @@
             </a:lvl1pPr>
           </a:lstStyle>
           <a:p>
-            <a:fld id="{9B13794B-29D9-4728-93A9-8CF8AE1AF679}" type="datetimeFigureOut">
+            <a:fld id="{6D0102F8-A850-419B-B4A6-EBE3511B74F6}" type="datetime1">
               <a:rPr lang="fr-FR" smtClean="0"/>
               <a:t>02/08/2024</a:t>
             </a:fld>
@@ -2580,8 +3119,8 @@
         </p:nvSpPr>
         <p:spPr>
           <a:xfrm>
-            <a:off x="3541663" y="7006700"/>
-            <a:ext cx="3608487" cy="402483"/>
+            <a:off x="2384773" y="9343248"/>
+            <a:ext cx="2429768" cy="536700"/>
           </a:xfrm>
           <a:prstGeom prst="rect">
             <a:avLst/>
@@ -2591,7 +3130,7 @@
           <a:bodyPr vert="horz" lIns="91440" tIns="45720" rIns="91440" bIns="45720" rtlCol="0" anchor="ctr"/>
           <a:lstStyle>
             <a:lvl1pPr algn="ctr">
-              <a:defRPr sz="1323">
+              <a:defRPr sz="945">
                 <a:solidFill>
                   <a:schemeClr val="tx1">
                     <a:tint val="75000"/>
@@ -2617,8 +3156,8 @@
         </p:nvSpPr>
         <p:spPr>
           <a:xfrm>
-            <a:off x="7551093" y="7006700"/>
-            <a:ext cx="2405658" cy="402483"/>
+            <a:off x="5084515" y="9343248"/>
+            <a:ext cx="1619845" cy="536700"/>
           </a:xfrm>
           <a:prstGeom prst="rect">
             <a:avLst/>
@@ -2628,7 +3167,7 @@
           <a:bodyPr vert="horz" lIns="91440" tIns="45720" rIns="91440" bIns="45720" rtlCol="0" anchor="ctr"/>
           <a:lstStyle>
             <a:lvl1pPr algn="r">
-              <a:defRPr sz="1323">
+              <a:defRPr sz="945">
                 <a:solidFill>
                   <a:schemeClr val="tx1">
                     <a:tint val="75000"/>
@@ -2638,7 +3177,7 @@
             </a:lvl1pPr>
           </a:lstStyle>
           <a:p>
-            <a:fld id="{306DEBD1-8A0D-4727-8D4F-7BF72D42AD7C}" type="slidenum">
+            <a:fld id="{7BD0401B-1ABD-4809-85CC-EE844AFDB754}" type="slidenum">
               <a:rPr lang="fr-FR" smtClean="0"/>
               <a:t>‹N°›</a:t>
             </a:fld>
@@ -2649,27 +3188,28 @@
     </p:spTree>
     <p:extLst>
       <p:ext uri="{BB962C8B-B14F-4D97-AF65-F5344CB8AC3E}">
-        <p14:creationId xmlns:p14="http://schemas.microsoft.com/office/powerpoint/2010/main" val="46704927"/>
+        <p14:creationId xmlns:p14="http://schemas.microsoft.com/office/powerpoint/2010/main" val="1784852744"/>
       </p:ext>
     </p:extLst>
   </p:cSld>
   <p:clrMap bg1="lt1" tx1="dk1" bg2="lt2" tx2="dk2" accent1="accent1" accent2="accent2" accent3="accent3" accent4="accent4" accent5="accent5" accent6="accent6" hlink="hlink" folHlink="folHlink"/>
   <p:sldLayoutIdLst>
-    <p:sldLayoutId id="2147483661" r:id="rId1"/>
-    <p:sldLayoutId id="2147483662" r:id="rId2"/>
-    <p:sldLayoutId id="2147483663" r:id="rId3"/>
-    <p:sldLayoutId id="2147483664" r:id="rId4"/>
-    <p:sldLayoutId id="2147483665" r:id="rId5"/>
-    <p:sldLayoutId id="2147483666" r:id="rId6"/>
-    <p:sldLayoutId id="2147483667" r:id="rId7"/>
-    <p:sldLayoutId id="2147483668" r:id="rId8"/>
-    <p:sldLayoutId id="2147483669" r:id="rId9"/>
-    <p:sldLayoutId id="2147483670" r:id="rId10"/>
-    <p:sldLayoutId id="2147483671" r:id="rId11"/>
+    <p:sldLayoutId id="2147483673" r:id="rId1"/>
+    <p:sldLayoutId id="2147483674" r:id="rId2"/>
+    <p:sldLayoutId id="2147483675" r:id="rId3"/>
+    <p:sldLayoutId id="2147483676" r:id="rId4"/>
+    <p:sldLayoutId id="2147483677" r:id="rId5"/>
+    <p:sldLayoutId id="2147483678" r:id="rId6"/>
+    <p:sldLayoutId id="2147483679" r:id="rId7"/>
+    <p:sldLayoutId id="2147483680" r:id="rId8"/>
+    <p:sldLayoutId id="2147483681" r:id="rId9"/>
+    <p:sldLayoutId id="2147483682" r:id="rId10"/>
+    <p:sldLayoutId id="2147483683" r:id="rId11"/>
   </p:sldLayoutIdLst>
+  <p:hf sldNum="0" hdr="0" ftr="0" dt="0"/>
   <p:txStyles>
     <p:titleStyle>
-      <a:lvl1pPr algn="l" defTabSz="1007943" rtl="0" eaLnBrk="1" latinLnBrk="0" hangingPunct="1">
+      <a:lvl1pPr algn="l" defTabSz="719907" rtl="0" eaLnBrk="1" latinLnBrk="0" hangingPunct="1">
         <a:lnSpc>
           <a:spcPct val="90000"/>
         </a:lnSpc>
@@ -2677,7 +3217,7 @@
           <a:spcPct val="0"/>
         </a:spcBef>
         <a:buNone/>
-        <a:defRPr sz="4850" kern="1200">
+        <a:defRPr sz="3464" kern="1200">
           <a:solidFill>
             <a:schemeClr val="tx1"/>
           </a:solidFill>
@@ -2688,16 +3228,16 @@
       </a:lvl1pPr>
     </p:titleStyle>
     <p:bodyStyle>
-      <a:lvl1pPr marL="251986" indent="-251986" algn="l" defTabSz="1007943" rtl="0" eaLnBrk="1" latinLnBrk="0" hangingPunct="1">
+      <a:lvl1pPr marL="179977" indent="-179977" algn="l" defTabSz="719907" rtl="0" eaLnBrk="1" latinLnBrk="0" hangingPunct="1">
         <a:lnSpc>
           <a:spcPct val="90000"/>
         </a:lnSpc>
         <a:spcBef>
-          <a:spcPts val="1102"/>
+          <a:spcPts val="787"/>
         </a:spcBef>
         <a:buFont typeface="Arial" panose="020B0604020202020204" pitchFamily="34" charset="0"/>
         <a:buChar char="•"/>
-        <a:defRPr sz="3086" kern="1200">
+        <a:defRPr sz="2204" kern="1200">
           <a:solidFill>
             <a:schemeClr val="tx1"/>
           </a:solidFill>
@@ -2706,16 +3246,16 @@
           <a:cs typeface="+mn-cs"/>
         </a:defRPr>
       </a:lvl1pPr>
-      <a:lvl2pPr marL="755957" indent="-251986" algn="l" defTabSz="1007943" rtl="0" eaLnBrk="1" latinLnBrk="0" hangingPunct="1">
+      <a:lvl2pPr marL="539930" indent="-179977" algn="l" defTabSz="719907" rtl="0" eaLnBrk="1" latinLnBrk="0" hangingPunct="1">
         <a:lnSpc>
           <a:spcPct val="90000"/>
         </a:lnSpc>
         <a:spcBef>
-          <a:spcPts val="551"/>
+          <a:spcPts val="394"/>
         </a:spcBef>
         <a:buFont typeface="Arial" panose="020B0604020202020204" pitchFamily="34" charset="0"/>
         <a:buChar char="•"/>
-        <a:defRPr sz="2646" kern="1200">
+        <a:defRPr sz="1890" kern="1200">
           <a:solidFill>
             <a:schemeClr val="tx1"/>
           </a:solidFill>
@@ -2724,16 +3264,16 @@
           <a:cs typeface="+mn-cs"/>
         </a:defRPr>
       </a:lvl2pPr>
-      <a:lvl3pPr marL="1259929" indent="-251986" algn="l" defTabSz="1007943" rtl="0" eaLnBrk="1" latinLnBrk="0" hangingPunct="1">
+      <a:lvl3pPr marL="899884" indent="-179977" algn="l" defTabSz="719907" rtl="0" eaLnBrk="1" latinLnBrk="0" hangingPunct="1">
         <a:lnSpc>
           <a:spcPct val="90000"/>
         </a:lnSpc>
         <a:spcBef>
-          <a:spcPts val="551"/>
+          <a:spcPts val="394"/>
         </a:spcBef>
         <a:buFont typeface="Arial" panose="020B0604020202020204" pitchFamily="34" charset="0"/>
         <a:buChar char="•"/>
-        <a:defRPr sz="2205" kern="1200">
+        <a:defRPr sz="1575" kern="1200">
           <a:solidFill>
             <a:schemeClr val="tx1"/>
           </a:solidFill>
@@ -2742,16 +3282,16 @@
           <a:cs typeface="+mn-cs"/>
         </a:defRPr>
       </a:lvl3pPr>
-      <a:lvl4pPr marL="1763900" indent="-251986" algn="l" defTabSz="1007943" rtl="0" eaLnBrk="1" latinLnBrk="0" hangingPunct="1">
+      <a:lvl4pPr marL="1259837" indent="-179977" algn="l" defTabSz="719907" rtl="0" eaLnBrk="1" latinLnBrk="0" hangingPunct="1">
         <a:lnSpc>
           <a:spcPct val="90000"/>
         </a:lnSpc>
         <a:spcBef>
-          <a:spcPts val="551"/>
+          <a:spcPts val="394"/>
         </a:spcBef>
         <a:buFont typeface="Arial" panose="020B0604020202020204" pitchFamily="34" charset="0"/>
         <a:buChar char="•"/>
-        <a:defRPr sz="1984" kern="1200">
+        <a:defRPr sz="1417" kern="1200">
           <a:solidFill>
             <a:schemeClr val="tx1"/>
           </a:solidFill>
@@ -2760,16 +3300,16 @@
           <a:cs typeface="+mn-cs"/>
         </a:defRPr>
       </a:lvl4pPr>
-      <a:lvl5pPr marL="2267872" indent="-251986" algn="l" defTabSz="1007943" rtl="0" eaLnBrk="1" latinLnBrk="0" hangingPunct="1">
+      <a:lvl5pPr marL="1619791" indent="-179977" algn="l" defTabSz="719907" rtl="0" eaLnBrk="1" latinLnBrk="0" hangingPunct="1">
         <a:lnSpc>
           <a:spcPct val="90000"/>
         </a:lnSpc>
         <a:spcBef>
-          <a:spcPts val="551"/>
+          <a:spcPts val="394"/>
         </a:spcBef>
         <a:buFont typeface="Arial" panose="020B0604020202020204" pitchFamily="34" charset="0"/>
         <a:buChar char="•"/>
-        <a:defRPr sz="1984" kern="1200">
+        <a:defRPr sz="1417" kern="1200">
           <a:solidFill>
             <a:schemeClr val="tx1"/>
           </a:solidFill>
@@ -2778,16 +3318,16 @@
           <a:cs typeface="+mn-cs"/>
         </a:defRPr>
       </a:lvl5pPr>
-      <a:lvl6pPr marL="2771844" indent="-251986" algn="l" defTabSz="1007943" rtl="0" eaLnBrk="1" latinLnBrk="0" hangingPunct="1">
+      <a:lvl6pPr marL="1979745" indent="-179977" algn="l" defTabSz="719907" rtl="0" eaLnBrk="1" latinLnBrk="0" hangingPunct="1">
         <a:lnSpc>
           <a:spcPct val="90000"/>
         </a:lnSpc>
         <a:spcBef>
-          <a:spcPts val="551"/>
+          <a:spcPts val="394"/>
         </a:spcBef>
         <a:buFont typeface="Arial" panose="020B0604020202020204" pitchFamily="34" charset="0"/>
         <a:buChar char="•"/>
-        <a:defRPr sz="1984" kern="1200">
+        <a:defRPr sz="1417" kern="1200">
           <a:solidFill>
             <a:schemeClr val="tx1"/>
           </a:solidFill>
@@ -2796,16 +3336,16 @@
           <a:cs typeface="+mn-cs"/>
         </a:defRPr>
       </a:lvl6pPr>
-      <a:lvl7pPr marL="3275815" indent="-251986" algn="l" defTabSz="1007943" rtl="0" eaLnBrk="1" latinLnBrk="0" hangingPunct="1">
+      <a:lvl7pPr marL="2339698" indent="-179977" algn="l" defTabSz="719907" rtl="0" eaLnBrk="1" latinLnBrk="0" hangingPunct="1">
         <a:lnSpc>
           <a:spcPct val="90000"/>
         </a:lnSpc>
         <a:spcBef>
-          <a:spcPts val="551"/>
+          <a:spcPts val="394"/>
         </a:spcBef>
         <a:buFont typeface="Arial" panose="020B0604020202020204" pitchFamily="34" charset="0"/>
         <a:buChar char="•"/>
-        <a:defRPr sz="1984" kern="1200">
+        <a:defRPr sz="1417" kern="1200">
           <a:solidFill>
             <a:schemeClr val="tx1"/>
           </a:solidFill>
@@ -2814,16 +3354,16 @@
           <a:cs typeface="+mn-cs"/>
         </a:defRPr>
       </a:lvl7pPr>
-      <a:lvl8pPr marL="3779787" indent="-251986" algn="l" defTabSz="1007943" rtl="0" eaLnBrk="1" latinLnBrk="0" hangingPunct="1">
+      <a:lvl8pPr marL="2699652" indent="-179977" algn="l" defTabSz="719907" rtl="0" eaLnBrk="1" latinLnBrk="0" hangingPunct="1">
         <a:lnSpc>
           <a:spcPct val="90000"/>
         </a:lnSpc>
         <a:spcBef>
-          <a:spcPts val="551"/>
+          <a:spcPts val="394"/>
         </a:spcBef>
         <a:buFont typeface="Arial" panose="020B0604020202020204" pitchFamily="34" charset="0"/>
         <a:buChar char="•"/>
-        <a:defRPr sz="1984" kern="1200">
+        <a:defRPr sz="1417" kern="1200">
           <a:solidFill>
             <a:schemeClr val="tx1"/>
           </a:solidFill>
@@ -2832,16 +3372,16 @@
           <a:cs typeface="+mn-cs"/>
         </a:defRPr>
       </a:lvl8pPr>
-      <a:lvl9pPr marL="4283758" indent="-251986" algn="l" defTabSz="1007943" rtl="0" eaLnBrk="1" latinLnBrk="0" hangingPunct="1">
+      <a:lvl9pPr marL="3059605" indent="-179977" algn="l" defTabSz="719907" rtl="0" eaLnBrk="1" latinLnBrk="0" hangingPunct="1">
         <a:lnSpc>
           <a:spcPct val="90000"/>
         </a:lnSpc>
         <a:spcBef>
-          <a:spcPts val="551"/>
+          <a:spcPts val="394"/>
         </a:spcBef>
         <a:buFont typeface="Arial" panose="020B0604020202020204" pitchFamily="34" charset="0"/>
         <a:buChar char="•"/>
-        <a:defRPr sz="1984" kern="1200">
+        <a:defRPr sz="1417" kern="1200">
           <a:solidFill>
             <a:schemeClr val="tx1"/>
           </a:solidFill>
@@ -2855,8 +3395,8 @@
       <a:defPPr>
         <a:defRPr lang="en-US"/>
       </a:defPPr>
-      <a:lvl1pPr marL="0" algn="l" defTabSz="1007943" rtl="0" eaLnBrk="1" latinLnBrk="0" hangingPunct="1">
-        <a:defRPr sz="1984" kern="1200">
+      <a:lvl1pPr marL="0" algn="l" defTabSz="719907" rtl="0" eaLnBrk="1" latinLnBrk="0" hangingPunct="1">
+        <a:defRPr sz="1417" kern="1200">
           <a:solidFill>
             <a:schemeClr val="tx1"/>
           </a:solidFill>
@@ -2865,8 +3405,8 @@
           <a:cs typeface="+mn-cs"/>
         </a:defRPr>
       </a:lvl1pPr>
-      <a:lvl2pPr marL="503972" algn="l" defTabSz="1007943" rtl="0" eaLnBrk="1" latinLnBrk="0" hangingPunct="1">
-        <a:defRPr sz="1984" kern="1200">
+      <a:lvl2pPr marL="359954" algn="l" defTabSz="719907" rtl="0" eaLnBrk="1" latinLnBrk="0" hangingPunct="1">
+        <a:defRPr sz="1417" kern="1200">
           <a:solidFill>
             <a:schemeClr val="tx1"/>
           </a:solidFill>
@@ -2875,8 +3415,8 @@
           <a:cs typeface="+mn-cs"/>
         </a:defRPr>
       </a:lvl2pPr>
-      <a:lvl3pPr marL="1007943" algn="l" defTabSz="1007943" rtl="0" eaLnBrk="1" latinLnBrk="0" hangingPunct="1">
-        <a:defRPr sz="1984" kern="1200">
+      <a:lvl3pPr marL="719907" algn="l" defTabSz="719907" rtl="0" eaLnBrk="1" latinLnBrk="0" hangingPunct="1">
+        <a:defRPr sz="1417" kern="1200">
           <a:solidFill>
             <a:schemeClr val="tx1"/>
           </a:solidFill>
@@ -2885,8 +3425,8 @@
           <a:cs typeface="+mn-cs"/>
         </a:defRPr>
       </a:lvl3pPr>
-      <a:lvl4pPr marL="1511915" algn="l" defTabSz="1007943" rtl="0" eaLnBrk="1" latinLnBrk="0" hangingPunct="1">
-        <a:defRPr sz="1984" kern="1200">
+      <a:lvl4pPr marL="1079861" algn="l" defTabSz="719907" rtl="0" eaLnBrk="1" latinLnBrk="0" hangingPunct="1">
+        <a:defRPr sz="1417" kern="1200">
           <a:solidFill>
             <a:schemeClr val="tx1"/>
           </a:solidFill>
@@ -2895,8 +3435,8 @@
           <a:cs typeface="+mn-cs"/>
         </a:defRPr>
       </a:lvl4pPr>
-      <a:lvl5pPr marL="2015886" algn="l" defTabSz="1007943" rtl="0" eaLnBrk="1" latinLnBrk="0" hangingPunct="1">
-        <a:defRPr sz="1984" kern="1200">
+      <a:lvl5pPr marL="1439814" algn="l" defTabSz="719907" rtl="0" eaLnBrk="1" latinLnBrk="0" hangingPunct="1">
+        <a:defRPr sz="1417" kern="1200">
           <a:solidFill>
             <a:schemeClr val="tx1"/>
           </a:solidFill>
@@ -2905,8 +3445,8 @@
           <a:cs typeface="+mn-cs"/>
         </a:defRPr>
       </a:lvl5pPr>
-      <a:lvl6pPr marL="2519858" algn="l" defTabSz="1007943" rtl="0" eaLnBrk="1" latinLnBrk="0" hangingPunct="1">
-        <a:defRPr sz="1984" kern="1200">
+      <a:lvl6pPr marL="1799768" algn="l" defTabSz="719907" rtl="0" eaLnBrk="1" latinLnBrk="0" hangingPunct="1">
+        <a:defRPr sz="1417" kern="1200">
           <a:solidFill>
             <a:schemeClr val="tx1"/>
           </a:solidFill>
@@ -2915,8 +3455,8 @@
           <a:cs typeface="+mn-cs"/>
         </a:defRPr>
       </a:lvl6pPr>
-      <a:lvl7pPr marL="3023829" algn="l" defTabSz="1007943" rtl="0" eaLnBrk="1" latinLnBrk="0" hangingPunct="1">
-        <a:defRPr sz="1984" kern="1200">
+      <a:lvl7pPr marL="2159721" algn="l" defTabSz="719907" rtl="0" eaLnBrk="1" latinLnBrk="0" hangingPunct="1">
+        <a:defRPr sz="1417" kern="1200">
           <a:solidFill>
             <a:schemeClr val="tx1"/>
           </a:solidFill>
@@ -2925,8 +3465,8 @@
           <a:cs typeface="+mn-cs"/>
         </a:defRPr>
       </a:lvl7pPr>
-      <a:lvl8pPr marL="3527801" algn="l" defTabSz="1007943" rtl="0" eaLnBrk="1" latinLnBrk="0" hangingPunct="1">
-        <a:defRPr sz="1984" kern="1200">
+      <a:lvl8pPr marL="2519675" algn="l" defTabSz="719907" rtl="0" eaLnBrk="1" latinLnBrk="0" hangingPunct="1">
+        <a:defRPr sz="1417" kern="1200">
           <a:solidFill>
             <a:schemeClr val="tx1"/>
           </a:solidFill>
@@ -2935,8 +3475,8 @@
           <a:cs typeface="+mn-cs"/>
         </a:defRPr>
       </a:lvl8pPr>
-      <a:lvl9pPr marL="4031772" algn="l" defTabSz="1007943" rtl="0" eaLnBrk="1" latinLnBrk="0" hangingPunct="1">
-        <a:defRPr sz="1984" kern="1200">
+      <a:lvl9pPr marL="2879628" algn="l" defTabSz="719907" rtl="0" eaLnBrk="1" latinLnBrk="0" hangingPunct="1">
+        <a:defRPr sz="1417" kern="1200">
           <a:solidFill>
             <a:schemeClr val="tx1"/>
           </a:solidFill>
@@ -2969,20 +3509,14 @@
       </p:grpSpPr>
       <p:sp>
         <p:nvSpPr>
-          <p:cNvPr id="5" name="TextBox 4">
-            <a:extLst>
-              <a:ext uri="{FF2B5EF4-FFF2-40B4-BE49-F238E27FC236}">
-                <a16:creationId xmlns:a16="http://schemas.microsoft.com/office/drawing/2014/main" id="{2659596B-5687-4AE2-A4E7-FDACD5C929FD}"/>
-              </a:ext>
-            </a:extLst>
-          </p:cNvPr>
+          <p:cNvPr id="5" name="TextBox 4"/>
           <p:cNvSpPr txBox="1"/>
           <p:nvPr/>
         </p:nvSpPr>
         <p:spPr>
           <a:xfrm>
-            <a:off x="449693" y="796280"/>
-            <a:ext cx="3572009" cy="6186309"/>
+            <a:off x="211598" y="1313896"/>
+            <a:ext cx="3043716" cy="7681783"/>
           </a:xfrm>
           <a:prstGeom prst="rect">
             <a:avLst/>
@@ -2995,254 +3529,159 @@
           </a:bodyPr>
           <a:lstStyle/>
           <a:p>
-            <a:endParaRPr lang="fr-FR" sz="1200" dirty="0"/>
-          </a:p>
-          <a:p>
-            <a:r>
-              <a:rPr lang="fr-FR" sz="1200" b="1" dirty="0"/>
+            <a:endParaRPr lang="fr-FR" sz="1333" dirty="0"/>
+          </a:p>
+          <a:p>
+            <a:r>
+              <a:rPr lang="fr-FR" sz="1333" b="1" dirty="0"/>
               <a:t>La contremarche : </a:t>
             </a:r>
             <a:r>
-              <a:rPr lang="fr-FR" sz="1200" dirty="0"/>
+              <a:rPr lang="fr-FR" sz="1333" dirty="0"/>
               <a:t>Partie verticale de chaque marche d'un escalier.</a:t>
             </a:r>
           </a:p>
           <a:p>
-            <a:endParaRPr lang="fr-FR" sz="1200" dirty="0"/>
-          </a:p>
-          <a:p>
-            <a:r>
-              <a:rPr lang="fr-FR" sz="1200" b="1" dirty="0"/>
+            <a:endParaRPr lang="fr-FR" sz="1333" dirty="0"/>
+          </a:p>
+          <a:p>
+            <a:r>
+              <a:rPr lang="fr-FR" sz="1333" b="1" dirty="0"/>
               <a:t>Le limon : </a:t>
             </a:r>
             <a:r>
-              <a:rPr lang="fr-FR" sz="1200" dirty="0"/>
+              <a:rPr lang="fr-FR" sz="1333" dirty="0"/>
               <a:t>Il a un rôle à la fois fonctionnel et esthétique. Il permet de dissimuler les parties latérales des marches et d'habiller l'escalier mais aussi de supporter le poids des marches et de ceux qui empruntent l'escalier.</a:t>
             </a:r>
           </a:p>
           <a:p>
-            <a:endParaRPr lang="fr-FR" sz="1200" dirty="0"/>
-          </a:p>
-          <a:p>
-            <a:r>
-              <a:rPr lang="fr-FR" sz="1200" b="1" dirty="0"/>
+            <a:endParaRPr lang="fr-FR" sz="1333" dirty="0"/>
+          </a:p>
+          <a:p>
+            <a:r>
+              <a:rPr lang="fr-FR" sz="1333" b="1" dirty="0"/>
               <a:t>La crémaillère : </a:t>
             </a:r>
             <a:r>
-              <a:rPr lang="fr-FR" sz="1200" dirty="0"/>
+              <a:rPr lang="fr-FR" sz="1333" dirty="0"/>
               <a:t>Limon dont la face supérieure épouse la forme de l'escalier et sur laquelle reposent les marches.</a:t>
             </a:r>
           </a:p>
           <a:p>
-            <a:endParaRPr lang="fr-FR" sz="1200" dirty="0"/>
-          </a:p>
-          <a:p>
-            <a:r>
-              <a:rPr lang="fr-FR" sz="1200" b="1" dirty="0"/>
+            <a:endParaRPr lang="fr-FR" sz="1333" dirty="0"/>
+          </a:p>
+          <a:p>
+            <a:r>
+              <a:rPr lang="fr-FR" sz="1333" b="1" dirty="0"/>
               <a:t>La ligne de foulée : </a:t>
             </a:r>
             <a:r>
-              <a:rPr lang="fr-FR" sz="1200" dirty="0"/>
+              <a:rPr lang="fr-FR" sz="1333" dirty="0"/>
               <a:t>une ligne imaginaire représentant la trajectoire théorique lorsque l'on monte ou que l'on descend l'escalier.</a:t>
             </a:r>
           </a:p>
           <a:p>
-            <a:endParaRPr lang="fr-FR" sz="1200" dirty="0"/>
-          </a:p>
-          <a:p>
-            <a:r>
-              <a:rPr lang="fr-FR" sz="1200" b="1" dirty="0"/>
+            <a:endParaRPr lang="fr-FR" sz="1333" dirty="0"/>
+          </a:p>
+          <a:p>
+            <a:r>
+              <a:rPr lang="fr-FR" sz="1333" b="1" dirty="0"/>
               <a:t>La main courante : </a:t>
             </a:r>
             <a:r>
-              <a:rPr lang="fr-FR" sz="1200" dirty="0"/>
+              <a:rPr lang="fr-FR" sz="1333" dirty="0"/>
               <a:t>Une </a:t>
             </a:r>
             <a:r>
-              <a:rPr lang="fr-FR" sz="1200" i="1" dirty="0"/>
+              <a:rPr lang="fr-FR" sz="1333" i="1" dirty="0"/>
               <a:t>main courante</a:t>
             </a:r>
             <a:r>
-              <a:rPr lang="fr-FR" sz="1200" dirty="0"/>
+              <a:rPr lang="fr-FR" sz="1333" dirty="0"/>
               <a:t> est une rampe disposée le long d'un </a:t>
             </a:r>
             <a:r>
-              <a:rPr lang="fr-FR" sz="1200" i="1" dirty="0"/>
+              <a:rPr lang="fr-FR" sz="1333" i="1" dirty="0"/>
               <a:t>escalier</a:t>
             </a:r>
             <a:r>
-              <a:rPr lang="fr-FR" sz="1200" dirty="0"/>
+              <a:rPr lang="fr-FR" sz="1333" dirty="0"/>
               <a:t> en guise de sécurité.</a:t>
             </a:r>
           </a:p>
           <a:p>
-            <a:endParaRPr lang="fr-FR" sz="1200" dirty="0"/>
-          </a:p>
-          <a:p>
-            <a:r>
-              <a:rPr lang="fr-FR" sz="1200" b="1" dirty="0"/>
+            <a:endParaRPr lang="fr-FR" sz="1333" dirty="0"/>
+          </a:p>
+          <a:p>
+            <a:r>
+              <a:rPr lang="fr-FR" sz="1333" b="1" dirty="0"/>
               <a:t>La lisse : </a:t>
             </a:r>
             <a:r>
-              <a:rPr lang="fr-FR" sz="1200" dirty="0"/>
+              <a:rPr lang="fr-FR" sz="1333" dirty="0"/>
               <a:t>Pièce parallèle basse à la main courante. Pièce basse d'un garde-corps, d'une barrière de sécurité.</a:t>
             </a:r>
           </a:p>
           <a:p>
-            <a:endParaRPr lang="fr-FR" sz="1200" dirty="0"/>
-          </a:p>
-          <a:p>
-            <a:r>
-              <a:rPr lang="fr-FR" sz="1200" b="1" dirty="0"/>
+            <a:endParaRPr lang="fr-FR" sz="1333" dirty="0"/>
+          </a:p>
+          <a:p>
+            <a:r>
+              <a:rPr lang="fr-FR" sz="1333" b="1" dirty="0"/>
               <a:t>Le giron : </a:t>
             </a:r>
             <a:r>
-              <a:rPr lang="fr-FR" sz="1200" dirty="0"/>
+              <a:rPr lang="fr-FR" sz="1333" dirty="0"/>
               <a:t>la distance horizontale d’un nez de marche au nez de marche suivant.</a:t>
             </a:r>
-            <a:endParaRPr lang="fr-FR" sz="1200" b="1" dirty="0"/>
-          </a:p>
-          <a:p>
-            <a:endParaRPr lang="fr-FR" sz="1200" dirty="0"/>
-          </a:p>
-          <a:p>
-            <a:r>
-              <a:rPr lang="fr-FR" sz="1200" b="1" dirty="0"/>
+            <a:endParaRPr lang="fr-FR" sz="1333" b="1" dirty="0"/>
+          </a:p>
+          <a:p>
+            <a:endParaRPr lang="fr-FR" sz="1333" dirty="0"/>
+          </a:p>
+          <a:p>
+            <a:r>
+              <a:rPr lang="fr-FR" sz="1333" b="1" dirty="0"/>
               <a:t>Le garde-corps : </a:t>
             </a:r>
             <a:r>
-              <a:rPr lang="fr-FR" sz="1200" dirty="0"/>
+              <a:rPr lang="fr-FR" sz="1333" dirty="0"/>
               <a:t>ensemble qui regroupe  la main courante, la lisse et les barreaux de séparation.</a:t>
             </a:r>
           </a:p>
           <a:p>
-            <a:endParaRPr lang="fr-FR" sz="1200" dirty="0"/>
-          </a:p>
-          <a:p>
-            <a:r>
-              <a:rPr lang="fr-FR" sz="1200" b="1" dirty="0"/>
+            <a:endParaRPr lang="fr-FR" sz="1333" dirty="0"/>
+          </a:p>
+          <a:p>
+            <a:r>
+              <a:rPr lang="fr-FR" sz="1333" b="1" dirty="0"/>
               <a:t>Le nez de marche : </a:t>
             </a:r>
             <a:r>
-              <a:rPr lang="fr-FR" sz="1200" dirty="0"/>
+              <a:rPr lang="fr-FR" sz="1333" dirty="0"/>
               <a:t>le bord de la marche.</a:t>
             </a:r>
           </a:p>
           <a:p>
-            <a:endParaRPr lang="fr-FR" sz="1200" dirty="0"/>
+            <a:endParaRPr lang="fr-FR" sz="1333" dirty="0"/>
           </a:p>
         </p:txBody>
       </p:sp>
       <p:pic>
         <p:nvPicPr>
-          <p:cNvPr id="7" name="Picture 12">
-            <a:extLst>
-              <a:ext uri="{FF2B5EF4-FFF2-40B4-BE49-F238E27FC236}">
-                <a16:creationId xmlns:a16="http://schemas.microsoft.com/office/drawing/2014/main" id="{FD86E8C1-1F27-4E57-A572-973528301F61}"/>
-              </a:ext>
-            </a:extLst>
-          </p:cNvPr>
+          <p:cNvPr id="2" name="Picture 1"/>
           <p:cNvPicPr>
             <a:picLocks noChangeAspect="1"/>
           </p:cNvPicPr>
           <p:nvPr/>
         </p:nvPicPr>
         <p:blipFill>
-          <a:blip r:embed="rId2"/>
-          <a:stretch>
-            <a:fillRect/>
-          </a:stretch>
-        </p:blipFill>
-        <p:spPr>
-          <a:xfrm>
-            <a:off x="4218729" y="1048063"/>
-            <a:ext cx="3431502" cy="6064738"/>
-          </a:xfrm>
-          <a:prstGeom prst="rect">
-            <a:avLst/>
-          </a:prstGeom>
-        </p:spPr>
-      </p:pic>
-      <p:sp>
-        <p:nvSpPr>
-          <p:cNvPr id="9" name="TextBox 7">
-            <a:extLst>
-              <a:ext uri="{FF2B5EF4-FFF2-40B4-BE49-F238E27FC236}">
-                <a16:creationId xmlns:a16="http://schemas.microsoft.com/office/drawing/2014/main" id="{060506B5-234B-4C4E-ABBA-B6639B8C07B3}"/>
-              </a:ext>
-            </a:extLst>
-          </p:cNvPr>
-          <p:cNvSpPr txBox="1"/>
-          <p:nvPr/>
-        </p:nvSpPr>
-        <p:spPr>
-          <a:xfrm>
-            <a:off x="323360" y="241198"/>
-            <a:ext cx="10045093" cy="444096"/>
-          </a:xfrm>
-          <a:prstGeom prst="rect">
-            <a:avLst/>
-          </a:prstGeom>
-          <a:effectLst/>
-        </p:spPr>
-        <p:style>
-          <a:lnRef idx="2">
-            <a:schemeClr val="dk1"/>
-          </a:lnRef>
-          <a:fillRef idx="1">
-            <a:schemeClr val="lt1"/>
-          </a:fillRef>
-          <a:effectRef idx="0">
-            <a:schemeClr val="dk1"/>
-          </a:effectRef>
-          <a:fontRef idx="minor">
-            <a:schemeClr val="dk1"/>
-          </a:fontRef>
-        </p:style>
-        <p:txBody>
-          <a:bodyPr wrap="square" rtlCol="0">
-            <a:spAutoFit/>
-          </a:bodyPr>
-          <a:lstStyle/>
-          <a:p>
-            <a:pPr algn="ctr"/>
-            <a:r>
-              <a:rPr lang="fr-FR" sz="2286" dirty="0"/>
-              <a:t>Vocabulaire relatif aux escaliers	1/2</a:t>
-            </a:r>
-          </a:p>
-        </p:txBody>
-      </p:sp>
-      <p:pic>
-        <p:nvPicPr>
-          <p:cNvPr id="11" name="Picture 1">
-            <a:extLst>
-              <a:ext uri="{FF2B5EF4-FFF2-40B4-BE49-F238E27FC236}">
-                <a16:creationId xmlns:a16="http://schemas.microsoft.com/office/drawing/2014/main" id="{91857EB2-6E38-4C71-BBD7-961ABDACD4F2}"/>
-              </a:ext>
-            </a:extLst>
-          </p:cNvPr>
-          <p:cNvPicPr>
-            <a:picLocks noChangeAspect="1"/>
-          </p:cNvPicPr>
-          <p:nvPr/>
-        </p:nvPicPr>
-        <p:blipFill>
-          <a:blip r:embed="rId3" cstate="print">
+          <a:blip r:embed="rId2" cstate="print">
             <a:grayscl/>
             <a:extLst>
               <a:ext uri="{BEBA8EAE-BF5A-486C-A8C5-ECC9F3942E4B}">
                 <a14:imgProps xmlns:a14="http://schemas.microsoft.com/office/drawing/2010/main">
-                  <a14:imgLayer r:embed="rId4">
-                    <a14:imgEffect>
-                      <a14:backgroundRemoval t="7700" b="95900" l="10000" r="92700">
-                        <a14:foregroundMark x1="65600" y1="89800" x2="73500" y2="95900"/>
-                        <a14:foregroundMark x1="77100" y1="88500" x2="82600" y2="85500"/>
-                        <a14:foregroundMark x1="89900" y1="80000" x2="92700" y2="81100"/>
-                        <a14:foregroundMark x1="8900" y1="8400" x2="27800" y2="7700"/>
-                        <a14:foregroundMark x1="27800" y1="7700" x2="20500" y2="7700"/>
-                      </a14:backgroundRemoval>
-                    </a14:imgEffect>
+                  <a14:imgLayer r:embed="rId3">
                     <a14:imgEffect>
                       <a14:sharpenSoften amount="25000"/>
                     </a14:imgEffect>
@@ -3263,7 +3702,7 @@
         </p:blipFill>
         <p:spPr>
           <a:xfrm>
-            <a:off x="7223511" y="1334395"/>
+            <a:off x="3255316" y="7145915"/>
             <a:ext cx="2555040" cy="2555040"/>
           </a:xfrm>
           <a:prstGeom prst="rect">
@@ -3273,19 +3712,13 @@
       </p:pic>
       <p:cxnSp>
         <p:nvCxnSpPr>
-          <p:cNvPr id="12" name="Straight Arrow Connector 3">
-            <a:extLst>
-              <a:ext uri="{FF2B5EF4-FFF2-40B4-BE49-F238E27FC236}">
-                <a16:creationId xmlns:a16="http://schemas.microsoft.com/office/drawing/2014/main" id="{ED46F969-1326-4A05-A57D-F6628C95D709}"/>
-              </a:ext>
-            </a:extLst>
-          </p:cNvPr>
+          <p:cNvPr id="4" name="Straight Arrow Connector 3"/>
           <p:cNvCxnSpPr/>
           <p:nvPr/>
         </p:nvCxnSpPr>
         <p:spPr>
           <a:xfrm flipH="1">
-            <a:off x="8945150" y="2461303"/>
+            <a:off x="4976955" y="8272823"/>
             <a:ext cx="1059121" cy="0"/>
           </a:xfrm>
           <a:prstGeom prst="straightConnector1">
@@ -3310,21 +3743,39 @@
           </a:fontRef>
         </p:style>
       </p:cxnSp>
-      <p:sp>
-        <p:nvSpPr>
-          <p:cNvPr id="13" name="TextBox 13">
-            <a:extLst>
-              <a:ext uri="{FF2B5EF4-FFF2-40B4-BE49-F238E27FC236}">
-                <a16:creationId xmlns:a16="http://schemas.microsoft.com/office/drawing/2014/main" id="{8CCE3D5D-71FC-4CEA-92A2-A4B75F360F00}"/>
-              </a:ext>
-            </a:extLst>
-          </p:cNvPr>
+      <p:pic>
+        <p:nvPicPr>
+          <p:cNvPr id="13" name="Picture 12"/>
+          <p:cNvPicPr>
+            <a:picLocks noChangeAspect="1"/>
+          </p:cNvPicPr>
+          <p:nvPr/>
+        </p:nvPicPr>
+        <p:blipFill>
+          <a:blip r:embed="rId4"/>
+          <a:stretch>
+            <a:fillRect/>
+          </a:stretch>
+        </p:blipFill>
+        <p:spPr>
+          <a:xfrm>
+            <a:off x="3575683" y="922334"/>
+            <a:ext cx="3431502" cy="6064738"/>
+          </a:xfrm>
+          <a:prstGeom prst="rect">
+            <a:avLst/>
+          </a:prstGeom>
+        </p:spPr>
+      </p:pic>
+      <p:sp>
+        <p:nvSpPr>
+          <p:cNvPr id="14" name="TextBox 13"/>
           <p:cNvSpPr txBox="1"/>
           <p:nvPr/>
         </p:nvSpPr>
         <p:spPr>
           <a:xfrm>
-            <a:off x="8945151" y="2217945"/>
+            <a:off x="4976956" y="8029465"/>
             <a:ext cx="1983691" cy="238848"/>
           </a:xfrm>
           <a:prstGeom prst="rect">
@@ -3345,48 +3796,54 @@
           </a:p>
         </p:txBody>
       </p:sp>
-      <p:cxnSp>
-        <p:nvCxnSpPr>
-          <p:cNvPr id="15" name="Connecteur droit 14">
-            <a:extLst>
-              <a:ext uri="{FF2B5EF4-FFF2-40B4-BE49-F238E27FC236}">
-                <a16:creationId xmlns:a16="http://schemas.microsoft.com/office/drawing/2014/main" id="{BD55E44F-3F2A-4FF7-84E3-DDB273B146DD}"/>
-              </a:ext>
-            </a:extLst>
-          </p:cNvPr>
-          <p:cNvCxnSpPr>
-            <a:cxnSpLocks/>
-          </p:cNvCxnSpPr>
+      <p:sp>
+        <p:nvSpPr>
+          <p:cNvPr id="8" name="TextBox 7"/>
+          <p:cNvSpPr txBox="1"/>
           <p:nvPr/>
-        </p:nvCxnSpPr>
+        </p:nvSpPr>
         <p:spPr>
           <a:xfrm>
-            <a:off x="4026989" y="1048063"/>
-            <a:ext cx="0" cy="5934526"/>
+            <a:off x="211598" y="323833"/>
+            <a:ext cx="6795587" cy="444096"/>
           </a:xfrm>
-          <a:prstGeom prst="line">
+          <a:prstGeom prst="rect">
             <a:avLst/>
           </a:prstGeom>
+          <a:effectLst/>
         </p:spPr>
         <p:style>
           <a:lnRef idx="2">
             <a:schemeClr val="dk1"/>
           </a:lnRef>
-          <a:fillRef idx="0">
-            <a:schemeClr val="dk1"/>
+          <a:fillRef idx="1">
+            <a:schemeClr val="lt1"/>
           </a:fillRef>
-          <a:effectRef idx="1">
+          <a:effectRef idx="0">
             <a:schemeClr val="dk1"/>
           </a:effectRef>
           <a:fontRef idx="minor">
-            <a:schemeClr val="tx1"/>
+            <a:schemeClr val="dk1"/>
           </a:fontRef>
         </p:style>
-      </p:cxnSp>
+        <p:txBody>
+          <a:bodyPr wrap="square" rtlCol="0">
+            <a:spAutoFit/>
+          </a:bodyPr>
+          <a:lstStyle/>
+          <a:p>
+            <a:pPr algn="ctr"/>
+            <a:r>
+              <a:rPr lang="fr-FR" sz="2286" dirty="0"/>
+              <a:t>Vocabulaire relatif aux escaliers	1/2</a:t>
+            </a:r>
+          </a:p>
+        </p:txBody>
+      </p:sp>
     </p:spTree>
     <p:extLst>
       <p:ext uri="{BB962C8B-B14F-4D97-AF65-F5344CB8AC3E}">
-        <p14:creationId xmlns:p14="http://schemas.microsoft.com/office/powerpoint/2010/main" val="3828541852"/>
+        <p14:creationId xmlns:p14="http://schemas.microsoft.com/office/powerpoint/2010/main" val="4018514928"/>
       </p:ext>
     </p:extLst>
   </p:cSld>
@@ -3413,204 +3870,9 @@
           <a:chExt cx="0" cy="0"/>
         </a:xfrm>
       </p:grpSpPr>
-      <p:sp>
-        <p:nvSpPr>
-          <p:cNvPr id="9" name="TextBox 7">
-            <a:extLst>
-              <a:ext uri="{FF2B5EF4-FFF2-40B4-BE49-F238E27FC236}">
-                <a16:creationId xmlns:a16="http://schemas.microsoft.com/office/drawing/2014/main" id="{060506B5-234B-4C4E-ABBA-B6639B8C07B3}"/>
-              </a:ext>
-            </a:extLst>
-          </p:cNvPr>
-          <p:cNvSpPr txBox="1"/>
-          <p:nvPr/>
-        </p:nvSpPr>
-        <p:spPr>
-          <a:xfrm>
-            <a:off x="323360" y="241198"/>
-            <a:ext cx="10045093" cy="444096"/>
-          </a:xfrm>
-          <a:prstGeom prst="rect">
-            <a:avLst/>
-          </a:prstGeom>
-          <a:effectLst/>
-        </p:spPr>
-        <p:style>
-          <a:lnRef idx="2">
-            <a:schemeClr val="dk1"/>
-          </a:lnRef>
-          <a:fillRef idx="1">
-            <a:schemeClr val="lt1"/>
-          </a:fillRef>
-          <a:effectRef idx="0">
-            <a:schemeClr val="dk1"/>
-          </a:effectRef>
-          <a:fontRef idx="minor">
-            <a:schemeClr val="dk1"/>
-          </a:fontRef>
-        </p:style>
-        <p:txBody>
-          <a:bodyPr wrap="square" rtlCol="0">
-            <a:spAutoFit/>
-          </a:bodyPr>
-          <a:lstStyle/>
-          <a:p>
-            <a:pPr algn="ctr"/>
-            <a:r>
-              <a:rPr lang="fr-FR" sz="2286" dirty="0"/>
-              <a:t>Vocabulaire relatif aux escaliers	2/2</a:t>
-            </a:r>
-          </a:p>
-        </p:txBody>
-      </p:sp>
-      <p:cxnSp>
-        <p:nvCxnSpPr>
-          <p:cNvPr id="15" name="Connecteur droit 14">
-            <a:extLst>
-              <a:ext uri="{FF2B5EF4-FFF2-40B4-BE49-F238E27FC236}">
-                <a16:creationId xmlns:a16="http://schemas.microsoft.com/office/drawing/2014/main" id="{BD55E44F-3F2A-4FF7-84E3-DDB273B146DD}"/>
-              </a:ext>
-            </a:extLst>
-          </p:cNvPr>
-          <p:cNvCxnSpPr>
-            <a:cxnSpLocks/>
-          </p:cNvCxnSpPr>
-          <p:nvPr/>
-        </p:nvCxnSpPr>
-        <p:spPr>
-          <a:xfrm>
-            <a:off x="4026989" y="1048063"/>
-            <a:ext cx="0" cy="5934526"/>
-          </a:xfrm>
-          <a:prstGeom prst="line">
-            <a:avLst/>
-          </a:prstGeom>
-        </p:spPr>
-        <p:style>
-          <a:lnRef idx="2">
-            <a:schemeClr val="dk1"/>
-          </a:lnRef>
-          <a:fillRef idx="0">
-            <a:schemeClr val="dk1"/>
-          </a:fillRef>
-          <a:effectRef idx="1">
-            <a:schemeClr val="dk1"/>
-          </a:effectRef>
-          <a:fontRef idx="minor">
-            <a:schemeClr val="tx1"/>
-          </a:fontRef>
-        </p:style>
-      </p:cxnSp>
-      <p:sp>
-        <p:nvSpPr>
-          <p:cNvPr id="10" name="TextBox 3">
-            <a:extLst>
-              <a:ext uri="{FF2B5EF4-FFF2-40B4-BE49-F238E27FC236}">
-                <a16:creationId xmlns:a16="http://schemas.microsoft.com/office/drawing/2014/main" id="{A858C1A0-C8C1-4BE3-87BC-8F9D47B2B828}"/>
-              </a:ext>
-            </a:extLst>
-          </p:cNvPr>
-          <p:cNvSpPr txBox="1"/>
-          <p:nvPr/>
-        </p:nvSpPr>
-        <p:spPr>
-          <a:xfrm>
-            <a:off x="357347" y="1689505"/>
-            <a:ext cx="3669641" cy="4399859"/>
-          </a:xfrm>
-          <a:prstGeom prst="rect">
-            <a:avLst/>
-          </a:prstGeom>
-          <a:noFill/>
-        </p:spPr>
-        <p:txBody>
-          <a:bodyPr wrap="square" numCol="1" rtlCol="0">
-            <a:spAutoFit/>
-          </a:bodyPr>
-          <a:lstStyle/>
-          <a:p>
-            <a:endParaRPr lang="fr-FR" sz="1333" dirty="0"/>
-          </a:p>
-          <a:p>
-            <a:r>
-              <a:rPr lang="fr-FR" sz="1333" b="1" dirty="0"/>
-              <a:t>L’échappée : </a:t>
-            </a:r>
-            <a:r>
-              <a:rPr lang="fr-FR" sz="1333" dirty="0"/>
-              <a:t>la hauteur minimale rencontrée dans un escalier, entre la marche et le plafond. Elle doit offrir un dégagement suffisant pour permettre la circulation sans heurt.</a:t>
-            </a:r>
-          </a:p>
-          <a:p>
-            <a:endParaRPr lang="fr-FR" sz="1333" dirty="0"/>
-          </a:p>
-          <a:p>
-            <a:r>
-              <a:rPr lang="fr-FR" sz="1333" b="1" dirty="0"/>
-              <a:t>La trémie : </a:t>
-            </a:r>
-            <a:r>
-              <a:rPr lang="fr-FR" sz="1333" dirty="0"/>
-              <a:t>le vide créé dans le plancher entre deux étages afin de permettre d'installer l'escalier </a:t>
-            </a:r>
-          </a:p>
-          <a:p>
-            <a:endParaRPr lang="fr-FR" sz="1333" dirty="0"/>
-          </a:p>
-          <a:p>
-            <a:r>
-              <a:rPr lang="fr-FR" sz="1333" b="1" dirty="0"/>
-              <a:t>La marche palière :</a:t>
-            </a:r>
-            <a:r>
-              <a:rPr lang="fr-FR" sz="1333" dirty="0"/>
-              <a:t> la dernière marche se situant au niveau du sol d'arrivée.</a:t>
-            </a:r>
-            <a:endParaRPr lang="fr-FR" sz="1333" b="1" dirty="0"/>
-          </a:p>
-          <a:p>
-            <a:endParaRPr lang="fr-FR" sz="1333" dirty="0"/>
-          </a:p>
-          <a:p>
-            <a:r>
-              <a:rPr lang="fr-FR" sz="1333" b="1" dirty="0"/>
-              <a:t>Le reculement ou l’étendue : </a:t>
-            </a:r>
-            <a:r>
-              <a:rPr lang="fr-FR" sz="1333" dirty="0"/>
-              <a:t>la mesure de la longueur entre la première et la dernière marche de l’escalier prise horizontalement du sol. </a:t>
-            </a:r>
-          </a:p>
-          <a:p>
-            <a:endParaRPr lang="fr-FR" sz="1333" b="1" dirty="0"/>
-          </a:p>
-          <a:p>
-            <a:r>
-              <a:rPr lang="fr-FR" sz="1333" b="1" dirty="0"/>
-              <a:t>Le balancement : </a:t>
-            </a:r>
-            <a:r>
-              <a:rPr lang="fr-FR" sz="1333" dirty="0"/>
-              <a:t>représente la disposition des marches de façon harmonieuse lorsque l’escalier possède un tournant.</a:t>
-            </a:r>
-          </a:p>
-          <a:p>
-            <a:endParaRPr lang="fr-FR" sz="1333" b="1" dirty="0"/>
-          </a:p>
-          <a:p>
-            <a:endParaRPr lang="fr-FR" sz="1333" dirty="0"/>
-          </a:p>
-        </p:txBody>
-      </p:sp>
       <p:pic>
         <p:nvPicPr>
-          <p:cNvPr id="14" name="Picture 2" descr="https://www.escalites.fr/img/img_upload/5ea0ce18325f26.74403109.png">
-            <a:extLst>
-              <a:ext uri="{FF2B5EF4-FFF2-40B4-BE49-F238E27FC236}">
-                <a16:creationId xmlns:a16="http://schemas.microsoft.com/office/drawing/2014/main" id="{25CEDCA7-17F4-496F-959D-4424B4AE971E}"/>
-              </a:ext>
-            </a:extLst>
-          </p:cNvPr>
+          <p:cNvPr id="3" name="Picture 2" descr="https://www.escalites.fr/img/img_upload/5ea0ce18325f26.74403109.png"/>
           <p:cNvPicPr>
             <a:picLocks noChangeAspect="1" noChangeArrowheads="1"/>
           </p:cNvPicPr>
@@ -3650,7 +3912,7 @@
         </p:blipFill>
         <p:spPr bwMode="auto">
           <a:xfrm>
-            <a:off x="4106596" y="757413"/>
+            <a:off x="2740784" y="1031892"/>
             <a:ext cx="4310599" cy="3363277"/>
           </a:xfrm>
           <a:prstGeom prst="rect">
@@ -3668,15 +3930,104 @@
           </a:extLst>
         </p:spPr>
       </p:pic>
+      <p:sp>
+        <p:nvSpPr>
+          <p:cNvPr id="4" name="TextBox 3"/>
+          <p:cNvSpPr txBox="1"/>
+          <p:nvPr/>
+        </p:nvSpPr>
+        <p:spPr>
+          <a:xfrm>
+            <a:off x="271240" y="2244017"/>
+            <a:ext cx="2586658" cy="5835700"/>
+          </a:xfrm>
+          <a:prstGeom prst="rect">
+            <a:avLst/>
+          </a:prstGeom>
+          <a:noFill/>
+        </p:spPr>
+        <p:txBody>
+          <a:bodyPr wrap="square" numCol="1" rtlCol="0">
+            <a:spAutoFit/>
+          </a:bodyPr>
+          <a:lstStyle/>
+          <a:p>
+            <a:endParaRPr lang="fr-FR" sz="1333" dirty="0"/>
+          </a:p>
+          <a:p>
+            <a:r>
+              <a:rPr lang="fr-FR" sz="1333" b="1" dirty="0"/>
+              <a:t>L’échappée : </a:t>
+            </a:r>
+            <a:r>
+              <a:rPr lang="fr-FR" sz="1333" dirty="0"/>
+              <a:t>la hauteur minimale rencontrée dans un escalier, entre la marche et le plafond. Elle doit offrir un dégagement suffisant pour permettre la circulation sans heurt.</a:t>
+            </a:r>
+          </a:p>
+          <a:p>
+            <a:endParaRPr lang="fr-FR" sz="1333" dirty="0"/>
+          </a:p>
+          <a:p>
+            <a:r>
+              <a:rPr lang="fr-FR" sz="1333" b="1" dirty="0"/>
+              <a:t>La trémie : </a:t>
+            </a:r>
+            <a:r>
+              <a:rPr lang="fr-FR" sz="1333" dirty="0"/>
+              <a:t>le vide créé dans le plancher entre deux étages afin de permettre d'installer l'escalier </a:t>
+            </a:r>
+          </a:p>
+          <a:p>
+            <a:endParaRPr lang="fr-FR" sz="1333" dirty="0"/>
+          </a:p>
+          <a:p>
+            <a:r>
+              <a:rPr lang="fr-FR" sz="1333" b="1" dirty="0"/>
+              <a:t>La marche palière :</a:t>
+            </a:r>
+            <a:r>
+              <a:rPr lang="fr-FR" sz="1333" dirty="0"/>
+              <a:t> la dernière marche se situant au niveau du sol d'arrivée.</a:t>
+            </a:r>
+            <a:endParaRPr lang="fr-FR" sz="1333" b="1" dirty="0"/>
+          </a:p>
+          <a:p>
+            <a:endParaRPr lang="fr-FR" sz="1333" dirty="0"/>
+          </a:p>
+          <a:p>
+            <a:r>
+              <a:rPr lang="fr-FR" sz="1333" b="1" dirty="0"/>
+              <a:t>Le reculement ou l’étendue : </a:t>
+            </a:r>
+            <a:r>
+              <a:rPr lang="fr-FR" sz="1333" dirty="0"/>
+              <a:t>la mesure de la longueur entre la première et la dernière marche de l’escalier prise horizontalement du sol. </a:t>
+            </a:r>
+          </a:p>
+          <a:p>
+            <a:endParaRPr lang="fr-FR" sz="1333" b="1" dirty="0"/>
+          </a:p>
+          <a:p>
+            <a:r>
+              <a:rPr lang="fr-FR" sz="1333" b="1" dirty="0"/>
+              <a:t>Le balancement : </a:t>
+            </a:r>
+            <a:r>
+              <a:rPr lang="fr-FR" sz="1333" dirty="0"/>
+              <a:t>représente la disposition des marches de façon harmonieuse lorsque l’escalier possède un tournant.</a:t>
+            </a:r>
+          </a:p>
+          <a:p>
+            <a:endParaRPr lang="fr-FR" sz="1333" b="1" dirty="0"/>
+          </a:p>
+          <a:p>
+            <a:endParaRPr lang="fr-FR" sz="1333" dirty="0"/>
+          </a:p>
+        </p:txBody>
+      </p:sp>
       <p:pic>
         <p:nvPicPr>
-          <p:cNvPr id="16" name="Picture 6" descr="Tracé 2 - Multiviews BTP">
-            <a:extLst>
-              <a:ext uri="{FF2B5EF4-FFF2-40B4-BE49-F238E27FC236}">
-                <a16:creationId xmlns:a16="http://schemas.microsoft.com/office/drawing/2014/main" id="{1F31EA42-349A-4BE0-A5F6-15AA65352F32}"/>
-              </a:ext>
-            </a:extLst>
-          </p:cNvPr>
+          <p:cNvPr id="1030" name="Picture 6" descr="Tracé 2 - Multiviews BTP"/>
           <p:cNvPicPr>
             <a:picLocks noChangeAspect="1" noChangeArrowheads="1"/>
           </p:cNvPicPr>
@@ -3711,8 +4062,8 @@
         </p:blipFill>
         <p:spPr bwMode="auto">
           <a:xfrm>
-            <a:off x="7009131" y="4198531"/>
-            <a:ext cx="2816128" cy="3207594"/>
+            <a:off x="3033398" y="4835143"/>
+            <a:ext cx="3725368" cy="4243226"/>
           </a:xfrm>
           <a:prstGeom prst="rect">
             <a:avLst/>
@@ -3731,20 +4082,14 @@
       </p:pic>
       <p:sp>
         <p:nvSpPr>
-          <p:cNvPr id="17" name="TextBox 11">
-            <a:extLst>
-              <a:ext uri="{FF2B5EF4-FFF2-40B4-BE49-F238E27FC236}">
-                <a16:creationId xmlns:a16="http://schemas.microsoft.com/office/drawing/2014/main" id="{D1BC3405-A1DE-46DC-8DA0-744C58EB8D10}"/>
-              </a:ext>
-            </a:extLst>
-          </p:cNvPr>
+          <p:cNvPr id="12" name="TextBox 11"/>
           <p:cNvSpPr txBox="1"/>
           <p:nvPr/>
         </p:nvSpPr>
         <p:spPr>
           <a:xfrm>
-            <a:off x="4923697" y="5424452"/>
-            <a:ext cx="1983691" cy="385362"/>
+            <a:off x="4193225" y="9078369"/>
+            <a:ext cx="1983691" cy="238848"/>
           </a:xfrm>
           <a:prstGeom prst="rect">
             <a:avLst/>
@@ -3759,62 +4104,59 @@
           <a:p>
             <a:r>
               <a:rPr lang="fr-FR" sz="952" dirty="0"/>
-              <a:t>Plan de traçage</a:t>
-            </a:r>
-          </a:p>
-          <a:p>
-            <a:r>
-              <a:rPr lang="fr-FR" sz="952" dirty="0"/>
-              <a:t> d’un balancement</a:t>
-            </a:r>
-          </a:p>
-        </p:txBody>
-      </p:sp>
-      <p:cxnSp>
-        <p:nvCxnSpPr>
-          <p:cNvPr id="18" name="Straight Arrow Connector 3">
-            <a:extLst>
-              <a:ext uri="{FF2B5EF4-FFF2-40B4-BE49-F238E27FC236}">
-                <a16:creationId xmlns:a16="http://schemas.microsoft.com/office/drawing/2014/main" id="{06995896-7DE4-4C06-87B6-6146B6ADC160}"/>
-              </a:ext>
-            </a:extLst>
-          </p:cNvPr>
-          <p:cNvCxnSpPr>
-            <a:cxnSpLocks/>
-          </p:cNvCxnSpPr>
+              <a:t>Plan d’un balancement</a:t>
+            </a:r>
+          </a:p>
+        </p:txBody>
+      </p:sp>
+      <p:sp>
+        <p:nvSpPr>
+          <p:cNvPr id="8" name="TextBox 7"/>
+          <p:cNvSpPr txBox="1"/>
           <p:nvPr/>
-        </p:nvCxnSpPr>
+        </p:nvSpPr>
         <p:spPr>
-          <a:xfrm flipV="1">
-            <a:off x="5235494" y="5809814"/>
-            <a:ext cx="1107424" cy="30619"/>
+          <a:xfrm>
+            <a:off x="211598" y="323833"/>
+            <a:ext cx="6795587" cy="444096"/>
           </a:xfrm>
-          <a:prstGeom prst="straightConnector1">
+          <a:prstGeom prst="rect">
             <a:avLst/>
           </a:prstGeom>
-          <a:ln>
-            <a:tailEnd type="triangle"/>
-          </a:ln>
+          <a:effectLst/>
         </p:spPr>
         <p:style>
-          <a:lnRef idx="3">
+          <a:lnRef idx="2">
             <a:schemeClr val="dk1"/>
           </a:lnRef>
-          <a:fillRef idx="0">
-            <a:schemeClr val="dk1"/>
+          <a:fillRef idx="1">
+            <a:schemeClr val="lt1"/>
           </a:fillRef>
-          <a:effectRef idx="2">
+          <a:effectRef idx="0">
             <a:schemeClr val="dk1"/>
           </a:effectRef>
           <a:fontRef idx="minor">
-            <a:schemeClr val="tx1"/>
+            <a:schemeClr val="dk1"/>
           </a:fontRef>
         </p:style>
-      </p:cxnSp>
+        <p:txBody>
+          <a:bodyPr wrap="square" rtlCol="0">
+            <a:spAutoFit/>
+          </a:bodyPr>
+          <a:lstStyle/>
+          <a:p>
+            <a:pPr algn="ctr"/>
+            <a:r>
+              <a:rPr lang="fr-FR" sz="2286" dirty="0"/>
+              <a:t>Vocabulaire relatif aux escaliers	2/2</a:t>
+            </a:r>
+          </a:p>
+        </p:txBody>
+      </p:sp>
     </p:spTree>
     <p:extLst>
       <p:ext uri="{BB962C8B-B14F-4D97-AF65-F5344CB8AC3E}">
-        <p14:creationId xmlns:p14="http://schemas.microsoft.com/office/powerpoint/2010/main" val="1232249512"/>
+        <p14:creationId xmlns:p14="http://schemas.microsoft.com/office/powerpoint/2010/main" val="1602086333"/>
       </p:ext>
     </p:extLst>
   </p:cSld>
@@ -3825,9 +4167,9 @@
 </file>
 
 <file path=ppt/theme/theme1.xml><?xml version="1.0" encoding="utf-8"?>
-<a:theme xmlns:a="http://schemas.openxmlformats.org/drawingml/2006/main" name="Thème Office">
+<a:theme xmlns:a="http://schemas.openxmlformats.org/drawingml/2006/main" name="Office Theme">
   <a:themeElements>
-    <a:clrScheme name="Thème Office">
+    <a:clrScheme name="Office Theme">
       <a:dk1>
         <a:sysClr val="windowText" lastClr="000000"/>
       </a:dk1>
@@ -3841,7 +4183,7 @@
         <a:srgbClr val="E7E6E6"/>
       </a:lt2>
       <a:accent1>
-        <a:srgbClr val="4472C4"/>
+        <a:srgbClr val="5B9BD5"/>
       </a:accent1>
       <a:accent2>
         <a:srgbClr val="ED7D31"/>
@@ -3853,7 +4195,7 @@
         <a:srgbClr val="FFC000"/>
       </a:accent4>
       <a:accent5>
-        <a:srgbClr val="5B9BD5"/>
+        <a:srgbClr val="4472C4"/>
       </a:accent5>
       <a:accent6>
         <a:srgbClr val="70AD47"/>
@@ -3865,7 +4207,7 @@
         <a:srgbClr val="954F72"/>
       </a:folHlink>
     </a:clrScheme>
-    <a:fontScheme name="Thème Office">
+    <a:fontScheme name="Office Theme">
       <a:majorFont>
         <a:latin typeface="Calibri Light" panose="020F0302020204030204"/>
         <a:ea typeface=""/>
@@ -3937,7 +4279,529 @@
         <a:font script="Geor" typeface="Sylfaen"/>
       </a:minorFont>
     </a:fontScheme>
-    <a:fmtScheme name="Thème Office">
+    <a:fmtScheme name="Office Theme">
+      <a:fillStyleLst>
+        <a:solidFill>
+          <a:schemeClr val="phClr"/>
+        </a:solidFill>
+        <a:gradFill rotWithShape="1">
+          <a:gsLst>
+            <a:gs pos="0">
+              <a:schemeClr val="phClr">
+                <a:lumMod val="110000"/>
+                <a:satMod val="105000"/>
+                <a:tint val="67000"/>
+              </a:schemeClr>
+            </a:gs>
+            <a:gs pos="50000">
+              <a:schemeClr val="phClr">
+                <a:lumMod val="105000"/>
+                <a:satMod val="103000"/>
+                <a:tint val="73000"/>
+              </a:schemeClr>
+            </a:gs>
+            <a:gs pos="100000">
+              <a:schemeClr val="phClr">
+                <a:lumMod val="105000"/>
+                <a:satMod val="109000"/>
+                <a:tint val="81000"/>
+              </a:schemeClr>
+            </a:gs>
+          </a:gsLst>
+          <a:lin ang="5400000" scaled="0"/>
+        </a:gradFill>
+        <a:gradFill rotWithShape="1">
+          <a:gsLst>
+            <a:gs pos="0">
+              <a:schemeClr val="phClr">
+                <a:satMod val="103000"/>
+                <a:lumMod val="102000"/>
+                <a:tint val="94000"/>
+              </a:schemeClr>
+            </a:gs>
+            <a:gs pos="50000">
+              <a:schemeClr val="phClr">
+                <a:satMod val="110000"/>
+                <a:lumMod val="100000"/>
+                <a:shade val="100000"/>
+              </a:schemeClr>
+            </a:gs>
+            <a:gs pos="100000">
+              <a:schemeClr val="phClr">
+                <a:lumMod val="99000"/>
+                <a:satMod val="120000"/>
+                <a:shade val="78000"/>
+              </a:schemeClr>
+            </a:gs>
+          </a:gsLst>
+          <a:lin ang="5400000" scaled="0"/>
+        </a:gradFill>
+      </a:fillStyleLst>
+      <a:lnStyleLst>
+        <a:ln w="6350" cap="flat" cmpd="sng" algn="ctr">
+          <a:solidFill>
+            <a:schemeClr val="phClr"/>
+          </a:solidFill>
+          <a:prstDash val="solid"/>
+          <a:miter lim="800000"/>
+        </a:ln>
+        <a:ln w="12700" cap="flat" cmpd="sng" algn="ctr">
+          <a:solidFill>
+            <a:schemeClr val="phClr"/>
+          </a:solidFill>
+          <a:prstDash val="solid"/>
+          <a:miter lim="800000"/>
+        </a:ln>
+        <a:ln w="19050" cap="flat" cmpd="sng" algn="ctr">
+          <a:solidFill>
+            <a:schemeClr val="phClr"/>
+          </a:solidFill>
+          <a:prstDash val="solid"/>
+          <a:miter lim="800000"/>
+        </a:ln>
+      </a:lnStyleLst>
+      <a:effectStyleLst>
+        <a:effectStyle>
+          <a:effectLst/>
+        </a:effectStyle>
+        <a:effectStyle>
+          <a:effectLst/>
+        </a:effectStyle>
+        <a:effectStyle>
+          <a:effectLst>
+            <a:outerShdw blurRad="57150" dist="19050" dir="5400000" algn="ctr" rotWithShape="0">
+              <a:srgbClr val="000000">
+                <a:alpha val="63000"/>
+              </a:srgbClr>
+            </a:outerShdw>
+          </a:effectLst>
+        </a:effectStyle>
+      </a:effectStyleLst>
+      <a:bgFillStyleLst>
+        <a:solidFill>
+          <a:schemeClr val="phClr"/>
+        </a:solidFill>
+        <a:solidFill>
+          <a:schemeClr val="phClr">
+            <a:tint val="95000"/>
+            <a:satMod val="170000"/>
+          </a:schemeClr>
+        </a:solidFill>
+        <a:gradFill rotWithShape="1">
+          <a:gsLst>
+            <a:gs pos="0">
+              <a:schemeClr val="phClr">
+                <a:tint val="93000"/>
+                <a:satMod val="150000"/>
+                <a:shade val="98000"/>
+                <a:lumMod val="102000"/>
+              </a:schemeClr>
+            </a:gs>
+            <a:gs pos="50000">
+              <a:schemeClr val="phClr">
+                <a:tint val="98000"/>
+                <a:satMod val="130000"/>
+                <a:shade val="90000"/>
+                <a:lumMod val="103000"/>
+              </a:schemeClr>
+            </a:gs>
+            <a:gs pos="100000">
+              <a:schemeClr val="phClr">
+                <a:shade val="63000"/>
+                <a:satMod val="120000"/>
+              </a:schemeClr>
+            </a:gs>
+          </a:gsLst>
+          <a:lin ang="5400000" scaled="0"/>
+        </a:gradFill>
+      </a:bgFillStyleLst>
+    </a:fmtScheme>
+  </a:themeElements>
+  <a:objectDefaults/>
+  <a:extraClrSchemeLst/>
+  <a:extLst>
+    <a:ext uri="{05A4C25C-085E-4340-85A3-A5531E510DB2}">
+      <thm15:themeFamily xmlns:thm15="http://schemas.microsoft.com/office/thememl/2012/main" name="Office Theme" id="{62F939B6-93AF-4DB8-9C6B-D6C7DFDC589F}" vid="{4A3C46E8-61CC-4603-A589-7422A47A8E4A}"/>
+    </a:ext>
+  </a:extLst>
+</a:theme>
+</file>
+
+<file path=ppt/theme/theme2.xml><?xml version="1.0" encoding="utf-8"?>
+<a:theme xmlns:a="http://schemas.openxmlformats.org/drawingml/2006/main" name="Office Theme">
+  <a:themeElements>
+    <a:clrScheme name="Office">
+      <a:dk1>
+        <a:sysClr val="windowText" lastClr="000000"/>
+      </a:dk1>
+      <a:lt1>
+        <a:sysClr val="window" lastClr="FFFFFF"/>
+      </a:lt1>
+      <a:dk2>
+        <a:srgbClr val="44546A"/>
+      </a:dk2>
+      <a:lt2>
+        <a:srgbClr val="E7E6E6"/>
+      </a:lt2>
+      <a:accent1>
+        <a:srgbClr val="5B9BD5"/>
+      </a:accent1>
+      <a:accent2>
+        <a:srgbClr val="ED7D31"/>
+      </a:accent2>
+      <a:accent3>
+        <a:srgbClr val="A5A5A5"/>
+      </a:accent3>
+      <a:accent4>
+        <a:srgbClr val="FFC000"/>
+      </a:accent4>
+      <a:accent5>
+        <a:srgbClr val="4472C4"/>
+      </a:accent5>
+      <a:accent6>
+        <a:srgbClr val="70AD47"/>
+      </a:accent6>
+      <a:hlink>
+        <a:srgbClr val="0563C1"/>
+      </a:hlink>
+      <a:folHlink>
+        <a:srgbClr val="954F72"/>
+      </a:folHlink>
+    </a:clrScheme>
+    <a:fontScheme name="Office">
+      <a:majorFont>
+        <a:latin typeface="Calibri Light" panose="020F0302020204030204"/>
+        <a:ea typeface=""/>
+        <a:cs typeface=""/>
+        <a:font script="Jpan" typeface="游ゴシック Light"/>
+        <a:font script="Hang" typeface="맑은 고딕"/>
+        <a:font script="Hans" typeface="等线 Light"/>
+        <a:font script="Hant" typeface="新細明體"/>
+        <a:font script="Arab" typeface="Times New Roman"/>
+        <a:font script="Hebr" typeface="Times New Roman"/>
+        <a:font script="Thai" typeface="Angsana New"/>
+        <a:font script="Ethi" typeface="Nyala"/>
+        <a:font script="Beng" typeface="Vrinda"/>
+        <a:font script="Gujr" typeface="Shruti"/>
+        <a:font script="Khmr" typeface="MoolBoran"/>
+        <a:font script="Knda" typeface="Tunga"/>
+        <a:font script="Guru" typeface="Raavi"/>
+        <a:font script="Cans" typeface="Euphemia"/>
+        <a:font script="Cher" typeface="Plantagenet Cherokee"/>
+        <a:font script="Yiii" typeface="Microsoft Yi Baiti"/>
+        <a:font script="Tibt" typeface="Microsoft Himalaya"/>
+        <a:font script="Thaa" typeface="MV Boli"/>
+        <a:font script="Deva" typeface="Mangal"/>
+        <a:font script="Telu" typeface="Gautami"/>
+        <a:font script="Taml" typeface="Latha"/>
+        <a:font script="Syrc" typeface="Estrangelo Edessa"/>
+        <a:font script="Orya" typeface="Kalinga"/>
+        <a:font script="Mlym" typeface="Kartika"/>
+        <a:font script="Laoo" typeface="DokChampa"/>
+        <a:font script="Sinh" typeface="Iskoola Pota"/>
+        <a:font script="Mong" typeface="Mongolian Baiti"/>
+        <a:font script="Viet" typeface="Times New Roman"/>
+        <a:font script="Uigh" typeface="Microsoft Uighur"/>
+        <a:font script="Geor" typeface="Sylfaen"/>
+      </a:majorFont>
+      <a:minorFont>
+        <a:latin typeface="Calibri" panose="020F0502020204030204"/>
+        <a:ea typeface=""/>
+        <a:cs typeface=""/>
+        <a:font script="Jpan" typeface="游ゴシック"/>
+        <a:font script="Hang" typeface="맑은 고딕"/>
+        <a:font script="Hans" typeface="等线"/>
+        <a:font script="Hant" typeface="新細明體"/>
+        <a:font script="Arab" typeface="Arial"/>
+        <a:font script="Hebr" typeface="Arial"/>
+        <a:font script="Thai" typeface="Cordia New"/>
+        <a:font script="Ethi" typeface="Nyala"/>
+        <a:font script="Beng" typeface="Vrinda"/>
+        <a:font script="Gujr" typeface="Shruti"/>
+        <a:font script="Khmr" typeface="DaunPenh"/>
+        <a:font script="Knda" typeface="Tunga"/>
+        <a:font script="Guru" typeface="Raavi"/>
+        <a:font script="Cans" typeface="Euphemia"/>
+        <a:font script="Cher" typeface="Plantagenet Cherokee"/>
+        <a:font script="Yiii" typeface="Microsoft Yi Baiti"/>
+        <a:font script="Tibt" typeface="Microsoft Himalaya"/>
+        <a:font script="Thaa" typeface="MV Boli"/>
+        <a:font script="Deva" typeface="Mangal"/>
+        <a:font script="Telu" typeface="Gautami"/>
+        <a:font script="Taml" typeface="Latha"/>
+        <a:font script="Syrc" typeface="Estrangelo Edessa"/>
+        <a:font script="Orya" typeface="Kalinga"/>
+        <a:font script="Mlym" typeface="Kartika"/>
+        <a:font script="Laoo" typeface="DokChampa"/>
+        <a:font script="Sinh" typeface="Iskoola Pota"/>
+        <a:font script="Mong" typeface="Mongolian Baiti"/>
+        <a:font script="Viet" typeface="Arial"/>
+        <a:font script="Uigh" typeface="Microsoft Uighur"/>
+        <a:font script="Geor" typeface="Sylfaen"/>
+      </a:minorFont>
+    </a:fontScheme>
+    <a:fmtScheme name="Office">
+      <a:fillStyleLst>
+        <a:solidFill>
+          <a:schemeClr val="phClr"/>
+        </a:solidFill>
+        <a:gradFill rotWithShape="1">
+          <a:gsLst>
+            <a:gs pos="0">
+              <a:schemeClr val="phClr">
+                <a:lumMod val="110000"/>
+                <a:satMod val="105000"/>
+                <a:tint val="67000"/>
+              </a:schemeClr>
+            </a:gs>
+            <a:gs pos="50000">
+              <a:schemeClr val="phClr">
+                <a:lumMod val="105000"/>
+                <a:satMod val="103000"/>
+                <a:tint val="73000"/>
+              </a:schemeClr>
+            </a:gs>
+            <a:gs pos="100000">
+              <a:schemeClr val="phClr">
+                <a:lumMod val="105000"/>
+                <a:satMod val="109000"/>
+                <a:tint val="81000"/>
+              </a:schemeClr>
+            </a:gs>
+          </a:gsLst>
+          <a:lin ang="5400000" scaled="0"/>
+        </a:gradFill>
+        <a:gradFill rotWithShape="1">
+          <a:gsLst>
+            <a:gs pos="0">
+              <a:schemeClr val="phClr">
+                <a:satMod val="103000"/>
+                <a:lumMod val="102000"/>
+                <a:tint val="94000"/>
+              </a:schemeClr>
+            </a:gs>
+            <a:gs pos="50000">
+              <a:schemeClr val="phClr">
+                <a:satMod val="110000"/>
+                <a:lumMod val="100000"/>
+                <a:shade val="100000"/>
+              </a:schemeClr>
+            </a:gs>
+            <a:gs pos="100000">
+              <a:schemeClr val="phClr">
+                <a:lumMod val="99000"/>
+                <a:satMod val="120000"/>
+                <a:shade val="78000"/>
+              </a:schemeClr>
+            </a:gs>
+          </a:gsLst>
+          <a:lin ang="5400000" scaled="0"/>
+        </a:gradFill>
+      </a:fillStyleLst>
+      <a:lnStyleLst>
+        <a:ln w="6350" cap="flat" cmpd="sng" algn="ctr">
+          <a:solidFill>
+            <a:schemeClr val="phClr"/>
+          </a:solidFill>
+          <a:prstDash val="solid"/>
+          <a:miter lim="800000"/>
+        </a:ln>
+        <a:ln w="12700" cap="flat" cmpd="sng" algn="ctr">
+          <a:solidFill>
+            <a:schemeClr val="phClr"/>
+          </a:solidFill>
+          <a:prstDash val="solid"/>
+          <a:miter lim="800000"/>
+        </a:ln>
+        <a:ln w="19050" cap="flat" cmpd="sng" algn="ctr">
+          <a:solidFill>
+            <a:schemeClr val="phClr"/>
+          </a:solidFill>
+          <a:prstDash val="solid"/>
+          <a:miter lim="800000"/>
+        </a:ln>
+      </a:lnStyleLst>
+      <a:effectStyleLst>
+        <a:effectStyle>
+          <a:effectLst/>
+        </a:effectStyle>
+        <a:effectStyle>
+          <a:effectLst/>
+        </a:effectStyle>
+        <a:effectStyle>
+          <a:effectLst>
+            <a:outerShdw blurRad="57150" dist="19050" dir="5400000" algn="ctr" rotWithShape="0">
+              <a:srgbClr val="000000">
+                <a:alpha val="63000"/>
+              </a:srgbClr>
+            </a:outerShdw>
+          </a:effectLst>
+        </a:effectStyle>
+      </a:effectStyleLst>
+      <a:bgFillStyleLst>
+        <a:solidFill>
+          <a:schemeClr val="phClr"/>
+        </a:solidFill>
+        <a:solidFill>
+          <a:schemeClr val="phClr">
+            <a:tint val="95000"/>
+            <a:satMod val="170000"/>
+          </a:schemeClr>
+        </a:solidFill>
+        <a:gradFill rotWithShape="1">
+          <a:gsLst>
+            <a:gs pos="0">
+              <a:schemeClr val="phClr">
+                <a:tint val="93000"/>
+                <a:satMod val="150000"/>
+                <a:shade val="98000"/>
+                <a:lumMod val="102000"/>
+              </a:schemeClr>
+            </a:gs>
+            <a:gs pos="50000">
+              <a:schemeClr val="phClr">
+                <a:tint val="98000"/>
+                <a:satMod val="130000"/>
+                <a:shade val="90000"/>
+                <a:lumMod val="103000"/>
+              </a:schemeClr>
+            </a:gs>
+            <a:gs pos="100000">
+              <a:schemeClr val="phClr">
+                <a:shade val="63000"/>
+                <a:satMod val="120000"/>
+              </a:schemeClr>
+            </a:gs>
+          </a:gsLst>
+          <a:lin ang="5400000" scaled="0"/>
+        </a:gradFill>
+      </a:bgFillStyleLst>
+    </a:fmtScheme>
+  </a:themeElements>
+  <a:objectDefaults/>
+  <a:extraClrSchemeLst/>
+  <a:extLst>
+    <a:ext uri="{05A4C25C-085E-4340-85A3-A5531E510DB2}">
+      <thm15:themeFamily xmlns:thm15="http://schemas.microsoft.com/office/thememl/2012/main" name="Office Theme" id="{62F939B6-93AF-4DB8-9C6B-D6C7DFDC589F}" vid="{4A3C46E8-61CC-4603-A589-7422A47A8E4A}"/>
+    </a:ext>
+  </a:extLst>
+</a:theme>
+</file>
+
+<file path=ppt/theme/theme3.xml><?xml version="1.0" encoding="utf-8"?>
+<a:theme xmlns:a="http://schemas.openxmlformats.org/drawingml/2006/main" name="Office Theme">
+  <a:themeElements>
+    <a:clrScheme name="Office">
+      <a:dk1>
+        <a:sysClr val="windowText" lastClr="000000"/>
+      </a:dk1>
+      <a:lt1>
+        <a:sysClr val="window" lastClr="FFFFFF"/>
+      </a:lt1>
+      <a:dk2>
+        <a:srgbClr val="44546A"/>
+      </a:dk2>
+      <a:lt2>
+        <a:srgbClr val="E7E6E6"/>
+      </a:lt2>
+      <a:accent1>
+        <a:srgbClr val="5B9BD5"/>
+      </a:accent1>
+      <a:accent2>
+        <a:srgbClr val="ED7D31"/>
+      </a:accent2>
+      <a:accent3>
+        <a:srgbClr val="A5A5A5"/>
+      </a:accent3>
+      <a:accent4>
+        <a:srgbClr val="FFC000"/>
+      </a:accent4>
+      <a:accent5>
+        <a:srgbClr val="4472C4"/>
+      </a:accent5>
+      <a:accent6>
+        <a:srgbClr val="70AD47"/>
+      </a:accent6>
+      <a:hlink>
+        <a:srgbClr val="0563C1"/>
+      </a:hlink>
+      <a:folHlink>
+        <a:srgbClr val="954F72"/>
+      </a:folHlink>
+    </a:clrScheme>
+    <a:fontScheme name="Office">
+      <a:majorFont>
+        <a:latin typeface="Calibri Light" panose="020F0302020204030204"/>
+        <a:ea typeface=""/>
+        <a:cs typeface=""/>
+        <a:font script="Jpan" typeface="游ゴシック Light"/>
+        <a:font script="Hang" typeface="맑은 고딕"/>
+        <a:font script="Hans" typeface="等线 Light"/>
+        <a:font script="Hant" typeface="新細明體"/>
+        <a:font script="Arab" typeface="Times New Roman"/>
+        <a:font script="Hebr" typeface="Times New Roman"/>
+        <a:font script="Thai" typeface="Angsana New"/>
+        <a:font script="Ethi" typeface="Nyala"/>
+        <a:font script="Beng" typeface="Vrinda"/>
+        <a:font script="Gujr" typeface="Shruti"/>
+        <a:font script="Khmr" typeface="MoolBoran"/>
+        <a:font script="Knda" typeface="Tunga"/>
+        <a:font script="Guru" typeface="Raavi"/>
+        <a:font script="Cans" typeface="Euphemia"/>
+        <a:font script="Cher" typeface="Plantagenet Cherokee"/>
+        <a:font script="Yiii" typeface="Microsoft Yi Baiti"/>
+        <a:font script="Tibt" typeface="Microsoft Himalaya"/>
+        <a:font script="Thaa" typeface="MV Boli"/>
+        <a:font script="Deva" typeface="Mangal"/>
+        <a:font script="Telu" typeface="Gautami"/>
+        <a:font script="Taml" typeface="Latha"/>
+        <a:font script="Syrc" typeface="Estrangelo Edessa"/>
+        <a:font script="Orya" typeface="Kalinga"/>
+        <a:font script="Mlym" typeface="Kartika"/>
+        <a:font script="Laoo" typeface="DokChampa"/>
+        <a:font script="Sinh" typeface="Iskoola Pota"/>
+        <a:font script="Mong" typeface="Mongolian Baiti"/>
+        <a:font script="Viet" typeface="Times New Roman"/>
+        <a:font script="Uigh" typeface="Microsoft Uighur"/>
+        <a:font script="Geor" typeface="Sylfaen"/>
+      </a:majorFont>
+      <a:minorFont>
+        <a:latin typeface="Calibri" panose="020F0502020204030204"/>
+        <a:ea typeface=""/>
+        <a:cs typeface=""/>
+        <a:font script="Jpan" typeface="游ゴシック"/>
+        <a:font script="Hang" typeface="맑은 고딕"/>
+        <a:font script="Hans" typeface="等线"/>
+        <a:font script="Hant" typeface="新細明體"/>
+        <a:font script="Arab" typeface="Arial"/>
+        <a:font script="Hebr" typeface="Arial"/>
+        <a:font script="Thai" typeface="Cordia New"/>
+        <a:font script="Ethi" typeface="Nyala"/>
+        <a:font script="Beng" typeface="Vrinda"/>
+        <a:font script="Gujr" typeface="Shruti"/>
+        <a:font script="Khmr" typeface="DaunPenh"/>
+        <a:font script="Knda" typeface="Tunga"/>
+        <a:font script="Guru" typeface="Raavi"/>
+        <a:font script="Cans" typeface="Euphemia"/>
+        <a:font script="Cher" typeface="Plantagenet Cherokee"/>
+        <a:font script="Yiii" typeface="Microsoft Yi Baiti"/>
+        <a:font script="Tibt" typeface="Microsoft Himalaya"/>
+        <a:font script="Thaa" typeface="MV Boli"/>
+        <a:font script="Deva" typeface="Mangal"/>
+        <a:font script="Telu" typeface="Gautami"/>
+        <a:font script="Taml" typeface="Latha"/>
+        <a:font script="Syrc" typeface="Estrangelo Edessa"/>
+        <a:font script="Orya" typeface="Kalinga"/>
+        <a:font script="Mlym" typeface="Kartika"/>
+        <a:font script="Laoo" typeface="DokChampa"/>
+        <a:font script="Sinh" typeface="Iskoola Pota"/>
+        <a:font script="Mong" typeface="Mongolian Baiti"/>
+        <a:font script="Viet" typeface="Arial"/>
+        <a:font script="Uigh" typeface="Microsoft Uighur"/>
+        <a:font script="Geor" typeface="Sylfaen"/>
+      </a:minorFont>
+    </a:fontScheme>
+    <a:fmtScheme name="Office">
       <a:fillStyleLst>
         <a:solidFill>
           <a:schemeClr val="phClr"/>

--- a/Cours terminés/Le vocabulaire de l'escalier.pptx
+++ b/Cours terminés/Le vocabulaire de l'escalier.pptx
@@ -5,14 +5,15 @@
     <p:sldMasterId id="2147483672" r:id="rId1"/>
   </p:sldMasterIdLst>
   <p:notesMasterIdLst>
-    <p:notesMasterId r:id="rId4"/>
+    <p:notesMasterId r:id="rId5"/>
   </p:notesMasterIdLst>
   <p:handoutMasterIdLst>
-    <p:handoutMasterId r:id="rId5"/>
+    <p:handoutMasterId r:id="rId6"/>
   </p:handoutMasterIdLst>
   <p:sldIdLst>
-    <p:sldId id="258" r:id="rId2"/>
-    <p:sldId id="259" r:id="rId3"/>
+    <p:sldId id="256" r:id="rId2"/>
+    <p:sldId id="258" r:id="rId3"/>
+    <p:sldId id="259" r:id="rId4"/>
   </p:sldIdLst>
   <p:sldSz cx="7199313" cy="10080625"/>
   <p:notesSz cx="6797675" cy="9926638"/>
@@ -212,7 +213,7 @@
           <a:p>
             <a:fld id="{1AE5F205-9F92-4364-BB27-9D702E108BBF}" type="datetimeFigureOut">
               <a:rPr lang="fr-FR" smtClean="0"/>
-              <a:t>02/08/2024</a:t>
+              <a:t>08/09/2024</a:t>
             </a:fld>
             <a:endParaRPr lang="fr-FR"/>
           </a:p>
@@ -378,7 +379,7 @@
           <a:p>
             <a:fld id="{FC332A08-707A-473B-ADC8-5287791CAEB0}" type="datetimeFigureOut">
               <a:rPr lang="fr-FR" smtClean="0"/>
-              <a:t>02/08/2024</a:t>
+              <a:t>08/09/2024</a:t>
             </a:fld>
             <a:endParaRPr lang="fr-FR"/>
           </a:p>
@@ -778,7 +779,7 @@
           <a:p>
             <a:fld id="{D31E1380-0A9F-4603-AC58-48312EBC6535}" type="datetime1">
               <a:rPr lang="fr-FR" smtClean="0"/>
-              <a:t>02/08/2024</a:t>
+              <a:t>08/09/2024</a:t>
             </a:fld>
             <a:endParaRPr lang="fr-FR"/>
           </a:p>
@@ -948,7 +949,7 @@
           <a:p>
             <a:fld id="{3F4037CB-0E7F-469C-88B1-D123E8603939}" type="datetime1">
               <a:rPr lang="fr-FR" smtClean="0"/>
-              <a:t>02/08/2024</a:t>
+              <a:t>08/09/2024</a:t>
             </a:fld>
             <a:endParaRPr lang="fr-FR"/>
           </a:p>
@@ -1128,7 +1129,7 @@
           <a:p>
             <a:fld id="{F82A1EB2-D990-4833-B111-146775E1CC31}" type="datetime1">
               <a:rPr lang="fr-FR" smtClean="0"/>
-              <a:t>02/08/2024</a:t>
+              <a:t>08/09/2024</a:t>
             </a:fld>
             <a:endParaRPr lang="fr-FR"/>
           </a:p>
@@ -1298,7 +1299,7 @@
           <a:p>
             <a:fld id="{85F10974-6D1C-45EF-8B7C-1146761C3113}" type="datetime1">
               <a:rPr lang="fr-FR" smtClean="0"/>
-              <a:t>02/08/2024</a:t>
+              <a:t>08/09/2024</a:t>
             </a:fld>
             <a:endParaRPr lang="fr-FR"/>
           </a:p>
@@ -1542,7 +1543,7 @@
           <a:p>
             <a:fld id="{DC34148C-78CE-4850-A998-F6971A92BEF4}" type="datetime1">
               <a:rPr lang="fr-FR" smtClean="0"/>
-              <a:t>02/08/2024</a:t>
+              <a:t>08/09/2024</a:t>
             </a:fld>
             <a:endParaRPr lang="fr-FR"/>
           </a:p>
@@ -1774,7 +1775,7 @@
           <a:p>
             <a:fld id="{98A58252-3290-48A4-A576-B3A8002083B4}" type="datetime1">
               <a:rPr lang="fr-FR" smtClean="0"/>
-              <a:t>02/08/2024</a:t>
+              <a:t>08/09/2024</a:t>
             </a:fld>
             <a:endParaRPr lang="fr-FR"/>
           </a:p>
@@ -2141,7 +2142,7 @@
           <a:p>
             <a:fld id="{3A63FD95-DAEC-49B9-9CCA-F99951CC24FD}" type="datetime1">
               <a:rPr lang="fr-FR" smtClean="0"/>
-              <a:t>02/08/2024</a:t>
+              <a:t>08/09/2024</a:t>
             </a:fld>
             <a:endParaRPr lang="fr-FR"/>
           </a:p>
@@ -2259,7 +2260,7 @@
           <a:p>
             <a:fld id="{8A30231E-2C9B-4553-AE68-92D0775C6EAD}" type="datetime1">
               <a:rPr lang="fr-FR" smtClean="0"/>
-              <a:t>02/08/2024</a:t>
+              <a:t>08/09/2024</a:t>
             </a:fld>
             <a:endParaRPr lang="fr-FR"/>
           </a:p>
@@ -2354,7 +2355,7 @@
           <a:p>
             <a:fld id="{A6DEB4C5-B870-4D86-A828-1FA41441279D}" type="datetime1">
               <a:rPr lang="fr-FR" smtClean="0"/>
-              <a:t>02/08/2024</a:t>
+              <a:t>08/09/2024</a:t>
             </a:fld>
             <a:endParaRPr lang="fr-FR"/>
           </a:p>
@@ -2631,7 +2632,7 @@
           <a:p>
             <a:fld id="{63297613-6D7C-4E8C-9830-EE061053635D}" type="datetime1">
               <a:rPr lang="fr-FR" smtClean="0"/>
-              <a:t>02/08/2024</a:t>
+              <a:t>08/09/2024</a:t>
             </a:fld>
             <a:endParaRPr lang="fr-FR"/>
           </a:p>
@@ -2888,7 +2889,7 @@
           <a:p>
             <a:fld id="{F30F028D-09CB-4438-BB93-EB757F0DDC34}" type="datetime1">
               <a:rPr lang="fr-FR" smtClean="0"/>
-              <a:t>02/08/2024</a:t>
+              <a:t>08/09/2024</a:t>
             </a:fld>
             <a:endParaRPr lang="fr-FR"/>
           </a:p>
@@ -3101,7 +3102,7 @@
           <a:p>
             <a:fld id="{6D0102F8-A850-419B-B4A6-EBE3511B74F6}" type="datetime1">
               <a:rPr lang="fr-FR" smtClean="0"/>
-              <a:t>02/08/2024</a:t>
+              <a:t>08/09/2024</a:t>
             </a:fld>
             <a:endParaRPr lang="fr-FR"/>
           </a:p>
@@ -3507,6 +3508,685 @@
           <a:chExt cx="0" cy="0"/>
         </a:xfrm>
       </p:grpSpPr>
+      <p:graphicFrame>
+        <p:nvGraphicFramePr>
+          <p:cNvPr id="7" name="Table 6"/>
+          <p:cNvGraphicFramePr>
+            <a:graphicFrameLocks noGrp="1"/>
+          </p:cNvGraphicFramePr>
+          <p:nvPr>
+            <p:extLst/>
+          </p:nvPr>
+        </p:nvGraphicFramePr>
+        <p:xfrm>
+          <a:off x="183147" y="434092"/>
+          <a:ext cx="6842090" cy="2966443"/>
+        </p:xfrm>
+        <a:graphic>
+          <a:graphicData uri="http://schemas.openxmlformats.org/drawingml/2006/table">
+            <a:tbl>
+              <a:tblPr firstRow="1" bandRow="1">
+                <a:tableStyleId>{C083E6E3-FA7D-4D7B-A595-EF9225AFEA82}</a:tableStyleId>
+              </a:tblPr>
+              <a:tblGrid>
+                <a:gridCol w="3421045">
+                  <a:extLst>
+                    <a:ext uri="{9D8B030D-6E8A-4147-A177-3AD203B41FA5}">
+                      <a16:colId xmlns:a16="http://schemas.microsoft.com/office/drawing/2014/main" val="1415968613"/>
+                    </a:ext>
+                  </a:extLst>
+                </a:gridCol>
+                <a:gridCol w="3421045">
+                  <a:extLst>
+                    <a:ext uri="{9D8B030D-6E8A-4147-A177-3AD203B41FA5}">
+                      <a16:colId xmlns:a16="http://schemas.microsoft.com/office/drawing/2014/main" val="3360888931"/>
+                    </a:ext>
+                  </a:extLst>
+                </a:gridCol>
+              </a:tblGrid>
+              <a:tr h="2966443">
+                <a:tc>
+                  <a:txBody>
+                    <a:bodyPr/>
+                    <a:lstStyle/>
+                    <a:p>
+                      <a:pPr algn="ctr"/>
+                      <a:r>
+                        <a:rPr lang="fr-FR" sz="3000" dirty="0"/>
+                        <a:t>Les escaliers</a:t>
+                      </a:r>
+                    </a:p>
+                  </a:txBody>
+                  <a:tcPr marL="87081" marR="87081" marT="43541" marB="43541" anchor="ctr"/>
+                </a:tc>
+                <a:tc>
+                  <a:txBody>
+                    <a:bodyPr/>
+                    <a:lstStyle/>
+                    <a:p>
+                      <a:endParaRPr lang="fr-FR" sz="1300" dirty="0"/>
+                    </a:p>
+                    <a:p>
+                      <a:endParaRPr lang="fr-FR" sz="1300" dirty="0"/>
+                    </a:p>
+                    <a:p>
+                      <a:endParaRPr lang="fr-FR" sz="1300" dirty="0"/>
+                    </a:p>
+                    <a:p>
+                      <a:endParaRPr lang="fr-FR" sz="1300" dirty="0"/>
+                    </a:p>
+                    <a:p>
+                      <a:endParaRPr lang="fr-FR" sz="1300" dirty="0"/>
+                    </a:p>
+                    <a:p>
+                      <a:endParaRPr lang="fr-FR" sz="1300" dirty="0"/>
+                    </a:p>
+                    <a:p>
+                      <a:endParaRPr lang="fr-FR" sz="1300" dirty="0"/>
+                    </a:p>
+                    <a:p>
+                      <a:endParaRPr lang="fr-FR" sz="1300" dirty="0"/>
+                    </a:p>
+                    <a:p>
+                      <a:endParaRPr lang="fr-FR" sz="1300" dirty="0"/>
+                    </a:p>
+                    <a:p>
+                      <a:endParaRPr lang="fr-FR" sz="1300" dirty="0"/>
+                    </a:p>
+                    <a:p>
+                      <a:endParaRPr lang="fr-FR" sz="1300" dirty="0"/>
+                    </a:p>
+                    <a:p>
+                      <a:endParaRPr lang="fr-FR" sz="1300" dirty="0"/>
+                    </a:p>
+                    <a:p>
+                      <a:endParaRPr lang="fr-FR" sz="1300" dirty="0"/>
+                    </a:p>
+                    <a:p>
+                      <a:endParaRPr lang="fr-FR" sz="1300" dirty="0"/>
+                    </a:p>
+                  </a:txBody>
+                  <a:tcPr marL="87081" marR="87081" marT="43541" marB="43541"/>
+                </a:tc>
+                <a:extLst>
+                  <a:ext uri="{0D108BD9-81ED-4DB2-BD59-A6C34878D82A}">
+                    <a16:rowId xmlns:a16="http://schemas.microsoft.com/office/drawing/2014/main" val="1874593451"/>
+                  </a:ext>
+                </a:extLst>
+              </a:tr>
+            </a:tbl>
+          </a:graphicData>
+        </a:graphic>
+      </p:graphicFrame>
+      <p:graphicFrame>
+        <p:nvGraphicFramePr>
+          <p:cNvPr id="9" name="Table 8"/>
+          <p:cNvGraphicFramePr>
+            <a:graphicFrameLocks noGrp="1"/>
+          </p:cNvGraphicFramePr>
+          <p:nvPr>
+            <p:extLst/>
+          </p:nvPr>
+        </p:nvGraphicFramePr>
+        <p:xfrm>
+          <a:off x="183147" y="3654350"/>
+          <a:ext cx="6842090" cy="353162"/>
+        </p:xfrm>
+        <a:graphic>
+          <a:graphicData uri="http://schemas.openxmlformats.org/drawingml/2006/table">
+            <a:tbl>
+              <a:tblPr firstRow="1" bandRow="1">
+                <a:tableStyleId>{5940675A-B579-460E-94D1-54222C63F5DA}</a:tableStyleId>
+              </a:tblPr>
+              <a:tblGrid>
+                <a:gridCol w="6842090">
+                  <a:extLst>
+                    <a:ext uri="{9D8B030D-6E8A-4147-A177-3AD203B41FA5}">
+                      <a16:colId xmlns:a16="http://schemas.microsoft.com/office/drawing/2014/main" val="1415968613"/>
+                    </a:ext>
+                  </a:extLst>
+                </a:gridCol>
+              </a:tblGrid>
+              <a:tr h="353162">
+                <a:tc>
+                  <a:txBody>
+                    <a:bodyPr/>
+                    <a:lstStyle/>
+                    <a:p>
+                      <a:r>
+                        <a:rPr lang="fr-FR" sz="1300" b="1" dirty="0"/>
+                        <a:t>Capacités générales utilisées</a:t>
+                      </a:r>
+                      <a:r>
+                        <a:rPr lang="fr-FR" sz="1300" b="1" baseline="0" dirty="0"/>
+                        <a:t> pour la séquence : </a:t>
+                      </a:r>
+                      <a:r>
+                        <a:rPr lang="fr-FR" sz="1300" baseline="0" dirty="0"/>
+                        <a:t>C.2 </a:t>
+                      </a:r>
+                      <a:endParaRPr lang="fr-FR" sz="1300" dirty="0"/>
+                    </a:p>
+                  </a:txBody>
+                  <a:tcPr marL="87081" marR="87081" marT="43541" marB="43541"/>
+                </a:tc>
+                <a:extLst>
+                  <a:ext uri="{0D108BD9-81ED-4DB2-BD59-A6C34878D82A}">
+                    <a16:rowId xmlns:a16="http://schemas.microsoft.com/office/drawing/2014/main" val="1874593451"/>
+                  </a:ext>
+                </a:extLst>
+              </a:tr>
+            </a:tbl>
+          </a:graphicData>
+        </a:graphic>
+      </p:graphicFrame>
+      <p:graphicFrame>
+        <p:nvGraphicFramePr>
+          <p:cNvPr id="10" name="Table 9"/>
+          <p:cNvGraphicFramePr>
+            <a:graphicFrameLocks noGrp="1"/>
+          </p:cNvGraphicFramePr>
+          <p:nvPr>
+            <p:extLst/>
+          </p:nvPr>
+        </p:nvGraphicFramePr>
+        <p:xfrm>
+          <a:off x="183147" y="4117401"/>
+          <a:ext cx="6842090" cy="353162"/>
+        </p:xfrm>
+        <a:graphic>
+          <a:graphicData uri="http://schemas.openxmlformats.org/drawingml/2006/table">
+            <a:tbl>
+              <a:tblPr firstRow="1" bandRow="1">
+                <a:tableStyleId>{5940675A-B579-460E-94D1-54222C63F5DA}</a:tableStyleId>
+              </a:tblPr>
+              <a:tblGrid>
+                <a:gridCol w="6842090">
+                  <a:extLst>
+                    <a:ext uri="{9D8B030D-6E8A-4147-A177-3AD203B41FA5}">
+                      <a16:colId xmlns:a16="http://schemas.microsoft.com/office/drawing/2014/main" val="1415968613"/>
+                    </a:ext>
+                  </a:extLst>
+                </a:gridCol>
+              </a:tblGrid>
+              <a:tr h="353162">
+                <a:tc>
+                  <a:txBody>
+                    <a:bodyPr/>
+                    <a:lstStyle/>
+                    <a:p>
+                      <a:r>
+                        <a:rPr lang="fr-FR" sz="1300" b="1" dirty="0"/>
+                        <a:t>Compétence</a:t>
+                      </a:r>
+                      <a:r>
+                        <a:rPr lang="fr-FR" sz="1300" baseline="0" dirty="0"/>
+                        <a:t> : Etablir un plan, Tracer et justifier son choix</a:t>
+                      </a:r>
+                      <a:endParaRPr lang="fr-FR" sz="1300" dirty="0"/>
+                    </a:p>
+                  </a:txBody>
+                  <a:tcPr marL="87081" marR="87081" marT="43541" marB="43541"/>
+                </a:tc>
+                <a:extLst>
+                  <a:ext uri="{0D108BD9-81ED-4DB2-BD59-A6C34878D82A}">
+                    <a16:rowId xmlns:a16="http://schemas.microsoft.com/office/drawing/2014/main" val="1874593451"/>
+                  </a:ext>
+                </a:extLst>
+              </a:tr>
+            </a:tbl>
+          </a:graphicData>
+        </a:graphic>
+      </p:graphicFrame>
+      <p:graphicFrame>
+        <p:nvGraphicFramePr>
+          <p:cNvPr id="12" name="Table 11"/>
+          <p:cNvGraphicFramePr>
+            <a:graphicFrameLocks noGrp="1"/>
+          </p:cNvGraphicFramePr>
+          <p:nvPr>
+            <p:extLst/>
+          </p:nvPr>
+        </p:nvGraphicFramePr>
+        <p:xfrm>
+          <a:off x="183147" y="4592007"/>
+          <a:ext cx="6842090" cy="353162"/>
+        </p:xfrm>
+        <a:graphic>
+          <a:graphicData uri="http://schemas.openxmlformats.org/drawingml/2006/table">
+            <a:tbl>
+              <a:tblPr firstRow="1" bandRow="1">
+                <a:tableStyleId>{5940675A-B579-460E-94D1-54222C63F5DA}</a:tableStyleId>
+              </a:tblPr>
+              <a:tblGrid>
+                <a:gridCol w="6842090">
+                  <a:extLst>
+                    <a:ext uri="{9D8B030D-6E8A-4147-A177-3AD203B41FA5}">
+                      <a16:colId xmlns:a16="http://schemas.microsoft.com/office/drawing/2014/main" val="1415968613"/>
+                    </a:ext>
+                  </a:extLst>
+                </a:gridCol>
+              </a:tblGrid>
+              <a:tr h="353162">
+                <a:tc>
+                  <a:txBody>
+                    <a:bodyPr/>
+                    <a:lstStyle/>
+                    <a:p>
+                      <a:r>
+                        <a:rPr lang="fr-FR" sz="1300" b="1" dirty="0"/>
+                        <a:t>Contexte</a:t>
+                      </a:r>
+                      <a:r>
+                        <a:rPr lang="fr-FR" sz="1300" dirty="0"/>
+                        <a:t> : Monsieur Dupont est un client qui à besoin de deux escaliers</a:t>
+                      </a:r>
+                    </a:p>
+                  </a:txBody>
+                  <a:tcPr marL="87081" marR="87081" marT="43541" marB="43541"/>
+                </a:tc>
+                <a:extLst>
+                  <a:ext uri="{0D108BD9-81ED-4DB2-BD59-A6C34878D82A}">
+                    <a16:rowId xmlns:a16="http://schemas.microsoft.com/office/drawing/2014/main" val="1874593451"/>
+                  </a:ext>
+                </a:extLst>
+              </a:tr>
+            </a:tbl>
+          </a:graphicData>
+        </a:graphic>
+      </p:graphicFrame>
+      <p:graphicFrame>
+        <p:nvGraphicFramePr>
+          <p:cNvPr id="13" name="Table 12"/>
+          <p:cNvGraphicFramePr>
+            <a:graphicFrameLocks noGrp="1"/>
+          </p:cNvGraphicFramePr>
+          <p:nvPr>
+            <p:extLst/>
+          </p:nvPr>
+        </p:nvGraphicFramePr>
+        <p:xfrm>
+          <a:off x="183147" y="5106460"/>
+          <a:ext cx="6842090" cy="704088"/>
+        </p:xfrm>
+        <a:graphic>
+          <a:graphicData uri="http://schemas.openxmlformats.org/drawingml/2006/table">
+            <a:tbl>
+              <a:tblPr firstRow="1" bandRow="1">
+                <a:tableStyleId>{5940675A-B579-460E-94D1-54222C63F5DA}</a:tableStyleId>
+              </a:tblPr>
+              <a:tblGrid>
+                <a:gridCol w="6842090">
+                  <a:extLst>
+                    <a:ext uri="{9D8B030D-6E8A-4147-A177-3AD203B41FA5}">
+                      <a16:colId xmlns:a16="http://schemas.microsoft.com/office/drawing/2014/main" val="1415968613"/>
+                    </a:ext>
+                  </a:extLst>
+                </a:gridCol>
+              </a:tblGrid>
+              <a:tr h="704088">
+                <a:tc>
+                  <a:txBody>
+                    <a:bodyPr/>
+                    <a:lstStyle/>
+                    <a:p>
+                      <a:r>
+                        <a:rPr lang="fr-FR" sz="1300" b="1" dirty="0"/>
+                        <a:t>Mise en situation </a:t>
+                      </a:r>
+                      <a:r>
+                        <a:rPr lang="fr-FR" sz="1300" dirty="0"/>
+                        <a:t>: Monsieur Dupont à besoin que</a:t>
+                      </a:r>
+                      <a:r>
+                        <a:rPr lang="fr-FR" sz="1300" baseline="0" dirty="0"/>
+                        <a:t> vous fabriquiez</a:t>
+                      </a:r>
+                      <a:r>
+                        <a:rPr lang="fr-FR" sz="1300" dirty="0"/>
+                        <a:t> deux escaliers (un droit et un quart tournant) dans</a:t>
+                      </a:r>
+                      <a:r>
+                        <a:rPr lang="fr-FR" sz="1300" baseline="0" dirty="0"/>
+                        <a:t> sa maison</a:t>
+                      </a:r>
+                      <a:r>
+                        <a:rPr lang="fr-FR" sz="1300" dirty="0"/>
+                        <a:t>.</a:t>
+                      </a:r>
+                      <a:r>
+                        <a:rPr lang="fr-FR" sz="1300" baseline="0" dirty="0"/>
+                        <a:t> Afin de répondre à son besoin vous déterminez le nombre de marches, la distance entre les nez de marche et vous tracez les escaliers sur un plan.</a:t>
+                      </a:r>
+                      <a:endParaRPr lang="fr-FR" sz="1300" dirty="0"/>
+                    </a:p>
+                  </a:txBody>
+                  <a:tcPr marL="87081" marR="87081" marT="43541" marB="43541"/>
+                </a:tc>
+                <a:extLst>
+                  <a:ext uri="{0D108BD9-81ED-4DB2-BD59-A6C34878D82A}">
+                    <a16:rowId xmlns:a16="http://schemas.microsoft.com/office/drawing/2014/main" val="1874593451"/>
+                  </a:ext>
+                </a:extLst>
+              </a:tr>
+            </a:tbl>
+          </a:graphicData>
+        </a:graphic>
+      </p:graphicFrame>
+      <p:graphicFrame>
+        <p:nvGraphicFramePr>
+          <p:cNvPr id="14" name="Table 13"/>
+          <p:cNvGraphicFramePr>
+            <a:graphicFrameLocks noGrp="1"/>
+          </p:cNvGraphicFramePr>
+          <p:nvPr>
+            <p:extLst>
+              <p:ext uri="{D42A27DB-BD31-4B8C-83A1-F6EECF244321}">
+                <p14:modId xmlns:p14="http://schemas.microsoft.com/office/powerpoint/2010/main" val="771014848"/>
+              </p:ext>
+            </p:extLst>
+          </p:nvPr>
+        </p:nvGraphicFramePr>
+        <p:xfrm>
+          <a:off x="183147" y="5951278"/>
+          <a:ext cx="6842090" cy="927194"/>
+        </p:xfrm>
+        <a:graphic>
+          <a:graphicData uri="http://schemas.openxmlformats.org/drawingml/2006/table">
+            <a:tbl>
+              <a:tblPr firstRow="1" bandRow="1">
+                <a:tableStyleId>{5940675A-B579-460E-94D1-54222C63F5DA}</a:tableStyleId>
+              </a:tblPr>
+              <a:tblGrid>
+                <a:gridCol w="6842090">
+                  <a:extLst>
+                    <a:ext uri="{9D8B030D-6E8A-4147-A177-3AD203B41FA5}">
+                      <a16:colId xmlns:a16="http://schemas.microsoft.com/office/drawing/2014/main" val="1415968613"/>
+                    </a:ext>
+                  </a:extLst>
+                </a:gridCol>
+              </a:tblGrid>
+              <a:tr h="927194">
+                <a:tc>
+                  <a:txBody>
+                    <a:bodyPr/>
+                    <a:lstStyle/>
+                    <a:p>
+                      <a:r>
+                        <a:rPr lang="fr-FR" sz="1300" b="1" dirty="0"/>
+                        <a:t>Objectif</a:t>
+                      </a:r>
+                      <a:r>
+                        <a:rPr lang="fr-FR" sz="1300" dirty="0"/>
+                        <a:t> : L’élève doit être capable de :</a:t>
+                      </a:r>
+                    </a:p>
+                    <a:p>
+                      <a:pPr marL="342900" indent="-342900">
+                        <a:buFont typeface="Arial" panose="020B0604020202020204" pitchFamily="34" charset="0"/>
+                        <a:buChar char="•"/>
+                      </a:pPr>
+                      <a:r>
+                        <a:rPr lang="fr-FR" sz="1300" dirty="0"/>
+                        <a:t>Représenter et tracer les marches</a:t>
+                      </a:r>
+                    </a:p>
+                    <a:p>
+                      <a:pPr marL="342900" indent="-342900">
+                        <a:buFont typeface="Arial" panose="020B0604020202020204" pitchFamily="34" charset="0"/>
+                        <a:buChar char="•"/>
+                      </a:pPr>
+                      <a:r>
+                        <a:rPr lang="fr-FR" sz="1300" dirty="0"/>
+                        <a:t>Déterminer</a:t>
+                      </a:r>
+                      <a:r>
+                        <a:rPr lang="fr-FR" sz="1300" baseline="0" dirty="0"/>
+                        <a:t> les hauteurs de marches et distance entre les nez de marche (giron)</a:t>
+                      </a:r>
+                    </a:p>
+                    <a:p>
+                      <a:pPr marL="342900" indent="-342900">
+                        <a:buFont typeface="Arial" panose="020B0604020202020204" pitchFamily="34" charset="0"/>
+                        <a:buChar char="•"/>
+                      </a:pPr>
+                      <a:r>
+                        <a:rPr lang="fr-FR" sz="1300" dirty="0"/>
+                        <a:t>Réaliser des choix techniques et esthétiques (loi de blondel)</a:t>
+                      </a:r>
+                    </a:p>
+                  </a:txBody>
+                  <a:tcPr marL="87081" marR="87081" marT="43541" marB="43541"/>
+                </a:tc>
+                <a:extLst>
+                  <a:ext uri="{0D108BD9-81ED-4DB2-BD59-A6C34878D82A}">
+                    <a16:rowId xmlns:a16="http://schemas.microsoft.com/office/drawing/2014/main" val="1874593451"/>
+                  </a:ext>
+                </a:extLst>
+              </a:tr>
+            </a:tbl>
+          </a:graphicData>
+        </a:graphic>
+      </p:graphicFrame>
+      <p:graphicFrame>
+        <p:nvGraphicFramePr>
+          <p:cNvPr id="15" name="Table 14"/>
+          <p:cNvGraphicFramePr>
+            <a:graphicFrameLocks noGrp="1"/>
+          </p:cNvGraphicFramePr>
+          <p:nvPr>
+            <p:extLst>
+              <p:ext uri="{D42A27DB-BD31-4B8C-83A1-F6EECF244321}">
+                <p14:modId xmlns:p14="http://schemas.microsoft.com/office/powerpoint/2010/main" val="3115057829"/>
+              </p:ext>
+            </p:extLst>
+          </p:nvPr>
+        </p:nvGraphicFramePr>
+        <p:xfrm>
+          <a:off x="178611" y="7019202"/>
+          <a:ext cx="6842090" cy="704088"/>
+        </p:xfrm>
+        <a:graphic>
+          <a:graphicData uri="http://schemas.openxmlformats.org/drawingml/2006/table">
+            <a:tbl>
+              <a:tblPr firstRow="1" bandRow="1">
+                <a:tableStyleId>{5940675A-B579-460E-94D1-54222C63F5DA}</a:tableStyleId>
+              </a:tblPr>
+              <a:tblGrid>
+                <a:gridCol w="6842090">
+                  <a:extLst>
+                    <a:ext uri="{9D8B030D-6E8A-4147-A177-3AD203B41FA5}">
+                      <a16:colId xmlns:a16="http://schemas.microsoft.com/office/drawing/2014/main" val="1415968613"/>
+                    </a:ext>
+                  </a:extLst>
+                </a:gridCol>
+              </a:tblGrid>
+              <a:tr h="704088">
+                <a:tc>
+                  <a:txBody>
+                    <a:bodyPr/>
+                    <a:lstStyle/>
+                    <a:p>
+                      <a:r>
+                        <a:rPr lang="fr-FR" sz="1300" b="1" dirty="0"/>
+                        <a:t>On demande de </a:t>
+                      </a:r>
+                      <a:r>
+                        <a:rPr lang="fr-FR" sz="1300" dirty="0"/>
+                        <a:t>:</a:t>
+                      </a:r>
+                    </a:p>
+                    <a:p>
+                      <a:r>
+                        <a:rPr lang="fr-FR" sz="1300" dirty="0"/>
+                        <a:t>      1.</a:t>
+                      </a:r>
+                      <a:r>
+                        <a:rPr lang="fr-FR" sz="1300" baseline="0" dirty="0"/>
+                        <a:t> De calculer le nombre de marche et la distance entre les nez de marche</a:t>
+                      </a:r>
+                    </a:p>
+                    <a:p>
+                      <a:r>
+                        <a:rPr lang="fr-FR" sz="1300" baseline="0" dirty="0"/>
+                        <a:t>      2. De tracer les escaliers</a:t>
+                      </a:r>
+                      <a:endParaRPr lang="fr-FR" sz="1300" dirty="0"/>
+                    </a:p>
+                  </a:txBody>
+                  <a:tcPr marL="87081" marR="87081" marT="43541" marB="43541"/>
+                </a:tc>
+                <a:extLst>
+                  <a:ext uri="{0D108BD9-81ED-4DB2-BD59-A6C34878D82A}">
+                    <a16:rowId xmlns:a16="http://schemas.microsoft.com/office/drawing/2014/main" val="1874593451"/>
+                  </a:ext>
+                </a:extLst>
+              </a:tr>
+            </a:tbl>
+          </a:graphicData>
+        </a:graphic>
+      </p:graphicFrame>
+      <p:graphicFrame>
+        <p:nvGraphicFramePr>
+          <p:cNvPr id="16" name="Table 15"/>
+          <p:cNvGraphicFramePr>
+            <a:graphicFrameLocks noGrp="1"/>
+          </p:cNvGraphicFramePr>
+          <p:nvPr>
+            <p:extLst>
+              <p:ext uri="{D42A27DB-BD31-4B8C-83A1-F6EECF244321}">
+                <p14:modId xmlns:p14="http://schemas.microsoft.com/office/powerpoint/2010/main" val="2355426536"/>
+              </p:ext>
+            </p:extLst>
+          </p:nvPr>
+        </p:nvGraphicFramePr>
+        <p:xfrm>
+          <a:off x="178611" y="7844376"/>
+          <a:ext cx="6842090" cy="909756"/>
+        </p:xfrm>
+        <a:graphic>
+          <a:graphicData uri="http://schemas.openxmlformats.org/drawingml/2006/table">
+            <a:tbl>
+              <a:tblPr firstRow="1" bandRow="1">
+                <a:tableStyleId>{5940675A-B579-460E-94D1-54222C63F5DA}</a:tableStyleId>
+              </a:tblPr>
+              <a:tblGrid>
+                <a:gridCol w="6842090">
+                  <a:extLst>
+                    <a:ext uri="{9D8B030D-6E8A-4147-A177-3AD203B41FA5}">
+                      <a16:colId xmlns:a16="http://schemas.microsoft.com/office/drawing/2014/main" val="1415968613"/>
+                    </a:ext>
+                  </a:extLst>
+                </a:gridCol>
+              </a:tblGrid>
+              <a:tr h="909756">
+                <a:tc>
+                  <a:txBody>
+                    <a:bodyPr/>
+                    <a:lstStyle/>
+                    <a:p>
+                      <a:r>
+                        <a:rPr lang="fr-FR" sz="1300" b="1" dirty="0"/>
+                        <a:t>On donne  </a:t>
+                      </a:r>
+                      <a:r>
+                        <a:rPr lang="fr-FR" sz="1300" dirty="0"/>
+                        <a:t>:</a:t>
+                      </a:r>
+                    </a:p>
+                    <a:p>
+                      <a:r>
+                        <a:rPr lang="fr-FR" sz="1300" dirty="0"/>
+                        <a:t>       1.</a:t>
+                      </a:r>
+                      <a:r>
+                        <a:rPr lang="fr-FR" sz="1300" baseline="0" dirty="0"/>
+                        <a:t> Le vocabulaire technique relatif aux escaliers</a:t>
+                      </a:r>
+                    </a:p>
+                    <a:p>
+                      <a:r>
+                        <a:rPr lang="fr-FR" sz="1300" dirty="0"/>
+                        <a:t>       2. Les formules de calcul d’un escaliers droit et quart tournant</a:t>
+                      </a:r>
+                    </a:p>
+                    <a:p>
+                      <a:r>
+                        <a:rPr lang="fr-FR" sz="1300" dirty="0"/>
+                        <a:t>       3. Les plans (vue</a:t>
+                      </a:r>
+                      <a:r>
+                        <a:rPr lang="fr-FR" sz="1300" baseline="0" dirty="0"/>
+                        <a:t> de haut) à une échelle traçable sur feuille</a:t>
+                      </a:r>
+                    </a:p>
+                  </a:txBody>
+                  <a:tcPr marL="87081" marR="87081" marT="43541" marB="43541"/>
+                </a:tc>
+                <a:extLst>
+                  <a:ext uri="{0D108BD9-81ED-4DB2-BD59-A6C34878D82A}">
+                    <a16:rowId xmlns:a16="http://schemas.microsoft.com/office/drawing/2014/main" val="1874593451"/>
+                  </a:ext>
+                </a:extLst>
+              </a:tr>
+            </a:tbl>
+          </a:graphicData>
+        </a:graphic>
+      </p:graphicFrame>
+      <p:pic>
+        <p:nvPicPr>
+          <p:cNvPr id="3" name="Picture 2"/>
+          <p:cNvPicPr>
+            <a:picLocks noChangeAspect="1"/>
+          </p:cNvPicPr>
+          <p:nvPr/>
+        </p:nvPicPr>
+        <p:blipFill>
+          <a:blip r:embed="rId2"/>
+          <a:stretch>
+            <a:fillRect/>
+          </a:stretch>
+        </p:blipFill>
+        <p:spPr>
+          <a:xfrm>
+            <a:off x="3604192" y="599335"/>
+            <a:ext cx="3390492" cy="2779882"/>
+          </a:xfrm>
+          <a:prstGeom prst="rect">
+            <a:avLst/>
+          </a:prstGeom>
+        </p:spPr>
+      </p:pic>
+    </p:spTree>
+    <p:extLst>
+      <p:ext uri="{BB962C8B-B14F-4D97-AF65-F5344CB8AC3E}">
+        <p14:creationId xmlns:p14="http://schemas.microsoft.com/office/powerpoint/2010/main" val="1185779512"/>
+      </p:ext>
+    </p:extLst>
+  </p:cSld>
+  <p:clrMapOvr>
+    <a:masterClrMapping/>
+  </p:clrMapOvr>
+</p:sld>
+</file>
+
+<file path=ppt/slides/slide2.xml><?xml version="1.0" encoding="utf-8"?>
+<p:sld xmlns:a="http://schemas.openxmlformats.org/drawingml/2006/main" xmlns:r="http://schemas.openxmlformats.org/officeDocument/2006/relationships" xmlns:p="http://schemas.openxmlformats.org/presentationml/2006/main">
+  <p:cSld>
+    <p:spTree>
+      <p:nvGrpSpPr>
+        <p:cNvPr id="1" name=""/>
+        <p:cNvGrpSpPr/>
+        <p:nvPr/>
+      </p:nvGrpSpPr>
+      <p:grpSpPr>
+        <a:xfrm>
+          <a:off x="0" y="0"/>
+          <a:ext cx="0" cy="0"/>
+          <a:chOff x="0" y="0"/>
+          <a:chExt cx="0" cy="0"/>
+        </a:xfrm>
+      </p:grpSpPr>
       <p:sp>
         <p:nvSpPr>
           <p:cNvPr id="5" name="TextBox 4"/>
@@ -3853,7 +4533,7 @@
 </p:sld>
 </file>
 
-<file path=ppt/slides/slide2.xml><?xml version="1.0" encoding="utf-8"?>
+<file path=ppt/slides/slide3.xml><?xml version="1.0" encoding="utf-8"?>
 <p:sld xmlns:a="http://schemas.openxmlformats.org/drawingml/2006/main" xmlns:r="http://schemas.openxmlformats.org/officeDocument/2006/relationships" xmlns:p="http://schemas.openxmlformats.org/presentationml/2006/main">
   <p:cSld>
     <p:spTree>
